--- a/北理东南研究院相关/报告-李英豪.pptx
+++ b/北理东南研究院相关/报告-李英豪.pptx
@@ -2,12 +2,24 @@
 <file path=ppt/presentation.xml><?xml version="1.0" encoding="utf-8"?>
 <p:presentation xmlns:a="http://schemas.openxmlformats.org/drawingml/2006/main" xmlns:r="http://schemas.openxmlformats.org/officeDocument/2006/relationships" xmlns:p="http://schemas.openxmlformats.org/presentationml/2006/main" saveSubsetFonts="1">
   <p:sldMasterIdLst>
-    <p:sldMasterId id="2147483826" r:id="rId1"/>
+    <p:sldMasterId id="2147483898" r:id="rId1"/>
+    <p:sldMasterId id="2147483934" r:id="rId2"/>
   </p:sldMasterIdLst>
   <p:sldIdLst>
-    <p:sldId id="256" r:id="rId2"/>
-    <p:sldId id="257" r:id="rId3"/>
-    <p:sldId id="258" r:id="rId4"/>
+    <p:sldId id="256" r:id="rId3"/>
+    <p:sldId id="257" r:id="rId4"/>
+    <p:sldId id="258" r:id="rId5"/>
+    <p:sldId id="259" r:id="rId6"/>
+    <p:sldId id="260" r:id="rId7"/>
+    <p:sldId id="261" r:id="rId8"/>
+    <p:sldId id="262" r:id="rId9"/>
+    <p:sldId id="263" r:id="rId10"/>
+    <p:sldId id="264" r:id="rId11"/>
+    <p:sldId id="266" r:id="rId12"/>
+    <p:sldId id="267" r:id="rId13"/>
+    <p:sldId id="265" r:id="rId14"/>
+    <p:sldId id="268" r:id="rId15"/>
+    <p:sldId id="269" r:id="rId16"/>
   </p:sldIdLst>
   <p:sldSz cx="12192000" cy="6858000"/>
   <p:notesSz cx="6858000" cy="9144000"/>
@@ -106,20 +118,17 @@
       </a:defRPr>
     </a:lvl9pPr>
   </p:defaultTextStyle>
+  <p:extLst>
+    <p:ext uri="{EFAFB233-063F-42B5-8137-9DF3F51BA10A}">
+      <p15:sldGuideLst xmlns:p15="http://schemas.microsoft.com/office/powerpoint/2012/main"/>
+    </p:ext>
+  </p:extLst>
 </p:presentation>
 </file>
 
 <file path=ppt/slideLayouts/slideLayout1.xml><?xml version="1.0" encoding="utf-8"?>
 <p:sldLayout xmlns:a="http://schemas.openxmlformats.org/drawingml/2006/main" xmlns:r="http://schemas.openxmlformats.org/officeDocument/2006/relationships" xmlns:p="http://schemas.openxmlformats.org/presentationml/2006/main" type="title" preserve="1">
   <p:cSld name="标题幻灯片">
-    <p:bg>
-      <p:bgPr>
-        <a:solidFill>
-          <a:schemeClr val="accent2"/>
-        </a:solidFill>
-        <a:effectLst/>
-      </p:bgPr>
-    </p:bg>
     <p:spTree>
       <p:nvGrpSpPr>
         <p:cNvPr id="1" name=""/>
@@ -144,36 +153,24 @@
             <p:ph type="ctrTitle"/>
           </p:nvPr>
         </p:nvSpPr>
-        <p:spPr bwMode="blackWhite">
+        <p:spPr>
           <a:xfrm>
-            <a:off x="1600200" y="2386744"/>
-            <a:ext cx="8991600" cy="1645920"/>
+            <a:off x="1524000" y="1124530"/>
+            <a:ext cx="9144000" cy="2387600"/>
           </a:xfrm>
-          <a:solidFill>
-            <a:srgbClr val="FFFFFF"/>
-          </a:solidFill>
-          <a:ln w="38100">
-            <a:solidFill>
-              <a:srgbClr val="404040"/>
-            </a:solidFill>
-          </a:ln>
         </p:spPr>
         <p:txBody>
-          <a:bodyPr lIns="274320" rIns="274320" anchor="ctr" anchorCtr="1">
+          <a:bodyPr anchor="b">
             <a:normAutofit/>
           </a:bodyPr>
           <a:lstStyle>
             <a:lvl1pPr algn="ctr">
-              <a:defRPr sz="3800">
-                <a:solidFill>
-                  <a:srgbClr val="262626"/>
-                </a:solidFill>
-              </a:defRPr>
+              <a:defRPr sz="6000"/>
             </a:lvl1pPr>
           </a:lstStyle>
           <a:p>
             <a:r>
-              <a:rPr lang="zh-CN" altLang="en-US"/>
+              <a:rPr lang="zh-CN" altLang="en-US" smtClean="0"/>
               <a:t>单击此处编辑母版标题样式</a:t>
             </a:r>
             <a:endParaRPr lang="en-US" dirty="0"/>
@@ -192,10 +189,9 @@
         </p:nvSpPr>
         <p:spPr>
           <a:xfrm>
-            <a:off x="2695194" y="4352544"/>
-            <a:ext cx="6801612" cy="1239894"/>
+            <a:off x="1524000" y="3602038"/>
+            <a:ext cx="9144000" cy="1655762"/>
           </a:xfrm>
-          <a:noFill/>
         </p:spPr>
         <p:txBody>
           <a:bodyPr>
@@ -204,7 +200,7 @@
           <a:lstStyle>
             <a:lvl1pPr marL="0" indent="0" algn="ctr">
               <a:buNone/>
-              <a:defRPr sz="2000">
+              <a:defRPr sz="2400">
                 <a:solidFill>
                   <a:schemeClr val="tx1">
                     <a:lumMod val="75000"/>
@@ -215,41 +211,41 @@
             </a:lvl1pPr>
             <a:lvl2pPr marL="457200" indent="0" algn="ctr">
               <a:buNone/>
-              <a:defRPr sz="2000"/>
+              <a:defRPr sz="2800"/>
             </a:lvl2pPr>
             <a:lvl3pPr marL="914400" indent="0" algn="ctr">
               <a:buNone/>
-              <a:defRPr sz="1800"/>
+              <a:defRPr sz="2400"/>
             </a:lvl3pPr>
             <a:lvl4pPr marL="1371600" indent="0" algn="ctr">
               <a:buNone/>
-              <a:defRPr sz="1600"/>
+              <a:defRPr sz="2000"/>
             </a:lvl4pPr>
             <a:lvl5pPr marL="1828800" indent="0" algn="ctr">
               <a:buNone/>
-              <a:defRPr sz="1600"/>
+              <a:defRPr sz="2000"/>
             </a:lvl5pPr>
             <a:lvl6pPr marL="2286000" indent="0" algn="ctr">
               <a:buNone/>
-              <a:defRPr sz="1600"/>
+              <a:defRPr sz="2000"/>
             </a:lvl6pPr>
             <a:lvl7pPr marL="2743200" indent="0" algn="ctr">
               <a:buNone/>
-              <a:defRPr sz="1600"/>
+              <a:defRPr sz="2000"/>
             </a:lvl7pPr>
             <a:lvl8pPr marL="3200400" indent="0" algn="ctr">
               <a:buNone/>
-              <a:defRPr sz="1600"/>
+              <a:defRPr sz="2000"/>
             </a:lvl8pPr>
             <a:lvl9pPr marL="3657600" indent="0" algn="ctr">
               <a:buNone/>
-              <a:defRPr sz="1600"/>
+              <a:defRPr sz="2000"/>
             </a:lvl9pPr>
           </a:lstStyle>
           <a:p>
             <a:r>
-              <a:rPr lang="zh-CN" altLang="en-US"/>
-              <a:t>单击此处编辑母版副标题样式</a:t>
+              <a:rPr lang="zh-CN" altLang="en-US" smtClean="0"/>
+              <a:t>单击以编辑母版副标题样式</a:t>
             </a:r>
             <a:endParaRPr lang="en-US" dirty="0"/>
           </a:p>
@@ -257,7 +253,7 @@
       </p:sp>
       <p:sp>
         <p:nvSpPr>
-          <p:cNvPr id="7" name="Date Placeholder 6"/>
+          <p:cNvPr id="4" name="Date Placeholder 3"/>
           <p:cNvSpPr>
             <a:spLocks noGrp="1"/>
           </p:cNvSpPr>
@@ -272,7 +268,7 @@
           <a:p>
             <a:fld id="{08AE6406-1AA9-466A-BB26-4173F06B2034}" type="datetimeFigureOut">
               <a:rPr lang="zh-CN" altLang="en-US" smtClean="0"/>
-              <a:t>2020/7/19</a:t>
+              <a:t>2020/7/20</a:t>
             </a:fld>
             <a:endParaRPr lang="zh-CN" altLang="en-US"/>
           </a:p>
@@ -280,7 +276,7 @@
       </p:sp>
       <p:sp>
         <p:nvSpPr>
-          <p:cNvPr id="8" name="Footer Placeholder 7"/>
+          <p:cNvPr id="5" name="Footer Placeholder 4"/>
           <p:cNvSpPr>
             <a:spLocks noGrp="1"/>
           </p:cNvSpPr>
@@ -299,7 +295,7 @@
       </p:sp>
       <p:sp>
         <p:nvSpPr>
-          <p:cNvPr id="9" name="Slide Number Placeholder 8"/>
+          <p:cNvPr id="6" name="Slide Number Placeholder 5"/>
           <p:cNvSpPr>
             <a:spLocks noGrp="1"/>
           </p:cNvSpPr>
@@ -323,12 +319,12 @@
     </p:spTree>
     <p:extLst>
       <p:ext uri="{BB962C8B-B14F-4D97-AF65-F5344CB8AC3E}">
-        <p14:creationId xmlns:p14="http://schemas.microsoft.com/office/powerpoint/2010/main" val="3972632587"/>
+        <p14:creationId xmlns:p14="http://schemas.microsoft.com/office/powerpoint/2010/main" val="3728178000"/>
       </p:ext>
     </p:extLst>
   </p:cSld>
   <p:clrMapOvr>
-    <a:overrideClrMapping bg1="dk1" tx1="lt1" bg2="dk2" tx2="lt2" accent1="accent1" accent2="accent2" accent3="accent3" accent4="accent4" accent5="accent5" accent6="accent6" hlink="hlink" folHlink="folHlink"/>
+    <a:masterClrMapping/>
   </p:clrMapOvr>
 </p:sldLayout>
 </file>
@@ -366,83 +362,83 @@
           <a:lstStyle/>
           <a:p>
             <a:r>
-              <a:rPr lang="zh-CN" altLang="en-US"/>
+              <a:rPr lang="zh-CN" altLang="en-US" smtClean="0"/>
               <a:t>单击此处编辑母版标题样式</a:t>
             </a:r>
+            <a:endParaRPr lang="en-US"/>
+          </a:p>
+        </p:txBody>
+      </p:sp>
+      <p:sp>
+        <p:nvSpPr>
+          <p:cNvPr id="3" name="Vertical Text Placeholder 2"/>
+          <p:cNvSpPr>
+            <a:spLocks noGrp="1"/>
+          </p:cNvSpPr>
+          <p:nvPr>
+            <p:ph type="body" orient="vert" idx="1"/>
+          </p:nvPr>
+        </p:nvSpPr>
+        <p:spPr/>
+        <p:txBody>
+          <a:bodyPr vert="eaVert"/>
+          <a:lstStyle/>
+          <a:p>
+            <a:pPr lvl="0"/>
+            <a:r>
+              <a:rPr lang="zh-CN" altLang="en-US" smtClean="0"/>
+              <a:t>编辑母版文本样式</a:t>
+            </a:r>
+          </a:p>
+          <a:p>
+            <a:pPr lvl="1"/>
+            <a:r>
+              <a:rPr lang="zh-CN" altLang="en-US" smtClean="0"/>
+              <a:t>第二级</a:t>
+            </a:r>
+          </a:p>
+          <a:p>
+            <a:pPr lvl="2"/>
+            <a:r>
+              <a:rPr lang="zh-CN" altLang="en-US" smtClean="0"/>
+              <a:t>第三级</a:t>
+            </a:r>
+          </a:p>
+          <a:p>
+            <a:pPr lvl="3"/>
+            <a:r>
+              <a:rPr lang="zh-CN" altLang="en-US" smtClean="0"/>
+              <a:t>第四级</a:t>
+            </a:r>
+          </a:p>
+          <a:p>
+            <a:pPr lvl="4"/>
+            <a:r>
+              <a:rPr lang="zh-CN" altLang="en-US" smtClean="0"/>
+              <a:t>第五级</a:t>
+            </a:r>
             <a:endParaRPr lang="en-US" dirty="0"/>
           </a:p>
         </p:txBody>
       </p:sp>
       <p:sp>
         <p:nvSpPr>
-          <p:cNvPr id="3" name="Vertical Text Placeholder 2"/>
-          <p:cNvSpPr>
-            <a:spLocks noGrp="1"/>
-          </p:cNvSpPr>
-          <p:nvPr>
-            <p:ph type="body" orient="vert" idx="1"/>
+          <p:cNvPr id="4" name="Date Placeholder 3"/>
+          <p:cNvSpPr>
+            <a:spLocks noGrp="1"/>
+          </p:cNvSpPr>
+          <p:nvPr>
+            <p:ph type="dt" sz="half" idx="10"/>
           </p:nvPr>
         </p:nvSpPr>
         <p:spPr/>
         <p:txBody>
-          <a:bodyPr vert="eaVert"/>
-          <a:lstStyle/>
-          <a:p>
-            <a:pPr lvl="0"/>
-            <a:r>
-              <a:rPr lang="zh-CN" altLang="en-US"/>
-              <a:t>单击此处编辑母版文本样式</a:t>
-            </a:r>
-          </a:p>
-          <a:p>
-            <a:pPr lvl="1"/>
-            <a:r>
-              <a:rPr lang="zh-CN" altLang="en-US"/>
-              <a:t>二级</a:t>
-            </a:r>
-          </a:p>
-          <a:p>
-            <a:pPr lvl="2"/>
-            <a:r>
-              <a:rPr lang="zh-CN" altLang="en-US"/>
-              <a:t>三级</a:t>
-            </a:r>
-          </a:p>
-          <a:p>
-            <a:pPr lvl="3"/>
-            <a:r>
-              <a:rPr lang="zh-CN" altLang="en-US"/>
-              <a:t>四级</a:t>
-            </a:r>
-          </a:p>
-          <a:p>
-            <a:pPr lvl="4"/>
-            <a:r>
-              <a:rPr lang="zh-CN" altLang="en-US"/>
-              <a:t>五级</a:t>
-            </a:r>
-            <a:endParaRPr lang="en-US" dirty="0"/>
-          </a:p>
-        </p:txBody>
-      </p:sp>
-      <p:sp>
-        <p:nvSpPr>
-          <p:cNvPr id="4" name="Date Placeholder 3"/>
-          <p:cNvSpPr>
-            <a:spLocks noGrp="1"/>
-          </p:cNvSpPr>
-          <p:nvPr>
-            <p:ph type="dt" sz="half" idx="10"/>
-          </p:nvPr>
-        </p:nvSpPr>
-        <p:spPr/>
-        <p:txBody>
           <a:bodyPr/>
           <a:lstStyle/>
           <a:p>
             <a:fld id="{08AE6406-1AA9-466A-BB26-4173F06B2034}" type="datetimeFigureOut">
               <a:rPr lang="zh-CN" altLang="en-US" smtClean="0"/>
-              <a:t>2020/7/19</a:t>
+              <a:t>2020/7/20</a:t>
             </a:fld>
             <a:endParaRPr lang="zh-CN" altLang="en-US"/>
           </a:p>
@@ -493,7 +489,7 @@
     </p:spTree>
     <p:extLst>
       <p:ext uri="{BB962C8B-B14F-4D97-AF65-F5344CB8AC3E}">
-        <p14:creationId xmlns:p14="http://schemas.microsoft.com/office/powerpoint/2010/main" val="4261205403"/>
+        <p14:creationId xmlns:p14="http://schemas.microsoft.com/office/powerpoint/2010/main" val="810025305"/>
       </p:ext>
     </p:extLst>
   </p:cSld>
@@ -532,8 +528,8 @@
         </p:nvSpPr>
         <p:spPr>
           <a:xfrm>
-            <a:off x="8653112" y="937260"/>
-            <a:ext cx="1298608" cy="4983480"/>
+            <a:off x="8724900" y="360362"/>
+            <a:ext cx="2628900" cy="5811838"/>
           </a:xfrm>
         </p:spPr>
         <p:txBody>
@@ -541,10 +537,10 @@
           <a:lstStyle/>
           <a:p>
             <a:r>
-              <a:rPr lang="zh-CN" altLang="en-US"/>
+              <a:rPr lang="zh-CN" altLang="en-US" smtClean="0"/>
               <a:t>单击此处编辑母版标题样式</a:t>
             </a:r>
-            <a:endParaRPr lang="en-US" dirty="0"/>
+            <a:endParaRPr lang="en-US"/>
           </a:p>
         </p:txBody>
       </p:sp>
@@ -560,8 +556,8 @@
         </p:nvSpPr>
         <p:spPr>
           <a:xfrm>
-            <a:off x="2231136" y="937260"/>
-            <a:ext cx="6198489" cy="4983480"/>
+            <a:off x="838200" y="360362"/>
+            <a:ext cx="7734300" cy="5811837"/>
           </a:xfrm>
         </p:spPr>
         <p:txBody>
@@ -570,38 +566,38 @@
           <a:p>
             <a:pPr lvl="0"/>
             <a:r>
-              <a:rPr lang="zh-CN" altLang="en-US"/>
-              <a:t>单击此处编辑母版文本样式</a:t>
+              <a:rPr lang="zh-CN" altLang="en-US" smtClean="0"/>
+              <a:t>编辑母版文本样式</a:t>
             </a:r>
           </a:p>
           <a:p>
             <a:pPr lvl="1"/>
             <a:r>
-              <a:rPr lang="zh-CN" altLang="en-US"/>
-              <a:t>二级</a:t>
+              <a:rPr lang="zh-CN" altLang="en-US" smtClean="0"/>
+              <a:t>第二级</a:t>
             </a:r>
           </a:p>
           <a:p>
             <a:pPr lvl="2"/>
             <a:r>
-              <a:rPr lang="zh-CN" altLang="en-US"/>
-              <a:t>三级</a:t>
+              <a:rPr lang="zh-CN" altLang="en-US" smtClean="0"/>
+              <a:t>第三级</a:t>
             </a:r>
           </a:p>
           <a:p>
             <a:pPr lvl="3"/>
             <a:r>
-              <a:rPr lang="zh-CN" altLang="en-US"/>
-              <a:t>四级</a:t>
+              <a:rPr lang="zh-CN" altLang="en-US" smtClean="0"/>
+              <a:t>第四级</a:t>
             </a:r>
           </a:p>
           <a:p>
             <a:pPr lvl="4"/>
             <a:r>
-              <a:rPr lang="zh-CN" altLang="en-US"/>
-              <a:t>五级</a:t>
-            </a:r>
-            <a:endParaRPr lang="en-US" dirty="0"/>
+              <a:rPr lang="zh-CN" altLang="en-US" smtClean="0"/>
+              <a:t>第五级</a:t>
+            </a:r>
+            <a:endParaRPr lang="en-US"/>
           </a:p>
         </p:txBody>
       </p:sp>
@@ -622,7 +618,7 @@
           <a:p>
             <a:fld id="{08AE6406-1AA9-466A-BB26-4173F06B2034}" type="datetimeFigureOut">
               <a:rPr lang="zh-CN" altLang="en-US" smtClean="0"/>
-              <a:t>2020/7/19</a:t>
+              <a:t>2020/7/20</a:t>
             </a:fld>
             <a:endParaRPr lang="zh-CN" altLang="en-US"/>
           </a:p>
@@ -673,7 +669,7 @@
     </p:spTree>
     <p:extLst>
       <p:ext uri="{BB962C8B-B14F-4D97-AF65-F5344CB8AC3E}">
-        <p14:creationId xmlns:p14="http://schemas.microsoft.com/office/powerpoint/2010/main" val="971614521"/>
+        <p14:creationId xmlns:p14="http://schemas.microsoft.com/office/powerpoint/2010/main" val="282800797"/>
       </p:ext>
     </p:extLst>
   </p:cSld>
@@ -683,7 +679,231 @@
 </p:sldLayout>
 </file>
 
-<file path=ppt/slideLayouts/slideLayout2.xml><?xml version="1.0" encoding="utf-8"?>
+<file path=ppt/slideLayouts/slideLayout12.xml><?xml version="1.0" encoding="utf-8"?>
+<p:sldLayout xmlns:a="http://schemas.openxmlformats.org/drawingml/2006/main" xmlns:r="http://schemas.openxmlformats.org/officeDocument/2006/relationships" xmlns:p="http://schemas.openxmlformats.org/presentationml/2006/main" type="title" preserve="1">
+  <p:cSld name="标题幻灯片">
+    <p:bg>
+      <p:bgPr>
+        <a:solidFill>
+          <a:schemeClr val="accent2"/>
+        </a:solidFill>
+        <a:effectLst/>
+      </p:bgPr>
+    </p:bg>
+    <p:spTree>
+      <p:nvGrpSpPr>
+        <p:cNvPr id="1" name=""/>
+        <p:cNvGrpSpPr/>
+        <p:nvPr/>
+      </p:nvGrpSpPr>
+      <p:grpSpPr>
+        <a:xfrm>
+          <a:off x="0" y="0"/>
+          <a:ext cx="0" cy="0"/>
+          <a:chOff x="0" y="0"/>
+          <a:chExt cx="0" cy="0"/>
+        </a:xfrm>
+      </p:grpSpPr>
+      <p:sp>
+        <p:nvSpPr>
+          <p:cNvPr id="2" name="Title 1"/>
+          <p:cNvSpPr>
+            <a:spLocks noGrp="1"/>
+          </p:cNvSpPr>
+          <p:nvPr>
+            <p:ph type="ctrTitle"/>
+          </p:nvPr>
+        </p:nvSpPr>
+        <p:spPr bwMode="blackWhite">
+          <a:xfrm>
+            <a:off x="1600200" y="2386744"/>
+            <a:ext cx="8991600" cy="1645920"/>
+          </a:xfrm>
+          <a:solidFill>
+            <a:srgbClr val="FFFFFF"/>
+          </a:solidFill>
+          <a:ln w="38100">
+            <a:solidFill>
+              <a:srgbClr val="404040"/>
+            </a:solidFill>
+          </a:ln>
+        </p:spPr>
+        <p:txBody>
+          <a:bodyPr lIns="274320" rIns="274320" anchor="ctr" anchorCtr="1">
+            <a:normAutofit/>
+          </a:bodyPr>
+          <a:lstStyle>
+            <a:lvl1pPr algn="ctr">
+              <a:defRPr sz="3800">
+                <a:solidFill>
+                  <a:srgbClr val="262626"/>
+                </a:solidFill>
+              </a:defRPr>
+            </a:lvl1pPr>
+          </a:lstStyle>
+          <a:p>
+            <a:r>
+              <a:rPr lang="zh-CN" altLang="en-US" smtClean="0"/>
+              <a:t>单击此处编辑母版标题样式</a:t>
+            </a:r>
+            <a:endParaRPr lang="en-US" dirty="0"/>
+          </a:p>
+        </p:txBody>
+      </p:sp>
+      <p:sp>
+        <p:nvSpPr>
+          <p:cNvPr id="3" name="Subtitle 2"/>
+          <p:cNvSpPr>
+            <a:spLocks noGrp="1"/>
+          </p:cNvSpPr>
+          <p:nvPr>
+            <p:ph type="subTitle" idx="1"/>
+          </p:nvPr>
+        </p:nvSpPr>
+        <p:spPr>
+          <a:xfrm>
+            <a:off x="2695194" y="4352544"/>
+            <a:ext cx="6801612" cy="1239894"/>
+          </a:xfrm>
+          <a:noFill/>
+        </p:spPr>
+        <p:txBody>
+          <a:bodyPr>
+            <a:normAutofit/>
+          </a:bodyPr>
+          <a:lstStyle>
+            <a:lvl1pPr marL="0" indent="0" algn="ctr">
+              <a:buNone/>
+              <a:defRPr sz="2000">
+                <a:solidFill>
+                  <a:schemeClr val="tx1">
+                    <a:lumMod val="75000"/>
+                    <a:lumOff val="25000"/>
+                  </a:schemeClr>
+                </a:solidFill>
+              </a:defRPr>
+            </a:lvl1pPr>
+            <a:lvl2pPr marL="457200" indent="0" algn="ctr">
+              <a:buNone/>
+              <a:defRPr sz="2000"/>
+            </a:lvl2pPr>
+            <a:lvl3pPr marL="914400" indent="0" algn="ctr">
+              <a:buNone/>
+              <a:defRPr sz="1800"/>
+            </a:lvl3pPr>
+            <a:lvl4pPr marL="1371600" indent="0" algn="ctr">
+              <a:buNone/>
+              <a:defRPr sz="1600"/>
+            </a:lvl4pPr>
+            <a:lvl5pPr marL="1828800" indent="0" algn="ctr">
+              <a:buNone/>
+              <a:defRPr sz="1600"/>
+            </a:lvl5pPr>
+            <a:lvl6pPr marL="2286000" indent="0" algn="ctr">
+              <a:buNone/>
+              <a:defRPr sz="1600"/>
+            </a:lvl6pPr>
+            <a:lvl7pPr marL="2743200" indent="0" algn="ctr">
+              <a:buNone/>
+              <a:defRPr sz="1600"/>
+            </a:lvl7pPr>
+            <a:lvl8pPr marL="3200400" indent="0" algn="ctr">
+              <a:buNone/>
+              <a:defRPr sz="1600"/>
+            </a:lvl8pPr>
+            <a:lvl9pPr marL="3657600" indent="0" algn="ctr">
+              <a:buNone/>
+              <a:defRPr sz="1600"/>
+            </a:lvl9pPr>
+          </a:lstStyle>
+          <a:p>
+            <a:r>
+              <a:rPr lang="zh-CN" altLang="en-US" smtClean="0"/>
+              <a:t>单击以编辑母版副标题样式</a:t>
+            </a:r>
+            <a:endParaRPr lang="en-US" dirty="0"/>
+          </a:p>
+        </p:txBody>
+      </p:sp>
+      <p:sp>
+        <p:nvSpPr>
+          <p:cNvPr id="7" name="Date Placeholder 6"/>
+          <p:cNvSpPr>
+            <a:spLocks noGrp="1"/>
+          </p:cNvSpPr>
+          <p:nvPr>
+            <p:ph type="dt" sz="half" idx="10"/>
+          </p:nvPr>
+        </p:nvSpPr>
+        <p:spPr/>
+        <p:txBody>
+          <a:bodyPr/>
+          <a:lstStyle/>
+          <a:p>
+            <a:fld id="{08AE6406-1AA9-466A-BB26-4173F06B2034}" type="datetimeFigureOut">
+              <a:rPr lang="zh-CN" altLang="en-US" smtClean="0"/>
+              <a:t>2020/7/20</a:t>
+            </a:fld>
+            <a:endParaRPr lang="zh-CN" altLang="en-US"/>
+          </a:p>
+        </p:txBody>
+      </p:sp>
+      <p:sp>
+        <p:nvSpPr>
+          <p:cNvPr id="8" name="Footer Placeholder 7"/>
+          <p:cNvSpPr>
+            <a:spLocks noGrp="1"/>
+          </p:cNvSpPr>
+          <p:nvPr>
+            <p:ph type="ftr" sz="quarter" idx="11"/>
+          </p:nvPr>
+        </p:nvSpPr>
+        <p:spPr/>
+        <p:txBody>
+          <a:bodyPr/>
+          <a:lstStyle/>
+          <a:p>
+            <a:endParaRPr lang="zh-CN" altLang="en-US"/>
+          </a:p>
+        </p:txBody>
+      </p:sp>
+      <p:sp>
+        <p:nvSpPr>
+          <p:cNvPr id="9" name="Slide Number Placeholder 8"/>
+          <p:cNvSpPr>
+            <a:spLocks noGrp="1"/>
+          </p:cNvSpPr>
+          <p:nvPr>
+            <p:ph type="sldNum" sz="quarter" idx="12"/>
+          </p:nvPr>
+        </p:nvSpPr>
+        <p:spPr/>
+        <p:txBody>
+          <a:bodyPr/>
+          <a:lstStyle/>
+          <a:p>
+            <a:fld id="{E93555BA-6C63-4939-A665-245D1FC00EDD}" type="slidenum">
+              <a:rPr lang="zh-CN" altLang="en-US" smtClean="0"/>
+              <a:t>‹#›</a:t>
+            </a:fld>
+            <a:endParaRPr lang="zh-CN" altLang="en-US"/>
+          </a:p>
+        </p:txBody>
+      </p:sp>
+    </p:spTree>
+    <p:extLst>
+      <p:ext uri="{BB962C8B-B14F-4D97-AF65-F5344CB8AC3E}">
+        <p14:creationId xmlns:p14="http://schemas.microsoft.com/office/powerpoint/2010/main" val="3428595869"/>
+      </p:ext>
+    </p:extLst>
+  </p:cSld>
+  <p:clrMapOvr>
+    <a:overrideClrMapping bg1="dk1" tx1="lt1" bg2="dk2" tx2="lt2" accent1="accent1" accent2="accent2" accent3="accent3" accent4="accent4" accent5="accent5" accent6="accent6" hlink="hlink" folHlink="folHlink"/>
+  </p:clrMapOvr>
+</p:sldLayout>
+</file>
+
+<file path=ppt/slideLayouts/slideLayout13.xml><?xml version="1.0" encoding="utf-8"?>
 <p:sldLayout xmlns:a="http://schemas.openxmlformats.org/drawingml/2006/main" xmlns:r="http://schemas.openxmlformats.org/officeDocument/2006/relationships" xmlns:p="http://schemas.openxmlformats.org/presentationml/2006/main" type="obj" preserve="1">
   <p:cSld name="标题和内容">
     <p:spTree>
@@ -716,7 +936,7 @@
           <a:lstStyle/>
           <a:p>
             <a:r>
-              <a:rPr lang="zh-CN" altLang="en-US"/>
+              <a:rPr lang="zh-CN" altLang="en-US" smtClean="0"/>
               <a:t>单击此处编辑母版标题样式</a:t>
             </a:r>
             <a:endParaRPr lang="en-US" dirty="0"/>
@@ -740,36 +960,36 @@
           <a:p>
             <a:pPr lvl="0"/>
             <a:r>
-              <a:rPr lang="zh-CN" altLang="en-US"/>
-              <a:t>单击此处编辑母版文本样式</a:t>
+              <a:rPr lang="zh-CN" altLang="en-US" smtClean="0"/>
+              <a:t>编辑母版文本样式</a:t>
             </a:r>
           </a:p>
           <a:p>
             <a:pPr lvl="1"/>
             <a:r>
-              <a:rPr lang="zh-CN" altLang="en-US"/>
-              <a:t>二级</a:t>
+              <a:rPr lang="zh-CN" altLang="en-US" smtClean="0"/>
+              <a:t>第二级</a:t>
             </a:r>
           </a:p>
           <a:p>
             <a:pPr lvl="2"/>
             <a:r>
-              <a:rPr lang="zh-CN" altLang="en-US"/>
-              <a:t>三级</a:t>
+              <a:rPr lang="zh-CN" altLang="en-US" smtClean="0"/>
+              <a:t>第三级</a:t>
             </a:r>
           </a:p>
           <a:p>
             <a:pPr lvl="3"/>
             <a:r>
-              <a:rPr lang="zh-CN" altLang="en-US"/>
-              <a:t>四级</a:t>
+              <a:rPr lang="zh-CN" altLang="en-US" smtClean="0"/>
+              <a:t>第四级</a:t>
             </a:r>
           </a:p>
           <a:p>
             <a:pPr lvl="4"/>
             <a:r>
-              <a:rPr lang="zh-CN" altLang="en-US"/>
-              <a:t>五级</a:t>
+              <a:rPr lang="zh-CN" altLang="en-US" smtClean="0"/>
+              <a:t>第五级</a:t>
             </a:r>
             <a:endParaRPr lang="en-US" dirty="0"/>
           </a:p>
@@ -792,7 +1012,7 @@
           <a:p>
             <a:fld id="{08AE6406-1AA9-466A-BB26-4173F06B2034}" type="datetimeFigureOut">
               <a:rPr lang="zh-CN" altLang="en-US" smtClean="0"/>
-              <a:t>2020/7/19</a:t>
+              <a:t>2020/7/20</a:t>
             </a:fld>
             <a:endParaRPr lang="zh-CN" altLang="en-US"/>
           </a:p>
@@ -843,7 +1063,7 @@
     </p:spTree>
     <p:extLst>
       <p:ext uri="{BB962C8B-B14F-4D97-AF65-F5344CB8AC3E}">
-        <p14:creationId xmlns:p14="http://schemas.microsoft.com/office/powerpoint/2010/main" val="449541601"/>
+        <p14:creationId xmlns:p14="http://schemas.microsoft.com/office/powerpoint/2010/main" val="2511102144"/>
       </p:ext>
     </p:extLst>
   </p:cSld>
@@ -853,7 +1073,7 @@
 </p:sldLayout>
 </file>
 
-<file path=ppt/slideLayouts/slideLayout3.xml><?xml version="1.0" encoding="utf-8"?>
+<file path=ppt/slideLayouts/slideLayout14.xml><?xml version="1.0" encoding="utf-8"?>
 <p:sldLayout xmlns:a="http://schemas.openxmlformats.org/drawingml/2006/main" xmlns:r="http://schemas.openxmlformats.org/officeDocument/2006/relationships" xmlns:p="http://schemas.openxmlformats.org/presentationml/2006/main" type="secHead" preserve="1">
   <p:cSld name="节标题">
     <p:bg>
@@ -917,7 +1137,7 @@
           </a:lstStyle>
           <a:p>
             <a:r>
-              <a:rPr lang="zh-CN" altLang="en-US"/>
+              <a:rPr lang="zh-CN" altLang="en-US" smtClean="0"/>
               <a:t>单击此处编辑母版标题样式</a:t>
             </a:r>
             <a:endParaRPr lang="en-US" dirty="0"/>
@@ -1037,8 +1257,8 @@
           <a:p>
             <a:pPr lvl="0"/>
             <a:r>
-              <a:rPr lang="zh-CN" altLang="en-US"/>
-              <a:t>单击此处编辑母版文本样式</a:t>
+              <a:rPr lang="zh-CN" altLang="en-US" smtClean="0"/>
+              <a:t>编辑母版文本样式</a:t>
             </a:r>
           </a:p>
         </p:txBody>
@@ -1060,7 +1280,7 @@
           <a:p>
             <a:fld id="{08AE6406-1AA9-466A-BB26-4173F06B2034}" type="datetimeFigureOut">
               <a:rPr lang="zh-CN" altLang="en-US" smtClean="0"/>
-              <a:t>2020/7/19</a:t>
+              <a:t>2020/7/20</a:t>
             </a:fld>
             <a:endParaRPr lang="zh-CN" altLang="en-US"/>
           </a:p>
@@ -1111,7 +1331,7 @@
     </p:spTree>
     <p:extLst>
       <p:ext uri="{BB962C8B-B14F-4D97-AF65-F5344CB8AC3E}">
-        <p14:creationId xmlns:p14="http://schemas.microsoft.com/office/powerpoint/2010/main" val="3800209297"/>
+        <p14:creationId xmlns:p14="http://schemas.microsoft.com/office/powerpoint/2010/main" val="351411827"/>
       </p:ext>
     </p:extLst>
   </p:cSld>
@@ -1121,7 +1341,7 @@
 </p:sldLayout>
 </file>
 
-<file path=ppt/slideLayouts/slideLayout4.xml><?xml version="1.0" encoding="utf-8"?>
+<file path=ppt/slideLayouts/slideLayout15.xml><?xml version="1.0" encoding="utf-8"?>
 <p:sldLayout xmlns:a="http://schemas.openxmlformats.org/drawingml/2006/main" xmlns:r="http://schemas.openxmlformats.org/officeDocument/2006/relationships" xmlns:p="http://schemas.openxmlformats.org/presentationml/2006/main" type="twoObj" preserve="1">
   <p:cSld name="两栏内容">
     <p:spTree>
@@ -1154,7 +1374,7 @@
           <a:lstStyle/>
           <a:p>
             <a:r>
-              <a:rPr lang="zh-CN" altLang="en-US"/>
+              <a:rPr lang="zh-CN" altLang="en-US" smtClean="0"/>
               <a:t>单击此处编辑母版标题样式</a:t>
             </a:r>
             <a:endParaRPr lang="en-US" dirty="0"/>
@@ -1183,36 +1403,36 @@
           <a:p>
             <a:pPr lvl="0"/>
             <a:r>
-              <a:rPr lang="zh-CN" altLang="en-US"/>
-              <a:t>单击此处编辑母版文本样式</a:t>
+              <a:rPr lang="zh-CN" altLang="en-US" smtClean="0"/>
+              <a:t>编辑母版文本样式</a:t>
             </a:r>
           </a:p>
           <a:p>
             <a:pPr lvl="1"/>
             <a:r>
-              <a:rPr lang="zh-CN" altLang="en-US"/>
-              <a:t>二级</a:t>
+              <a:rPr lang="zh-CN" altLang="en-US" smtClean="0"/>
+              <a:t>第二级</a:t>
             </a:r>
           </a:p>
           <a:p>
             <a:pPr lvl="2"/>
             <a:r>
-              <a:rPr lang="zh-CN" altLang="en-US"/>
-              <a:t>三级</a:t>
+              <a:rPr lang="zh-CN" altLang="en-US" smtClean="0"/>
+              <a:t>第三级</a:t>
             </a:r>
           </a:p>
           <a:p>
             <a:pPr lvl="3"/>
             <a:r>
-              <a:rPr lang="zh-CN" altLang="en-US"/>
-              <a:t>四级</a:t>
+              <a:rPr lang="zh-CN" altLang="en-US" smtClean="0"/>
+              <a:t>第四级</a:t>
             </a:r>
           </a:p>
           <a:p>
             <a:pPr lvl="4"/>
             <a:r>
-              <a:rPr lang="zh-CN" altLang="en-US"/>
-              <a:t>五级</a:t>
+              <a:rPr lang="zh-CN" altLang="en-US" smtClean="0"/>
+              <a:t>第五级</a:t>
             </a:r>
             <a:endParaRPr lang="en-US" dirty="0"/>
           </a:p>
@@ -1240,36 +1460,36 @@
           <a:p>
             <a:pPr lvl="0"/>
             <a:r>
-              <a:rPr lang="zh-CN" altLang="en-US"/>
-              <a:t>单击此处编辑母版文本样式</a:t>
+              <a:rPr lang="zh-CN" altLang="en-US" smtClean="0"/>
+              <a:t>编辑母版文本样式</a:t>
             </a:r>
           </a:p>
           <a:p>
             <a:pPr lvl="1"/>
             <a:r>
-              <a:rPr lang="zh-CN" altLang="en-US"/>
-              <a:t>二级</a:t>
+              <a:rPr lang="zh-CN" altLang="en-US" smtClean="0"/>
+              <a:t>第二级</a:t>
             </a:r>
           </a:p>
           <a:p>
             <a:pPr lvl="2"/>
             <a:r>
-              <a:rPr lang="zh-CN" altLang="en-US"/>
-              <a:t>三级</a:t>
+              <a:rPr lang="zh-CN" altLang="en-US" smtClean="0"/>
+              <a:t>第三级</a:t>
             </a:r>
           </a:p>
           <a:p>
             <a:pPr lvl="3"/>
             <a:r>
-              <a:rPr lang="zh-CN" altLang="en-US"/>
-              <a:t>四级</a:t>
+              <a:rPr lang="zh-CN" altLang="en-US" smtClean="0"/>
+              <a:t>第四级</a:t>
             </a:r>
           </a:p>
           <a:p>
             <a:pPr lvl="4"/>
             <a:r>
-              <a:rPr lang="zh-CN" altLang="en-US"/>
-              <a:t>五级</a:t>
+              <a:rPr lang="zh-CN" altLang="en-US" smtClean="0"/>
+              <a:t>第五级</a:t>
             </a:r>
             <a:endParaRPr lang="en-US" dirty="0"/>
           </a:p>
@@ -1292,7 +1512,7 @@
           <a:p>
             <a:fld id="{08AE6406-1AA9-466A-BB26-4173F06B2034}" type="datetimeFigureOut">
               <a:rPr lang="zh-CN" altLang="en-US" smtClean="0"/>
-              <a:t>2020/7/19</a:t>
+              <a:t>2020/7/20</a:t>
             </a:fld>
             <a:endParaRPr lang="zh-CN" altLang="en-US"/>
           </a:p>
@@ -1343,17 +1563,22 @@
     </p:spTree>
     <p:extLst>
       <p:ext uri="{BB962C8B-B14F-4D97-AF65-F5344CB8AC3E}">
-        <p14:creationId xmlns:p14="http://schemas.microsoft.com/office/powerpoint/2010/main" val="1633198500"/>
+        <p14:creationId xmlns:p14="http://schemas.microsoft.com/office/powerpoint/2010/main" val="4098697387"/>
       </p:ext>
     </p:extLst>
   </p:cSld>
   <p:clrMapOvr>
     <a:masterClrMapping/>
   </p:clrMapOvr>
+  <p:extLst>
+    <p:ext uri="{DCECCB84-F9BA-43D5-87BE-67443E8EF086}">
+      <p15:sldGuideLst xmlns:p15="http://schemas.microsoft.com/office/powerpoint/2012/main"/>
+    </p:ext>
+  </p:extLst>
 </p:sldLayout>
 </file>
 
-<file path=ppt/slideLayouts/slideLayout5.xml><?xml version="1.0" encoding="utf-8"?>
+<file path=ppt/slideLayouts/slideLayout16.xml><?xml version="1.0" encoding="utf-8"?>
 <p:sldLayout xmlns:a="http://schemas.openxmlformats.org/drawingml/2006/main" xmlns:r="http://schemas.openxmlformats.org/officeDocument/2006/relationships" xmlns:p="http://schemas.openxmlformats.org/presentationml/2006/main" type="twoTxTwoObj" preserve="1">
   <p:cSld name="比较">
     <p:spTree>
@@ -1437,8 +1662,8 @@
           <a:p>
             <a:pPr lvl="0"/>
             <a:r>
-              <a:rPr lang="zh-CN" altLang="en-US"/>
-              <a:t>单击此处编辑母版文本样式</a:t>
+              <a:rPr lang="zh-CN" altLang="en-US" smtClean="0"/>
+              <a:t>编辑母版文本样式</a:t>
             </a:r>
           </a:p>
         </p:txBody>
@@ -1465,36 +1690,36 @@
           <a:p>
             <a:pPr lvl="0"/>
             <a:r>
-              <a:rPr lang="zh-CN" altLang="en-US"/>
-              <a:t>单击此处编辑母版文本样式</a:t>
+              <a:rPr lang="zh-CN" altLang="en-US" smtClean="0"/>
+              <a:t>编辑母版文本样式</a:t>
             </a:r>
           </a:p>
           <a:p>
             <a:pPr lvl="1"/>
             <a:r>
-              <a:rPr lang="zh-CN" altLang="en-US"/>
-              <a:t>二级</a:t>
+              <a:rPr lang="zh-CN" altLang="en-US" smtClean="0"/>
+              <a:t>第二级</a:t>
             </a:r>
           </a:p>
           <a:p>
             <a:pPr lvl="2"/>
             <a:r>
-              <a:rPr lang="zh-CN" altLang="en-US"/>
-              <a:t>三级</a:t>
+              <a:rPr lang="zh-CN" altLang="en-US" smtClean="0"/>
+              <a:t>第三级</a:t>
             </a:r>
           </a:p>
           <a:p>
             <a:pPr lvl="3"/>
             <a:r>
-              <a:rPr lang="zh-CN" altLang="en-US"/>
-              <a:t>四级</a:t>
+              <a:rPr lang="zh-CN" altLang="en-US" smtClean="0"/>
+              <a:t>第四级</a:t>
             </a:r>
           </a:p>
           <a:p>
             <a:pPr lvl="4"/>
             <a:r>
-              <a:rPr lang="zh-CN" altLang="en-US"/>
-              <a:t>五级</a:t>
+              <a:rPr lang="zh-CN" altLang="en-US" smtClean="0"/>
+              <a:t>第五级</a:t>
             </a:r>
             <a:endParaRPr lang="en-US" dirty="0"/>
           </a:p>
@@ -1526,36 +1751,36 @@
           <a:p>
             <a:pPr lvl="0"/>
             <a:r>
-              <a:rPr lang="zh-CN" altLang="en-US"/>
-              <a:t>单击此处编辑母版文本样式</a:t>
+              <a:rPr lang="zh-CN" altLang="en-US" smtClean="0"/>
+              <a:t>编辑母版文本样式</a:t>
             </a:r>
           </a:p>
           <a:p>
             <a:pPr lvl="1"/>
             <a:r>
-              <a:rPr lang="zh-CN" altLang="en-US"/>
-              <a:t>二级</a:t>
+              <a:rPr lang="zh-CN" altLang="en-US" smtClean="0"/>
+              <a:t>第二级</a:t>
             </a:r>
           </a:p>
           <a:p>
             <a:pPr lvl="2"/>
             <a:r>
-              <a:rPr lang="zh-CN" altLang="en-US"/>
-              <a:t>三级</a:t>
+              <a:rPr lang="zh-CN" altLang="en-US" smtClean="0"/>
+              <a:t>第三级</a:t>
             </a:r>
           </a:p>
           <a:p>
             <a:pPr lvl="3"/>
             <a:r>
-              <a:rPr lang="zh-CN" altLang="en-US"/>
-              <a:t>四级</a:t>
+              <a:rPr lang="zh-CN" altLang="en-US" smtClean="0"/>
+              <a:t>第四级</a:t>
             </a:r>
           </a:p>
           <a:p>
             <a:pPr lvl="4"/>
             <a:r>
-              <a:rPr lang="zh-CN" altLang="en-US"/>
-              <a:t>五级</a:t>
+              <a:rPr lang="zh-CN" altLang="en-US" smtClean="0"/>
+              <a:t>第五级</a:t>
             </a:r>
             <a:endParaRPr lang="en-US" dirty="0"/>
           </a:p>
@@ -1628,8 +1853,8 @@
           <a:p>
             <a:pPr lvl="0"/>
             <a:r>
-              <a:rPr lang="zh-CN" altLang="en-US"/>
-              <a:t>单击此处编辑母版文本样式</a:t>
+              <a:rPr lang="zh-CN" altLang="en-US" smtClean="0"/>
+              <a:t>编辑母版文本样式</a:t>
             </a:r>
           </a:p>
         </p:txBody>
@@ -1651,7 +1876,7 @@
           <a:p>
             <a:fld id="{08AE6406-1AA9-466A-BB26-4173F06B2034}" type="datetimeFigureOut">
               <a:rPr lang="zh-CN" altLang="en-US" smtClean="0"/>
-              <a:t>2020/7/19</a:t>
+              <a:t>2020/7/20</a:t>
             </a:fld>
             <a:endParaRPr lang="zh-CN" altLang="en-US"/>
           </a:p>
@@ -1715,7 +1940,7 @@
           <a:lstStyle/>
           <a:p>
             <a:r>
-              <a:rPr lang="zh-CN" altLang="en-US"/>
+              <a:rPr lang="zh-CN" altLang="en-US" smtClean="0"/>
               <a:t>单击此处编辑母版标题样式</a:t>
             </a:r>
             <a:endParaRPr lang="en-US" dirty="0"/>
@@ -1725,17 +1950,22 @@
     </p:spTree>
     <p:extLst>
       <p:ext uri="{BB962C8B-B14F-4D97-AF65-F5344CB8AC3E}">
-        <p14:creationId xmlns:p14="http://schemas.microsoft.com/office/powerpoint/2010/main" val="1882500460"/>
+        <p14:creationId xmlns:p14="http://schemas.microsoft.com/office/powerpoint/2010/main" val="2243410843"/>
       </p:ext>
     </p:extLst>
   </p:cSld>
   <p:clrMapOvr>
     <a:masterClrMapping/>
   </p:clrMapOvr>
+  <p:extLst>
+    <p:ext uri="{DCECCB84-F9BA-43D5-87BE-67443E8EF086}">
+      <p15:sldGuideLst xmlns:p15="http://schemas.microsoft.com/office/powerpoint/2012/main"/>
+    </p:ext>
+  </p:extLst>
 </p:sldLayout>
 </file>
 
-<file path=ppt/slideLayouts/slideLayout6.xml><?xml version="1.0" encoding="utf-8"?>
+<file path=ppt/slideLayouts/slideLayout17.xml><?xml version="1.0" encoding="utf-8"?>
 <p:sldLayout xmlns:a="http://schemas.openxmlformats.org/drawingml/2006/main" xmlns:r="http://schemas.openxmlformats.org/officeDocument/2006/relationships" xmlns:p="http://schemas.openxmlformats.org/presentationml/2006/main" type="titleOnly" preserve="1">
   <p:cSld name="仅标题">
     <p:spTree>
@@ -1768,7 +1998,7 @@
           <a:lstStyle/>
           <a:p>
             <a:r>
-              <a:rPr lang="zh-CN" altLang="en-US"/>
+              <a:rPr lang="zh-CN" altLang="en-US" smtClean="0"/>
               <a:t>单击此处编辑母版标题样式</a:t>
             </a:r>
             <a:endParaRPr lang="en-US" dirty="0"/>
@@ -1792,7 +2022,7 @@
           <a:p>
             <a:fld id="{08AE6406-1AA9-466A-BB26-4173F06B2034}" type="datetimeFigureOut">
               <a:rPr lang="zh-CN" altLang="en-US" smtClean="0"/>
-              <a:t>2020/7/19</a:t>
+              <a:t>2020/7/20</a:t>
             </a:fld>
             <a:endParaRPr lang="zh-CN" altLang="en-US"/>
           </a:p>
@@ -1843,7 +2073,7 @@
     </p:spTree>
     <p:extLst>
       <p:ext uri="{BB962C8B-B14F-4D97-AF65-F5344CB8AC3E}">
-        <p14:creationId xmlns:p14="http://schemas.microsoft.com/office/powerpoint/2010/main" val="1824758170"/>
+        <p14:creationId xmlns:p14="http://schemas.microsoft.com/office/powerpoint/2010/main" val="2366927691"/>
       </p:ext>
     </p:extLst>
   </p:cSld>
@@ -1853,7 +2083,7 @@
 </p:sldLayout>
 </file>
 
-<file path=ppt/slideLayouts/slideLayout7.xml><?xml version="1.0" encoding="utf-8"?>
+<file path=ppt/slideLayouts/slideLayout18.xml><?xml version="1.0" encoding="utf-8"?>
 <p:sldLayout xmlns:a="http://schemas.openxmlformats.org/drawingml/2006/main" xmlns:r="http://schemas.openxmlformats.org/officeDocument/2006/relationships" xmlns:p="http://schemas.openxmlformats.org/presentationml/2006/main" type="blank" preserve="1">
   <p:cSld name="空白">
     <p:spTree>
@@ -1887,7 +2117,7 @@
           <a:p>
             <a:fld id="{08AE6406-1AA9-466A-BB26-4173F06B2034}" type="datetimeFigureOut">
               <a:rPr lang="zh-CN" altLang="en-US" smtClean="0"/>
-              <a:t>2020/7/19</a:t>
+              <a:t>2020/7/20</a:t>
             </a:fld>
             <a:endParaRPr lang="zh-CN" altLang="en-US"/>
           </a:p>
@@ -1938,7 +2168,7 @@
     </p:spTree>
     <p:extLst>
       <p:ext uri="{BB962C8B-B14F-4D97-AF65-F5344CB8AC3E}">
-        <p14:creationId xmlns:p14="http://schemas.microsoft.com/office/powerpoint/2010/main" val="1297818061"/>
+        <p14:creationId xmlns:p14="http://schemas.microsoft.com/office/powerpoint/2010/main" val="1298691366"/>
       </p:ext>
     </p:extLst>
   </p:cSld>
@@ -1948,7 +2178,7 @@
 </p:sldLayout>
 </file>
 
-<file path=ppt/slideLayouts/slideLayout8.xml><?xml version="1.0" encoding="utf-8"?>
+<file path=ppt/slideLayouts/slideLayout19.xml><?xml version="1.0" encoding="utf-8"?>
 <p:sldLayout xmlns:a="http://schemas.openxmlformats.org/drawingml/2006/main" xmlns:r="http://schemas.openxmlformats.org/officeDocument/2006/relationships" xmlns:p="http://schemas.openxmlformats.org/presentationml/2006/main" type="objTx" preserve="1">
   <p:cSld name="内容与标题">
     <p:spTree>
@@ -2042,7 +2272,7 @@
           </a:lstStyle>
           <a:p>
             <a:r>
-              <a:rPr lang="zh-CN" altLang="en-US"/>
+              <a:rPr lang="zh-CN" altLang="en-US" smtClean="0"/>
               <a:t>单击此处编辑母版标题样式</a:t>
             </a:r>
             <a:endParaRPr lang="en-US" dirty="0"/>
@@ -2121,36 +2351,36 @@
           <a:p>
             <a:pPr lvl="0"/>
             <a:r>
-              <a:rPr lang="zh-CN" altLang="en-US"/>
-              <a:t>单击此处编辑母版文本样式</a:t>
+              <a:rPr lang="zh-CN" altLang="en-US" smtClean="0"/>
+              <a:t>编辑母版文本样式</a:t>
             </a:r>
           </a:p>
           <a:p>
             <a:pPr lvl="1"/>
             <a:r>
-              <a:rPr lang="zh-CN" altLang="en-US"/>
-              <a:t>二级</a:t>
+              <a:rPr lang="zh-CN" altLang="en-US" smtClean="0"/>
+              <a:t>第二级</a:t>
             </a:r>
           </a:p>
           <a:p>
             <a:pPr lvl="2"/>
             <a:r>
-              <a:rPr lang="zh-CN" altLang="en-US"/>
-              <a:t>三级</a:t>
+              <a:rPr lang="zh-CN" altLang="en-US" smtClean="0"/>
+              <a:t>第三级</a:t>
             </a:r>
           </a:p>
           <a:p>
             <a:pPr lvl="3"/>
             <a:r>
-              <a:rPr lang="zh-CN" altLang="en-US"/>
-              <a:t>四级</a:t>
+              <a:rPr lang="zh-CN" altLang="en-US" smtClean="0"/>
+              <a:t>第四级</a:t>
             </a:r>
           </a:p>
           <a:p>
             <a:pPr lvl="4"/>
             <a:r>
-              <a:rPr lang="zh-CN" altLang="en-US"/>
-              <a:t>五级</a:t>
+              <a:rPr lang="zh-CN" altLang="en-US" smtClean="0"/>
+              <a:t>第五级</a:t>
             </a:r>
             <a:endParaRPr lang="en-US" dirty="0"/>
           </a:p>
@@ -2221,8 +2451,8 @@
           <a:p>
             <a:pPr lvl="0"/>
             <a:r>
-              <a:rPr lang="zh-CN" altLang="en-US"/>
-              <a:t>单击此处编辑母版文本样式</a:t>
+              <a:rPr lang="zh-CN" altLang="en-US" smtClean="0"/>
+              <a:t>编辑母版文本样式</a:t>
             </a:r>
           </a:p>
         </p:txBody>
@@ -2244,7 +2474,7 @@
           <a:p>
             <a:fld id="{08AE6406-1AA9-466A-BB26-4173F06B2034}" type="datetimeFigureOut">
               <a:rPr lang="zh-CN" altLang="en-US" smtClean="0"/>
-              <a:t>2020/7/19</a:t>
+              <a:t>2020/7/20</a:t>
             </a:fld>
             <a:endParaRPr lang="zh-CN" altLang="en-US"/>
           </a:p>
@@ -2310,7 +2540,182 @@
     </p:spTree>
     <p:extLst>
       <p:ext uri="{BB962C8B-B14F-4D97-AF65-F5344CB8AC3E}">
-        <p14:creationId xmlns:p14="http://schemas.microsoft.com/office/powerpoint/2010/main" val="2137542856"/>
+        <p14:creationId xmlns:p14="http://schemas.microsoft.com/office/powerpoint/2010/main" val="2426233395"/>
+      </p:ext>
+    </p:extLst>
+  </p:cSld>
+  <p:clrMapOvr>
+    <a:masterClrMapping/>
+  </p:clrMapOvr>
+  <p:extLst>
+    <p:ext uri="{DCECCB84-F9BA-43D5-87BE-67443E8EF086}">
+      <p15:sldGuideLst xmlns:p15="http://schemas.microsoft.com/office/powerpoint/2012/main"/>
+    </p:ext>
+  </p:extLst>
+</p:sldLayout>
+</file>
+
+<file path=ppt/slideLayouts/slideLayout2.xml><?xml version="1.0" encoding="utf-8"?>
+<p:sldLayout xmlns:a="http://schemas.openxmlformats.org/drawingml/2006/main" xmlns:r="http://schemas.openxmlformats.org/officeDocument/2006/relationships" xmlns:p="http://schemas.openxmlformats.org/presentationml/2006/main" type="obj" preserve="1">
+  <p:cSld name="标题和内容">
+    <p:spTree>
+      <p:nvGrpSpPr>
+        <p:cNvPr id="1" name=""/>
+        <p:cNvGrpSpPr/>
+        <p:nvPr/>
+      </p:nvGrpSpPr>
+      <p:grpSpPr>
+        <a:xfrm>
+          <a:off x="0" y="0"/>
+          <a:ext cx="0" cy="0"/>
+          <a:chOff x="0" y="0"/>
+          <a:chExt cx="0" cy="0"/>
+        </a:xfrm>
+      </p:grpSpPr>
+      <p:sp>
+        <p:nvSpPr>
+          <p:cNvPr id="2" name="Title 1"/>
+          <p:cNvSpPr>
+            <a:spLocks noGrp="1"/>
+          </p:cNvSpPr>
+          <p:nvPr>
+            <p:ph type="title"/>
+          </p:nvPr>
+        </p:nvSpPr>
+        <p:spPr/>
+        <p:txBody>
+          <a:bodyPr/>
+          <a:lstStyle/>
+          <a:p>
+            <a:r>
+              <a:rPr lang="zh-CN" altLang="en-US" smtClean="0"/>
+              <a:t>单击此处编辑母版标题样式</a:t>
+            </a:r>
+            <a:endParaRPr lang="en-US" dirty="0"/>
+          </a:p>
+        </p:txBody>
+      </p:sp>
+      <p:sp>
+        <p:nvSpPr>
+          <p:cNvPr id="3" name="Content Placeholder 2"/>
+          <p:cNvSpPr>
+            <a:spLocks noGrp="1"/>
+          </p:cNvSpPr>
+          <p:nvPr>
+            <p:ph idx="1"/>
+          </p:nvPr>
+        </p:nvSpPr>
+        <p:spPr/>
+        <p:txBody>
+          <a:bodyPr/>
+          <a:lstStyle/>
+          <a:p>
+            <a:pPr lvl="0"/>
+            <a:r>
+              <a:rPr lang="zh-CN" altLang="en-US" smtClean="0"/>
+              <a:t>编辑母版文本样式</a:t>
+            </a:r>
+          </a:p>
+          <a:p>
+            <a:pPr lvl="1"/>
+            <a:r>
+              <a:rPr lang="zh-CN" altLang="en-US" smtClean="0"/>
+              <a:t>第二级</a:t>
+            </a:r>
+          </a:p>
+          <a:p>
+            <a:pPr lvl="2"/>
+            <a:r>
+              <a:rPr lang="zh-CN" altLang="en-US" smtClean="0"/>
+              <a:t>第三级</a:t>
+            </a:r>
+          </a:p>
+          <a:p>
+            <a:pPr lvl="3"/>
+            <a:r>
+              <a:rPr lang="zh-CN" altLang="en-US" smtClean="0"/>
+              <a:t>第四级</a:t>
+            </a:r>
+          </a:p>
+          <a:p>
+            <a:pPr lvl="4"/>
+            <a:r>
+              <a:rPr lang="zh-CN" altLang="en-US" smtClean="0"/>
+              <a:t>第五级</a:t>
+            </a:r>
+            <a:endParaRPr lang="en-US" dirty="0"/>
+          </a:p>
+        </p:txBody>
+      </p:sp>
+      <p:sp>
+        <p:nvSpPr>
+          <p:cNvPr id="4" name="Date Placeholder 3"/>
+          <p:cNvSpPr>
+            <a:spLocks noGrp="1"/>
+          </p:cNvSpPr>
+          <p:nvPr>
+            <p:ph type="dt" sz="half" idx="10"/>
+          </p:nvPr>
+        </p:nvSpPr>
+        <p:spPr/>
+        <p:txBody>
+          <a:bodyPr/>
+          <a:lstStyle/>
+          <a:p>
+            <a:fld id="{08AE6406-1AA9-466A-BB26-4173F06B2034}" type="datetimeFigureOut">
+              <a:rPr lang="zh-CN" altLang="en-US" smtClean="0"/>
+              <a:t>2020/7/20</a:t>
+            </a:fld>
+            <a:endParaRPr lang="zh-CN" altLang="en-US"/>
+          </a:p>
+        </p:txBody>
+      </p:sp>
+      <p:sp>
+        <p:nvSpPr>
+          <p:cNvPr id="5" name="Footer Placeholder 4"/>
+          <p:cNvSpPr>
+            <a:spLocks noGrp="1"/>
+          </p:cNvSpPr>
+          <p:nvPr>
+            <p:ph type="ftr" sz="quarter" idx="11"/>
+          </p:nvPr>
+        </p:nvSpPr>
+        <p:spPr/>
+        <p:txBody>
+          <a:bodyPr/>
+          <a:lstStyle/>
+          <a:p>
+            <a:endParaRPr lang="zh-CN" altLang="en-US"/>
+          </a:p>
+        </p:txBody>
+      </p:sp>
+      <p:sp>
+        <p:nvSpPr>
+          <p:cNvPr id="6" name="Slide Number Placeholder 5"/>
+          <p:cNvSpPr>
+            <a:spLocks noGrp="1"/>
+          </p:cNvSpPr>
+          <p:nvPr>
+            <p:ph type="sldNum" sz="quarter" idx="12"/>
+          </p:nvPr>
+        </p:nvSpPr>
+        <p:spPr/>
+        <p:txBody>
+          <a:bodyPr/>
+          <a:lstStyle/>
+          <a:p>
+            <a:fld id="{E93555BA-6C63-4939-A665-245D1FC00EDD}" type="slidenum">
+              <a:rPr lang="zh-CN" altLang="en-US" smtClean="0"/>
+              <a:t>‹#›</a:t>
+            </a:fld>
+            <a:endParaRPr lang="zh-CN" altLang="en-US"/>
+          </a:p>
+        </p:txBody>
+      </p:sp>
+    </p:spTree>
+    <p:extLst>
+      <p:ext uri="{BB962C8B-B14F-4D97-AF65-F5344CB8AC3E}">
+        <p14:creationId xmlns:p14="http://schemas.microsoft.com/office/powerpoint/2010/main" val="762715041"/>
       </p:ext>
     </p:extLst>
   </p:cSld>
@@ -2320,7 +2725,7 @@
 </p:sldLayout>
 </file>
 
-<file path=ppt/slideLayouts/slideLayout9.xml><?xml version="1.0" encoding="utf-8"?>
+<file path=ppt/slideLayouts/slideLayout20.xml><?xml version="1.0" encoding="utf-8"?>
 <p:sldLayout xmlns:a="http://schemas.openxmlformats.org/drawingml/2006/main" xmlns:r="http://schemas.openxmlformats.org/officeDocument/2006/relationships" xmlns:p="http://schemas.openxmlformats.org/presentationml/2006/main" type="picTx" preserve="1">
   <p:cSld name="图片与标题">
     <p:spTree>
@@ -2414,7 +2819,7 @@
           </a:lstStyle>
           <a:p>
             <a:r>
-              <a:rPr lang="zh-CN" altLang="en-US"/>
+              <a:rPr lang="zh-CN" altLang="en-US" smtClean="0"/>
               <a:t>单击此处编辑母版标题样式</a:t>
             </a:r>
             <a:endParaRPr lang="en-US" dirty="0"/>
@@ -2491,7 +2896,7 @@
           </a:lstStyle>
           <a:p>
             <a:r>
-              <a:rPr lang="zh-CN" altLang="en-US"/>
+              <a:rPr lang="zh-CN" altLang="en-US" smtClean="0"/>
               <a:t>单击图标添加图片</a:t>
             </a:r>
             <a:endParaRPr lang="en-US" dirty="0"/>
@@ -2563,8 +2968,8 @@
           <a:p>
             <a:pPr lvl="0"/>
             <a:r>
-              <a:rPr lang="zh-CN" altLang="en-US"/>
-              <a:t>单击此处编辑母版文本样式</a:t>
+              <a:rPr lang="zh-CN" altLang="en-US" smtClean="0"/>
+              <a:t>编辑母版文本样式</a:t>
             </a:r>
           </a:p>
         </p:txBody>
@@ -2601,7 +3006,7 @@
           <a:p>
             <a:fld id="{08AE6406-1AA9-466A-BB26-4173F06B2034}" type="datetimeFigureOut">
               <a:rPr lang="zh-CN" altLang="en-US" smtClean="0"/>
-              <a:t>2020/7/19</a:t>
+              <a:t>2020/7/20</a:t>
             </a:fld>
             <a:endParaRPr lang="zh-CN" altLang="en-US"/>
           </a:p>
@@ -2667,7 +3072,1986 @@
     </p:spTree>
     <p:extLst>
       <p:ext uri="{BB962C8B-B14F-4D97-AF65-F5344CB8AC3E}">
-        <p14:creationId xmlns:p14="http://schemas.microsoft.com/office/powerpoint/2010/main" val="3282935316"/>
+        <p14:creationId xmlns:p14="http://schemas.microsoft.com/office/powerpoint/2010/main" val="591568529"/>
+      </p:ext>
+    </p:extLst>
+  </p:cSld>
+  <p:clrMapOvr>
+    <a:masterClrMapping/>
+  </p:clrMapOvr>
+</p:sldLayout>
+</file>
+
+<file path=ppt/slideLayouts/slideLayout21.xml><?xml version="1.0" encoding="utf-8"?>
+<p:sldLayout xmlns:a="http://schemas.openxmlformats.org/drawingml/2006/main" xmlns:r="http://schemas.openxmlformats.org/officeDocument/2006/relationships" xmlns:p="http://schemas.openxmlformats.org/presentationml/2006/main" type="vertTx" preserve="1">
+  <p:cSld name="标题和竖排文字">
+    <p:spTree>
+      <p:nvGrpSpPr>
+        <p:cNvPr id="1" name=""/>
+        <p:cNvGrpSpPr/>
+        <p:nvPr/>
+      </p:nvGrpSpPr>
+      <p:grpSpPr>
+        <a:xfrm>
+          <a:off x="0" y="0"/>
+          <a:ext cx="0" cy="0"/>
+          <a:chOff x="0" y="0"/>
+          <a:chExt cx="0" cy="0"/>
+        </a:xfrm>
+      </p:grpSpPr>
+      <p:sp>
+        <p:nvSpPr>
+          <p:cNvPr id="2" name="Title 1"/>
+          <p:cNvSpPr>
+            <a:spLocks noGrp="1"/>
+          </p:cNvSpPr>
+          <p:nvPr>
+            <p:ph type="title"/>
+          </p:nvPr>
+        </p:nvSpPr>
+        <p:spPr/>
+        <p:txBody>
+          <a:bodyPr/>
+          <a:lstStyle/>
+          <a:p>
+            <a:r>
+              <a:rPr lang="zh-CN" altLang="en-US" smtClean="0"/>
+              <a:t>单击此处编辑母版标题样式</a:t>
+            </a:r>
+            <a:endParaRPr lang="en-US" dirty="0"/>
+          </a:p>
+        </p:txBody>
+      </p:sp>
+      <p:sp>
+        <p:nvSpPr>
+          <p:cNvPr id="3" name="Vertical Text Placeholder 2"/>
+          <p:cNvSpPr>
+            <a:spLocks noGrp="1"/>
+          </p:cNvSpPr>
+          <p:nvPr>
+            <p:ph type="body" orient="vert" idx="1"/>
+          </p:nvPr>
+        </p:nvSpPr>
+        <p:spPr/>
+        <p:txBody>
+          <a:bodyPr vert="eaVert"/>
+          <a:lstStyle/>
+          <a:p>
+            <a:pPr lvl="0"/>
+            <a:r>
+              <a:rPr lang="zh-CN" altLang="en-US" smtClean="0"/>
+              <a:t>编辑母版文本样式</a:t>
+            </a:r>
+          </a:p>
+          <a:p>
+            <a:pPr lvl="1"/>
+            <a:r>
+              <a:rPr lang="zh-CN" altLang="en-US" smtClean="0"/>
+              <a:t>第二级</a:t>
+            </a:r>
+          </a:p>
+          <a:p>
+            <a:pPr lvl="2"/>
+            <a:r>
+              <a:rPr lang="zh-CN" altLang="en-US" smtClean="0"/>
+              <a:t>第三级</a:t>
+            </a:r>
+          </a:p>
+          <a:p>
+            <a:pPr lvl="3"/>
+            <a:r>
+              <a:rPr lang="zh-CN" altLang="en-US" smtClean="0"/>
+              <a:t>第四级</a:t>
+            </a:r>
+          </a:p>
+          <a:p>
+            <a:pPr lvl="4"/>
+            <a:r>
+              <a:rPr lang="zh-CN" altLang="en-US" smtClean="0"/>
+              <a:t>第五级</a:t>
+            </a:r>
+            <a:endParaRPr lang="en-US" dirty="0"/>
+          </a:p>
+        </p:txBody>
+      </p:sp>
+      <p:sp>
+        <p:nvSpPr>
+          <p:cNvPr id="4" name="Date Placeholder 3"/>
+          <p:cNvSpPr>
+            <a:spLocks noGrp="1"/>
+          </p:cNvSpPr>
+          <p:nvPr>
+            <p:ph type="dt" sz="half" idx="10"/>
+          </p:nvPr>
+        </p:nvSpPr>
+        <p:spPr/>
+        <p:txBody>
+          <a:bodyPr/>
+          <a:lstStyle/>
+          <a:p>
+            <a:fld id="{08AE6406-1AA9-466A-BB26-4173F06B2034}" type="datetimeFigureOut">
+              <a:rPr lang="zh-CN" altLang="en-US" smtClean="0"/>
+              <a:t>2020/7/20</a:t>
+            </a:fld>
+            <a:endParaRPr lang="zh-CN" altLang="en-US"/>
+          </a:p>
+        </p:txBody>
+      </p:sp>
+      <p:sp>
+        <p:nvSpPr>
+          <p:cNvPr id="5" name="Footer Placeholder 4"/>
+          <p:cNvSpPr>
+            <a:spLocks noGrp="1"/>
+          </p:cNvSpPr>
+          <p:nvPr>
+            <p:ph type="ftr" sz="quarter" idx="11"/>
+          </p:nvPr>
+        </p:nvSpPr>
+        <p:spPr/>
+        <p:txBody>
+          <a:bodyPr/>
+          <a:lstStyle/>
+          <a:p>
+            <a:endParaRPr lang="zh-CN" altLang="en-US"/>
+          </a:p>
+        </p:txBody>
+      </p:sp>
+      <p:sp>
+        <p:nvSpPr>
+          <p:cNvPr id="6" name="Slide Number Placeholder 5"/>
+          <p:cNvSpPr>
+            <a:spLocks noGrp="1"/>
+          </p:cNvSpPr>
+          <p:nvPr>
+            <p:ph type="sldNum" sz="quarter" idx="12"/>
+          </p:nvPr>
+        </p:nvSpPr>
+        <p:spPr/>
+        <p:txBody>
+          <a:bodyPr/>
+          <a:lstStyle/>
+          <a:p>
+            <a:fld id="{E93555BA-6C63-4939-A665-245D1FC00EDD}" type="slidenum">
+              <a:rPr lang="zh-CN" altLang="en-US" smtClean="0"/>
+              <a:t>‹#›</a:t>
+            </a:fld>
+            <a:endParaRPr lang="zh-CN" altLang="en-US"/>
+          </a:p>
+        </p:txBody>
+      </p:sp>
+    </p:spTree>
+    <p:extLst>
+      <p:ext uri="{BB962C8B-B14F-4D97-AF65-F5344CB8AC3E}">
+        <p14:creationId xmlns:p14="http://schemas.microsoft.com/office/powerpoint/2010/main" val="1818512928"/>
+      </p:ext>
+    </p:extLst>
+  </p:cSld>
+  <p:clrMapOvr>
+    <a:masterClrMapping/>
+  </p:clrMapOvr>
+</p:sldLayout>
+</file>
+
+<file path=ppt/slideLayouts/slideLayout22.xml><?xml version="1.0" encoding="utf-8"?>
+<p:sldLayout xmlns:a="http://schemas.openxmlformats.org/drawingml/2006/main" xmlns:r="http://schemas.openxmlformats.org/officeDocument/2006/relationships" xmlns:p="http://schemas.openxmlformats.org/presentationml/2006/main" type="vertTitleAndTx" preserve="1">
+  <p:cSld name="竖排标题与文本">
+    <p:spTree>
+      <p:nvGrpSpPr>
+        <p:cNvPr id="1" name=""/>
+        <p:cNvGrpSpPr/>
+        <p:nvPr/>
+      </p:nvGrpSpPr>
+      <p:grpSpPr>
+        <a:xfrm>
+          <a:off x="0" y="0"/>
+          <a:ext cx="0" cy="0"/>
+          <a:chOff x="0" y="0"/>
+          <a:chExt cx="0" cy="0"/>
+        </a:xfrm>
+      </p:grpSpPr>
+      <p:sp>
+        <p:nvSpPr>
+          <p:cNvPr id="2" name="Vertical Title 1"/>
+          <p:cNvSpPr>
+            <a:spLocks noGrp="1"/>
+          </p:cNvSpPr>
+          <p:nvPr>
+            <p:ph type="title" orient="vert"/>
+          </p:nvPr>
+        </p:nvSpPr>
+        <p:spPr>
+          <a:xfrm>
+            <a:off x="8653112" y="937260"/>
+            <a:ext cx="1298608" cy="4983480"/>
+          </a:xfrm>
+        </p:spPr>
+        <p:txBody>
+          <a:bodyPr vert="eaVert"/>
+          <a:lstStyle/>
+          <a:p>
+            <a:r>
+              <a:rPr lang="zh-CN" altLang="en-US" smtClean="0"/>
+              <a:t>单击此处编辑母版标题样式</a:t>
+            </a:r>
+            <a:endParaRPr lang="en-US" dirty="0"/>
+          </a:p>
+        </p:txBody>
+      </p:sp>
+      <p:sp>
+        <p:nvSpPr>
+          <p:cNvPr id="3" name="Vertical Text Placeholder 2"/>
+          <p:cNvSpPr>
+            <a:spLocks noGrp="1"/>
+          </p:cNvSpPr>
+          <p:nvPr>
+            <p:ph type="body" orient="vert" idx="1"/>
+          </p:nvPr>
+        </p:nvSpPr>
+        <p:spPr>
+          <a:xfrm>
+            <a:off x="2231136" y="937260"/>
+            <a:ext cx="6198489" cy="4983480"/>
+          </a:xfrm>
+        </p:spPr>
+        <p:txBody>
+          <a:bodyPr vert="eaVert"/>
+          <a:lstStyle/>
+          <a:p>
+            <a:pPr lvl="0"/>
+            <a:r>
+              <a:rPr lang="zh-CN" altLang="en-US" smtClean="0"/>
+              <a:t>编辑母版文本样式</a:t>
+            </a:r>
+          </a:p>
+          <a:p>
+            <a:pPr lvl="1"/>
+            <a:r>
+              <a:rPr lang="zh-CN" altLang="en-US" smtClean="0"/>
+              <a:t>第二级</a:t>
+            </a:r>
+          </a:p>
+          <a:p>
+            <a:pPr lvl="2"/>
+            <a:r>
+              <a:rPr lang="zh-CN" altLang="en-US" smtClean="0"/>
+              <a:t>第三级</a:t>
+            </a:r>
+          </a:p>
+          <a:p>
+            <a:pPr lvl="3"/>
+            <a:r>
+              <a:rPr lang="zh-CN" altLang="en-US" smtClean="0"/>
+              <a:t>第四级</a:t>
+            </a:r>
+          </a:p>
+          <a:p>
+            <a:pPr lvl="4"/>
+            <a:r>
+              <a:rPr lang="zh-CN" altLang="en-US" smtClean="0"/>
+              <a:t>第五级</a:t>
+            </a:r>
+            <a:endParaRPr lang="en-US" dirty="0"/>
+          </a:p>
+        </p:txBody>
+      </p:sp>
+      <p:sp>
+        <p:nvSpPr>
+          <p:cNvPr id="4" name="Date Placeholder 3"/>
+          <p:cNvSpPr>
+            <a:spLocks noGrp="1"/>
+          </p:cNvSpPr>
+          <p:nvPr>
+            <p:ph type="dt" sz="half" idx="10"/>
+          </p:nvPr>
+        </p:nvSpPr>
+        <p:spPr/>
+        <p:txBody>
+          <a:bodyPr/>
+          <a:lstStyle/>
+          <a:p>
+            <a:fld id="{08AE6406-1AA9-466A-BB26-4173F06B2034}" type="datetimeFigureOut">
+              <a:rPr lang="zh-CN" altLang="en-US" smtClean="0"/>
+              <a:t>2020/7/20</a:t>
+            </a:fld>
+            <a:endParaRPr lang="zh-CN" altLang="en-US"/>
+          </a:p>
+        </p:txBody>
+      </p:sp>
+      <p:sp>
+        <p:nvSpPr>
+          <p:cNvPr id="5" name="Footer Placeholder 4"/>
+          <p:cNvSpPr>
+            <a:spLocks noGrp="1"/>
+          </p:cNvSpPr>
+          <p:nvPr>
+            <p:ph type="ftr" sz="quarter" idx="11"/>
+          </p:nvPr>
+        </p:nvSpPr>
+        <p:spPr/>
+        <p:txBody>
+          <a:bodyPr/>
+          <a:lstStyle/>
+          <a:p>
+            <a:endParaRPr lang="zh-CN" altLang="en-US"/>
+          </a:p>
+        </p:txBody>
+      </p:sp>
+      <p:sp>
+        <p:nvSpPr>
+          <p:cNvPr id="6" name="Slide Number Placeholder 5"/>
+          <p:cNvSpPr>
+            <a:spLocks noGrp="1"/>
+          </p:cNvSpPr>
+          <p:nvPr>
+            <p:ph type="sldNum" sz="quarter" idx="12"/>
+          </p:nvPr>
+        </p:nvSpPr>
+        <p:spPr/>
+        <p:txBody>
+          <a:bodyPr/>
+          <a:lstStyle/>
+          <a:p>
+            <a:fld id="{E93555BA-6C63-4939-A665-245D1FC00EDD}" type="slidenum">
+              <a:rPr lang="zh-CN" altLang="en-US" smtClean="0"/>
+              <a:t>‹#›</a:t>
+            </a:fld>
+            <a:endParaRPr lang="zh-CN" altLang="en-US"/>
+          </a:p>
+        </p:txBody>
+      </p:sp>
+    </p:spTree>
+    <p:extLst>
+      <p:ext uri="{BB962C8B-B14F-4D97-AF65-F5344CB8AC3E}">
+        <p14:creationId xmlns:p14="http://schemas.microsoft.com/office/powerpoint/2010/main" val="2021368557"/>
+      </p:ext>
+    </p:extLst>
+  </p:cSld>
+  <p:clrMapOvr>
+    <a:masterClrMapping/>
+  </p:clrMapOvr>
+</p:sldLayout>
+</file>
+
+<file path=ppt/slideLayouts/slideLayout3.xml><?xml version="1.0" encoding="utf-8"?>
+<p:sldLayout xmlns:a="http://schemas.openxmlformats.org/drawingml/2006/main" xmlns:r="http://schemas.openxmlformats.org/officeDocument/2006/relationships" xmlns:p="http://schemas.openxmlformats.org/presentationml/2006/main" type="secHead" preserve="1">
+  <p:cSld name="节标题">
+    <p:spTree>
+      <p:nvGrpSpPr>
+        <p:cNvPr id="1" name=""/>
+        <p:cNvGrpSpPr/>
+        <p:nvPr/>
+      </p:nvGrpSpPr>
+      <p:grpSpPr>
+        <a:xfrm>
+          <a:off x="0" y="0"/>
+          <a:ext cx="0" cy="0"/>
+          <a:chOff x="0" y="0"/>
+          <a:chExt cx="0" cy="0"/>
+        </a:xfrm>
+      </p:grpSpPr>
+      <p:sp>
+        <p:nvSpPr>
+          <p:cNvPr id="2" name="Title 1"/>
+          <p:cNvSpPr>
+            <a:spLocks noGrp="1"/>
+          </p:cNvSpPr>
+          <p:nvPr>
+            <p:ph type="title"/>
+          </p:nvPr>
+        </p:nvSpPr>
+        <p:spPr>
+          <a:xfrm>
+            <a:off x="831850" y="1712423"/>
+            <a:ext cx="10515600" cy="2851208"/>
+          </a:xfrm>
+        </p:spPr>
+        <p:txBody>
+          <a:bodyPr anchor="b">
+            <a:normAutofit/>
+          </a:bodyPr>
+          <a:lstStyle>
+            <a:lvl1pPr>
+              <a:defRPr sz="6000" b="0"/>
+            </a:lvl1pPr>
+          </a:lstStyle>
+          <a:p>
+            <a:r>
+              <a:rPr lang="zh-CN" altLang="en-US" smtClean="0"/>
+              <a:t>单击此处编辑母版标题样式</a:t>
+            </a:r>
+            <a:endParaRPr lang="en-US" dirty="0"/>
+          </a:p>
+        </p:txBody>
+      </p:sp>
+      <p:sp>
+        <p:nvSpPr>
+          <p:cNvPr id="3" name="Text Placeholder 2"/>
+          <p:cNvSpPr>
+            <a:spLocks noGrp="1"/>
+          </p:cNvSpPr>
+          <p:nvPr>
+            <p:ph type="body" idx="1"/>
+          </p:nvPr>
+        </p:nvSpPr>
+        <p:spPr>
+          <a:xfrm>
+            <a:off x="831850" y="4552633"/>
+            <a:ext cx="10515600" cy="1500187"/>
+          </a:xfrm>
+        </p:spPr>
+        <p:txBody>
+          <a:bodyPr anchor="t">
+            <a:normAutofit/>
+          </a:bodyPr>
+          <a:lstStyle>
+            <a:lvl1pPr marL="0" indent="0">
+              <a:buNone/>
+              <a:defRPr sz="2400">
+                <a:solidFill>
+                  <a:schemeClr val="tx1">
+                    <a:lumMod val="75000"/>
+                    <a:lumOff val="25000"/>
+                  </a:schemeClr>
+                </a:solidFill>
+              </a:defRPr>
+            </a:lvl1pPr>
+            <a:lvl2pPr marL="457200" indent="0">
+              <a:buNone/>
+              <a:defRPr sz="1800">
+                <a:solidFill>
+                  <a:schemeClr val="tx1">
+                    <a:tint val="75000"/>
+                  </a:schemeClr>
+                </a:solidFill>
+              </a:defRPr>
+            </a:lvl2pPr>
+            <a:lvl3pPr marL="914400" indent="0">
+              <a:buNone/>
+              <a:defRPr sz="1600">
+                <a:solidFill>
+                  <a:schemeClr val="tx1">
+                    <a:tint val="75000"/>
+                  </a:schemeClr>
+                </a:solidFill>
+              </a:defRPr>
+            </a:lvl3pPr>
+            <a:lvl4pPr marL="1371600" indent="0">
+              <a:buNone/>
+              <a:defRPr sz="1400">
+                <a:solidFill>
+                  <a:schemeClr val="tx1">
+                    <a:tint val="75000"/>
+                  </a:schemeClr>
+                </a:solidFill>
+              </a:defRPr>
+            </a:lvl4pPr>
+            <a:lvl5pPr marL="1828800" indent="0">
+              <a:buNone/>
+              <a:defRPr sz="1400">
+                <a:solidFill>
+                  <a:schemeClr val="tx1">
+                    <a:tint val="75000"/>
+                  </a:schemeClr>
+                </a:solidFill>
+              </a:defRPr>
+            </a:lvl5pPr>
+            <a:lvl6pPr marL="2286000" indent="0">
+              <a:buNone/>
+              <a:defRPr sz="1400">
+                <a:solidFill>
+                  <a:schemeClr val="tx1">
+                    <a:tint val="75000"/>
+                  </a:schemeClr>
+                </a:solidFill>
+              </a:defRPr>
+            </a:lvl6pPr>
+            <a:lvl7pPr marL="2743200" indent="0">
+              <a:buNone/>
+              <a:defRPr sz="1400">
+                <a:solidFill>
+                  <a:schemeClr val="tx1">
+                    <a:tint val="75000"/>
+                  </a:schemeClr>
+                </a:solidFill>
+              </a:defRPr>
+            </a:lvl7pPr>
+            <a:lvl8pPr marL="3200400" indent="0">
+              <a:buNone/>
+              <a:defRPr sz="1400">
+                <a:solidFill>
+                  <a:schemeClr val="tx1">
+                    <a:tint val="75000"/>
+                  </a:schemeClr>
+                </a:solidFill>
+              </a:defRPr>
+            </a:lvl8pPr>
+            <a:lvl9pPr marL="3657600" indent="0">
+              <a:buNone/>
+              <a:defRPr sz="1400">
+                <a:solidFill>
+                  <a:schemeClr val="tx1">
+                    <a:tint val="75000"/>
+                  </a:schemeClr>
+                </a:solidFill>
+              </a:defRPr>
+            </a:lvl9pPr>
+          </a:lstStyle>
+          <a:p>
+            <a:pPr lvl="0"/>
+            <a:r>
+              <a:rPr lang="zh-CN" altLang="en-US" smtClean="0"/>
+              <a:t>编辑母版文本样式</a:t>
+            </a:r>
+          </a:p>
+        </p:txBody>
+      </p:sp>
+      <p:sp>
+        <p:nvSpPr>
+          <p:cNvPr id="4" name="Date Placeholder 3"/>
+          <p:cNvSpPr>
+            <a:spLocks noGrp="1"/>
+          </p:cNvSpPr>
+          <p:nvPr>
+            <p:ph type="dt" sz="half" idx="10"/>
+          </p:nvPr>
+        </p:nvSpPr>
+        <p:spPr/>
+        <p:txBody>
+          <a:bodyPr/>
+          <a:lstStyle/>
+          <a:p>
+            <a:fld id="{08AE6406-1AA9-466A-BB26-4173F06B2034}" type="datetimeFigureOut">
+              <a:rPr lang="zh-CN" altLang="en-US" smtClean="0"/>
+              <a:t>2020/7/20</a:t>
+            </a:fld>
+            <a:endParaRPr lang="zh-CN" altLang="en-US"/>
+          </a:p>
+        </p:txBody>
+      </p:sp>
+      <p:sp>
+        <p:nvSpPr>
+          <p:cNvPr id="5" name="Footer Placeholder 4"/>
+          <p:cNvSpPr>
+            <a:spLocks noGrp="1"/>
+          </p:cNvSpPr>
+          <p:nvPr>
+            <p:ph type="ftr" sz="quarter" idx="11"/>
+          </p:nvPr>
+        </p:nvSpPr>
+        <p:spPr/>
+        <p:txBody>
+          <a:bodyPr/>
+          <a:lstStyle/>
+          <a:p>
+            <a:endParaRPr lang="zh-CN" altLang="en-US"/>
+          </a:p>
+        </p:txBody>
+      </p:sp>
+      <p:sp>
+        <p:nvSpPr>
+          <p:cNvPr id="6" name="Slide Number Placeholder 5"/>
+          <p:cNvSpPr>
+            <a:spLocks noGrp="1"/>
+          </p:cNvSpPr>
+          <p:nvPr>
+            <p:ph type="sldNum" sz="quarter" idx="12"/>
+          </p:nvPr>
+        </p:nvSpPr>
+        <p:spPr/>
+        <p:txBody>
+          <a:bodyPr/>
+          <a:lstStyle/>
+          <a:p>
+            <a:fld id="{E93555BA-6C63-4939-A665-245D1FC00EDD}" type="slidenum">
+              <a:rPr lang="zh-CN" altLang="en-US" smtClean="0"/>
+              <a:t>‹#›</a:t>
+            </a:fld>
+            <a:endParaRPr lang="zh-CN" altLang="en-US"/>
+          </a:p>
+        </p:txBody>
+      </p:sp>
+    </p:spTree>
+    <p:extLst>
+      <p:ext uri="{BB962C8B-B14F-4D97-AF65-F5344CB8AC3E}">
+        <p14:creationId xmlns:p14="http://schemas.microsoft.com/office/powerpoint/2010/main" val="1661838726"/>
+      </p:ext>
+    </p:extLst>
+  </p:cSld>
+  <p:clrMapOvr>
+    <a:masterClrMapping/>
+  </p:clrMapOvr>
+</p:sldLayout>
+</file>
+
+<file path=ppt/slideLayouts/slideLayout4.xml><?xml version="1.0" encoding="utf-8"?>
+<p:sldLayout xmlns:a="http://schemas.openxmlformats.org/drawingml/2006/main" xmlns:r="http://schemas.openxmlformats.org/officeDocument/2006/relationships" xmlns:p="http://schemas.openxmlformats.org/presentationml/2006/main" type="twoObj" preserve="1">
+  <p:cSld name="两栏内容">
+    <p:spTree>
+      <p:nvGrpSpPr>
+        <p:cNvPr id="1" name=""/>
+        <p:cNvGrpSpPr/>
+        <p:nvPr/>
+      </p:nvGrpSpPr>
+      <p:grpSpPr>
+        <a:xfrm>
+          <a:off x="0" y="0"/>
+          <a:ext cx="0" cy="0"/>
+          <a:chOff x="0" y="0"/>
+          <a:chExt cx="0" cy="0"/>
+        </a:xfrm>
+      </p:grpSpPr>
+      <p:sp>
+        <p:nvSpPr>
+          <p:cNvPr id="2" name="Title 1"/>
+          <p:cNvSpPr>
+            <a:spLocks noGrp="1"/>
+          </p:cNvSpPr>
+          <p:nvPr>
+            <p:ph type="title"/>
+          </p:nvPr>
+        </p:nvSpPr>
+        <p:spPr/>
+        <p:txBody>
+          <a:bodyPr/>
+          <a:lstStyle/>
+          <a:p>
+            <a:r>
+              <a:rPr lang="zh-CN" altLang="en-US" smtClean="0"/>
+              <a:t>单击此处编辑母版标题样式</a:t>
+            </a:r>
+            <a:endParaRPr lang="en-US" dirty="0"/>
+          </a:p>
+        </p:txBody>
+      </p:sp>
+      <p:sp>
+        <p:nvSpPr>
+          <p:cNvPr id="3" name="Content Placeholder 2"/>
+          <p:cNvSpPr>
+            <a:spLocks noGrp="1"/>
+          </p:cNvSpPr>
+          <p:nvPr>
+            <p:ph sz="half" idx="1"/>
+          </p:nvPr>
+        </p:nvSpPr>
+        <p:spPr>
+          <a:xfrm>
+            <a:off x="845127" y="1828800"/>
+            <a:ext cx="5181600" cy="4351337"/>
+          </a:xfrm>
+        </p:spPr>
+        <p:txBody>
+          <a:bodyPr/>
+          <a:lstStyle/>
+          <a:p>
+            <a:pPr lvl="0"/>
+            <a:r>
+              <a:rPr lang="zh-CN" altLang="en-US" smtClean="0"/>
+              <a:t>编辑母版文本样式</a:t>
+            </a:r>
+          </a:p>
+          <a:p>
+            <a:pPr lvl="1"/>
+            <a:r>
+              <a:rPr lang="zh-CN" altLang="en-US" smtClean="0"/>
+              <a:t>第二级</a:t>
+            </a:r>
+          </a:p>
+          <a:p>
+            <a:pPr lvl="2"/>
+            <a:r>
+              <a:rPr lang="zh-CN" altLang="en-US" smtClean="0"/>
+              <a:t>第三级</a:t>
+            </a:r>
+          </a:p>
+          <a:p>
+            <a:pPr lvl="3"/>
+            <a:r>
+              <a:rPr lang="zh-CN" altLang="en-US" smtClean="0"/>
+              <a:t>第四级</a:t>
+            </a:r>
+          </a:p>
+          <a:p>
+            <a:pPr lvl="4"/>
+            <a:r>
+              <a:rPr lang="zh-CN" altLang="en-US" smtClean="0"/>
+              <a:t>第五级</a:t>
+            </a:r>
+            <a:endParaRPr lang="en-US" dirty="0"/>
+          </a:p>
+        </p:txBody>
+      </p:sp>
+      <p:sp>
+        <p:nvSpPr>
+          <p:cNvPr id="4" name="Content Placeholder 3"/>
+          <p:cNvSpPr>
+            <a:spLocks noGrp="1"/>
+          </p:cNvSpPr>
+          <p:nvPr>
+            <p:ph sz="half" idx="2"/>
+          </p:nvPr>
+        </p:nvSpPr>
+        <p:spPr>
+          <a:xfrm>
+            <a:off x="6172200" y="1828800"/>
+            <a:ext cx="5181600" cy="4351337"/>
+          </a:xfrm>
+        </p:spPr>
+        <p:txBody>
+          <a:bodyPr/>
+          <a:lstStyle/>
+          <a:p>
+            <a:pPr lvl="0"/>
+            <a:r>
+              <a:rPr lang="zh-CN" altLang="en-US" smtClean="0"/>
+              <a:t>编辑母版文本样式</a:t>
+            </a:r>
+          </a:p>
+          <a:p>
+            <a:pPr lvl="1"/>
+            <a:r>
+              <a:rPr lang="zh-CN" altLang="en-US" smtClean="0"/>
+              <a:t>第二级</a:t>
+            </a:r>
+          </a:p>
+          <a:p>
+            <a:pPr lvl="2"/>
+            <a:r>
+              <a:rPr lang="zh-CN" altLang="en-US" smtClean="0"/>
+              <a:t>第三级</a:t>
+            </a:r>
+          </a:p>
+          <a:p>
+            <a:pPr lvl="3"/>
+            <a:r>
+              <a:rPr lang="zh-CN" altLang="en-US" smtClean="0"/>
+              <a:t>第四级</a:t>
+            </a:r>
+          </a:p>
+          <a:p>
+            <a:pPr lvl="4"/>
+            <a:r>
+              <a:rPr lang="zh-CN" altLang="en-US" smtClean="0"/>
+              <a:t>第五级</a:t>
+            </a:r>
+            <a:endParaRPr lang="en-US" dirty="0"/>
+          </a:p>
+        </p:txBody>
+      </p:sp>
+      <p:sp>
+        <p:nvSpPr>
+          <p:cNvPr id="5" name="Date Placeholder 4"/>
+          <p:cNvSpPr>
+            <a:spLocks noGrp="1"/>
+          </p:cNvSpPr>
+          <p:nvPr>
+            <p:ph type="dt" sz="half" idx="10"/>
+          </p:nvPr>
+        </p:nvSpPr>
+        <p:spPr/>
+        <p:txBody>
+          <a:bodyPr/>
+          <a:lstStyle/>
+          <a:p>
+            <a:fld id="{08AE6406-1AA9-466A-BB26-4173F06B2034}" type="datetimeFigureOut">
+              <a:rPr lang="zh-CN" altLang="en-US" smtClean="0"/>
+              <a:t>2020/7/20</a:t>
+            </a:fld>
+            <a:endParaRPr lang="zh-CN" altLang="en-US"/>
+          </a:p>
+        </p:txBody>
+      </p:sp>
+      <p:sp>
+        <p:nvSpPr>
+          <p:cNvPr id="6" name="Footer Placeholder 5"/>
+          <p:cNvSpPr>
+            <a:spLocks noGrp="1"/>
+          </p:cNvSpPr>
+          <p:nvPr>
+            <p:ph type="ftr" sz="quarter" idx="11"/>
+          </p:nvPr>
+        </p:nvSpPr>
+        <p:spPr/>
+        <p:txBody>
+          <a:bodyPr/>
+          <a:lstStyle/>
+          <a:p>
+            <a:endParaRPr lang="zh-CN" altLang="en-US"/>
+          </a:p>
+        </p:txBody>
+      </p:sp>
+      <p:sp>
+        <p:nvSpPr>
+          <p:cNvPr id="7" name="Slide Number Placeholder 6"/>
+          <p:cNvSpPr>
+            <a:spLocks noGrp="1"/>
+          </p:cNvSpPr>
+          <p:nvPr>
+            <p:ph type="sldNum" sz="quarter" idx="12"/>
+          </p:nvPr>
+        </p:nvSpPr>
+        <p:spPr/>
+        <p:txBody>
+          <a:bodyPr/>
+          <a:lstStyle/>
+          <a:p>
+            <a:fld id="{E93555BA-6C63-4939-A665-245D1FC00EDD}" type="slidenum">
+              <a:rPr lang="zh-CN" altLang="en-US" smtClean="0"/>
+              <a:t>‹#›</a:t>
+            </a:fld>
+            <a:endParaRPr lang="zh-CN" altLang="en-US"/>
+          </a:p>
+        </p:txBody>
+      </p:sp>
+    </p:spTree>
+    <p:extLst>
+      <p:ext uri="{BB962C8B-B14F-4D97-AF65-F5344CB8AC3E}">
+        <p14:creationId xmlns:p14="http://schemas.microsoft.com/office/powerpoint/2010/main" val="650081748"/>
+      </p:ext>
+    </p:extLst>
+  </p:cSld>
+  <p:clrMapOvr>
+    <a:masterClrMapping/>
+  </p:clrMapOvr>
+  <p:extLst>
+    <p:ext uri="{DCECCB84-F9BA-43D5-87BE-67443E8EF086}">
+      <p15:sldGuideLst xmlns:p15="http://schemas.microsoft.com/office/powerpoint/2012/main"/>
+    </p:ext>
+  </p:extLst>
+</p:sldLayout>
+</file>
+
+<file path=ppt/slideLayouts/slideLayout5.xml><?xml version="1.0" encoding="utf-8"?>
+<p:sldLayout xmlns:a="http://schemas.openxmlformats.org/drawingml/2006/main" xmlns:r="http://schemas.openxmlformats.org/officeDocument/2006/relationships" xmlns:p="http://schemas.openxmlformats.org/presentationml/2006/main" preserve="1">
+  <p:cSld name="比较">
+    <p:spTree>
+      <p:nvGrpSpPr>
+        <p:cNvPr id="1" name=""/>
+        <p:cNvGrpSpPr/>
+        <p:nvPr/>
+      </p:nvGrpSpPr>
+      <p:grpSpPr>
+        <a:xfrm>
+          <a:off x="0" y="0"/>
+          <a:ext cx="0" cy="0"/>
+          <a:chOff x="0" y="0"/>
+          <a:chExt cx="0" cy="0"/>
+        </a:xfrm>
+      </p:grpSpPr>
+      <p:sp>
+        <p:nvSpPr>
+          <p:cNvPr id="3" name="Text Placeholder 2"/>
+          <p:cNvSpPr>
+            <a:spLocks noGrp="1"/>
+          </p:cNvSpPr>
+          <p:nvPr>
+            <p:ph type="body" idx="1"/>
+          </p:nvPr>
+        </p:nvSpPr>
+        <p:spPr>
+          <a:xfrm>
+            <a:off x="845127" y="1681850"/>
+            <a:ext cx="5156200" cy="825699"/>
+          </a:xfrm>
+        </p:spPr>
+        <p:txBody>
+          <a:bodyPr anchor="b">
+            <a:normAutofit/>
+          </a:bodyPr>
+          <a:lstStyle>
+            <a:lvl1pPr marL="0" indent="0">
+              <a:spcBef>
+                <a:spcPts val="0"/>
+              </a:spcBef>
+              <a:buNone/>
+              <a:defRPr sz="2400" b="1"/>
+            </a:lvl1pPr>
+            <a:lvl2pPr marL="457200" indent="0">
+              <a:buNone/>
+              <a:defRPr sz="2000" b="1"/>
+            </a:lvl2pPr>
+            <a:lvl3pPr marL="914400" indent="0">
+              <a:buNone/>
+              <a:defRPr sz="1800" b="1"/>
+            </a:lvl3pPr>
+            <a:lvl4pPr marL="1371600" indent="0">
+              <a:buNone/>
+              <a:defRPr sz="1600" b="1"/>
+            </a:lvl4pPr>
+            <a:lvl5pPr marL="1828800" indent="0">
+              <a:buNone/>
+              <a:defRPr sz="1600" b="1"/>
+            </a:lvl5pPr>
+            <a:lvl6pPr marL="2286000" indent="0">
+              <a:buNone/>
+              <a:defRPr sz="1600" b="1"/>
+            </a:lvl6pPr>
+            <a:lvl7pPr marL="2743200" indent="0">
+              <a:buNone/>
+              <a:defRPr sz="1600" b="1"/>
+            </a:lvl7pPr>
+            <a:lvl8pPr marL="3200400" indent="0">
+              <a:buNone/>
+              <a:defRPr sz="1600" b="1"/>
+            </a:lvl8pPr>
+            <a:lvl9pPr marL="3657600" indent="0">
+              <a:buNone/>
+              <a:defRPr sz="1600" b="1"/>
+            </a:lvl9pPr>
+          </a:lstStyle>
+          <a:p>
+            <a:pPr lvl="0"/>
+            <a:r>
+              <a:rPr lang="zh-CN" altLang="en-US" smtClean="0"/>
+              <a:t>编辑母版文本样式</a:t>
+            </a:r>
+          </a:p>
+        </p:txBody>
+      </p:sp>
+      <p:sp>
+        <p:nvSpPr>
+          <p:cNvPr id="4" name="Content Placeholder 3"/>
+          <p:cNvSpPr>
+            <a:spLocks noGrp="1"/>
+          </p:cNvSpPr>
+          <p:nvPr>
+            <p:ph sz="half" idx="2"/>
+          </p:nvPr>
+        </p:nvSpPr>
+        <p:spPr>
+          <a:xfrm>
+            <a:off x="845127" y="2507550"/>
+            <a:ext cx="5156200" cy="3680525"/>
+          </a:xfrm>
+        </p:spPr>
+        <p:txBody>
+          <a:bodyPr/>
+          <a:lstStyle/>
+          <a:p>
+            <a:pPr lvl="0"/>
+            <a:r>
+              <a:rPr lang="zh-CN" altLang="en-US" smtClean="0"/>
+              <a:t>编辑母版文本样式</a:t>
+            </a:r>
+          </a:p>
+          <a:p>
+            <a:pPr lvl="1"/>
+            <a:r>
+              <a:rPr lang="zh-CN" altLang="en-US" smtClean="0"/>
+              <a:t>第二级</a:t>
+            </a:r>
+          </a:p>
+          <a:p>
+            <a:pPr lvl="2"/>
+            <a:r>
+              <a:rPr lang="zh-CN" altLang="en-US" smtClean="0"/>
+              <a:t>第三级</a:t>
+            </a:r>
+          </a:p>
+          <a:p>
+            <a:pPr lvl="3"/>
+            <a:r>
+              <a:rPr lang="zh-CN" altLang="en-US" smtClean="0"/>
+              <a:t>第四级</a:t>
+            </a:r>
+          </a:p>
+          <a:p>
+            <a:pPr lvl="4"/>
+            <a:r>
+              <a:rPr lang="zh-CN" altLang="en-US" smtClean="0"/>
+              <a:t>第五级</a:t>
+            </a:r>
+            <a:endParaRPr lang="en-US" dirty="0"/>
+          </a:p>
+        </p:txBody>
+      </p:sp>
+      <p:sp>
+        <p:nvSpPr>
+          <p:cNvPr id="5" name="Text Placeholder 4"/>
+          <p:cNvSpPr>
+            <a:spLocks noGrp="1"/>
+          </p:cNvSpPr>
+          <p:nvPr>
+            <p:ph type="body" sz="quarter" idx="3"/>
+          </p:nvPr>
+        </p:nvSpPr>
+        <p:spPr>
+          <a:xfrm>
+            <a:off x="6172200" y="1681851"/>
+            <a:ext cx="5181601" cy="825698"/>
+          </a:xfrm>
+        </p:spPr>
+        <p:txBody>
+          <a:bodyPr anchor="b"/>
+          <a:lstStyle>
+            <a:lvl1pPr marL="0" indent="0">
+              <a:spcBef>
+                <a:spcPts val="0"/>
+              </a:spcBef>
+              <a:buNone/>
+              <a:defRPr sz="2400" b="1"/>
+            </a:lvl1pPr>
+            <a:lvl2pPr marL="457200" indent="0">
+              <a:buNone/>
+              <a:defRPr sz="2000" b="1"/>
+            </a:lvl2pPr>
+            <a:lvl3pPr marL="914400" indent="0">
+              <a:buNone/>
+              <a:defRPr sz="1800" b="1"/>
+            </a:lvl3pPr>
+            <a:lvl4pPr marL="1371600" indent="0">
+              <a:buNone/>
+              <a:defRPr sz="1600" b="1"/>
+            </a:lvl4pPr>
+            <a:lvl5pPr marL="1828800" indent="0">
+              <a:buNone/>
+              <a:defRPr sz="1600" b="1"/>
+            </a:lvl5pPr>
+            <a:lvl6pPr marL="2286000" indent="0">
+              <a:buNone/>
+              <a:defRPr sz="1600" b="1"/>
+            </a:lvl6pPr>
+            <a:lvl7pPr marL="2743200" indent="0">
+              <a:buNone/>
+              <a:defRPr sz="1600" b="1"/>
+            </a:lvl7pPr>
+            <a:lvl8pPr marL="3200400" indent="0">
+              <a:buNone/>
+              <a:defRPr sz="1600" b="1"/>
+            </a:lvl8pPr>
+            <a:lvl9pPr marL="3657600" indent="0">
+              <a:buNone/>
+              <a:defRPr sz="1600" b="1"/>
+            </a:lvl9pPr>
+          </a:lstStyle>
+          <a:p>
+            <a:pPr lvl="0"/>
+            <a:r>
+              <a:rPr lang="zh-CN" altLang="en-US" smtClean="0"/>
+              <a:t>编辑母版文本样式</a:t>
+            </a:r>
+          </a:p>
+        </p:txBody>
+      </p:sp>
+      <p:sp>
+        <p:nvSpPr>
+          <p:cNvPr id="6" name="Content Placeholder 5"/>
+          <p:cNvSpPr>
+            <a:spLocks noGrp="1"/>
+          </p:cNvSpPr>
+          <p:nvPr>
+            <p:ph sz="quarter" idx="4"/>
+          </p:nvPr>
+        </p:nvSpPr>
+        <p:spPr>
+          <a:xfrm>
+            <a:off x="6172200" y="2507550"/>
+            <a:ext cx="5181601" cy="3680525"/>
+          </a:xfrm>
+        </p:spPr>
+        <p:txBody>
+          <a:bodyPr/>
+          <a:lstStyle/>
+          <a:p>
+            <a:pPr lvl="0"/>
+            <a:r>
+              <a:rPr lang="zh-CN" altLang="en-US" smtClean="0"/>
+              <a:t>编辑母版文本样式</a:t>
+            </a:r>
+          </a:p>
+          <a:p>
+            <a:pPr lvl="1"/>
+            <a:r>
+              <a:rPr lang="zh-CN" altLang="en-US" smtClean="0"/>
+              <a:t>第二级</a:t>
+            </a:r>
+          </a:p>
+          <a:p>
+            <a:pPr lvl="2"/>
+            <a:r>
+              <a:rPr lang="zh-CN" altLang="en-US" smtClean="0"/>
+              <a:t>第三级</a:t>
+            </a:r>
+          </a:p>
+          <a:p>
+            <a:pPr lvl="3"/>
+            <a:r>
+              <a:rPr lang="zh-CN" altLang="en-US" smtClean="0"/>
+              <a:t>第四级</a:t>
+            </a:r>
+          </a:p>
+          <a:p>
+            <a:pPr lvl="4"/>
+            <a:r>
+              <a:rPr lang="zh-CN" altLang="en-US" smtClean="0"/>
+              <a:t>第五级</a:t>
+            </a:r>
+            <a:endParaRPr lang="en-US"/>
+          </a:p>
+        </p:txBody>
+      </p:sp>
+      <p:sp>
+        <p:nvSpPr>
+          <p:cNvPr id="7" name="Date Placeholder 6"/>
+          <p:cNvSpPr>
+            <a:spLocks noGrp="1"/>
+          </p:cNvSpPr>
+          <p:nvPr>
+            <p:ph type="dt" sz="half" idx="10"/>
+          </p:nvPr>
+        </p:nvSpPr>
+        <p:spPr/>
+        <p:txBody>
+          <a:bodyPr/>
+          <a:lstStyle/>
+          <a:p>
+            <a:fld id="{08AE6406-1AA9-466A-BB26-4173F06B2034}" type="datetimeFigureOut">
+              <a:rPr lang="zh-CN" altLang="en-US" smtClean="0"/>
+              <a:t>2020/7/20</a:t>
+            </a:fld>
+            <a:endParaRPr lang="zh-CN" altLang="en-US"/>
+          </a:p>
+        </p:txBody>
+      </p:sp>
+      <p:sp>
+        <p:nvSpPr>
+          <p:cNvPr id="8" name="Footer Placeholder 7"/>
+          <p:cNvSpPr>
+            <a:spLocks noGrp="1"/>
+          </p:cNvSpPr>
+          <p:nvPr>
+            <p:ph type="ftr" sz="quarter" idx="11"/>
+          </p:nvPr>
+        </p:nvSpPr>
+        <p:spPr/>
+        <p:txBody>
+          <a:bodyPr/>
+          <a:lstStyle/>
+          <a:p>
+            <a:endParaRPr lang="zh-CN" altLang="en-US"/>
+          </a:p>
+        </p:txBody>
+      </p:sp>
+      <p:sp>
+        <p:nvSpPr>
+          <p:cNvPr id="9" name="Slide Number Placeholder 8"/>
+          <p:cNvSpPr>
+            <a:spLocks noGrp="1"/>
+          </p:cNvSpPr>
+          <p:nvPr>
+            <p:ph type="sldNum" sz="quarter" idx="12"/>
+          </p:nvPr>
+        </p:nvSpPr>
+        <p:spPr/>
+        <p:txBody>
+          <a:bodyPr/>
+          <a:lstStyle/>
+          <a:p>
+            <a:fld id="{E93555BA-6C63-4939-A665-245D1FC00EDD}" type="slidenum">
+              <a:rPr lang="zh-CN" altLang="en-US" smtClean="0"/>
+              <a:t>‹#›</a:t>
+            </a:fld>
+            <a:endParaRPr lang="zh-CN" altLang="en-US"/>
+          </a:p>
+        </p:txBody>
+      </p:sp>
+      <p:sp>
+        <p:nvSpPr>
+          <p:cNvPr id="10" name="Title 9"/>
+          <p:cNvSpPr>
+            <a:spLocks noGrp="1"/>
+          </p:cNvSpPr>
+          <p:nvPr>
+            <p:ph type="title"/>
+          </p:nvPr>
+        </p:nvSpPr>
+        <p:spPr/>
+        <p:txBody>
+          <a:bodyPr/>
+          <a:lstStyle/>
+          <a:p>
+            <a:r>
+              <a:rPr lang="zh-CN" altLang="en-US" smtClean="0"/>
+              <a:t>单击此处编辑母版标题样式</a:t>
+            </a:r>
+            <a:endParaRPr lang="en-US" dirty="0"/>
+          </a:p>
+        </p:txBody>
+      </p:sp>
+    </p:spTree>
+    <p:extLst>
+      <p:ext uri="{BB962C8B-B14F-4D97-AF65-F5344CB8AC3E}">
+        <p14:creationId xmlns:p14="http://schemas.microsoft.com/office/powerpoint/2010/main" val="2926155049"/>
+      </p:ext>
+    </p:extLst>
+  </p:cSld>
+  <p:clrMapOvr>
+    <a:masterClrMapping/>
+  </p:clrMapOvr>
+  <p:extLst>
+    <p:ext uri="{DCECCB84-F9BA-43D5-87BE-67443E8EF086}">
+      <p15:sldGuideLst xmlns:p15="http://schemas.microsoft.com/office/powerpoint/2012/main"/>
+    </p:ext>
+  </p:extLst>
+</p:sldLayout>
+</file>
+
+<file path=ppt/slideLayouts/slideLayout6.xml><?xml version="1.0" encoding="utf-8"?>
+<p:sldLayout xmlns:a="http://schemas.openxmlformats.org/drawingml/2006/main" xmlns:r="http://schemas.openxmlformats.org/officeDocument/2006/relationships" xmlns:p="http://schemas.openxmlformats.org/presentationml/2006/main" preserve="1">
+  <p:cSld name="仅标题">
+    <p:spTree>
+      <p:nvGrpSpPr>
+        <p:cNvPr id="1" name=""/>
+        <p:cNvGrpSpPr/>
+        <p:nvPr/>
+      </p:nvGrpSpPr>
+      <p:grpSpPr>
+        <a:xfrm>
+          <a:off x="0" y="0"/>
+          <a:ext cx="0" cy="0"/>
+          <a:chOff x="0" y="0"/>
+          <a:chExt cx="0" cy="0"/>
+        </a:xfrm>
+      </p:grpSpPr>
+      <p:sp>
+        <p:nvSpPr>
+          <p:cNvPr id="3" name="Date Placeholder 2"/>
+          <p:cNvSpPr>
+            <a:spLocks noGrp="1"/>
+          </p:cNvSpPr>
+          <p:nvPr>
+            <p:ph type="dt" sz="half" idx="10"/>
+          </p:nvPr>
+        </p:nvSpPr>
+        <p:spPr/>
+        <p:txBody>
+          <a:bodyPr/>
+          <a:lstStyle/>
+          <a:p>
+            <a:fld id="{08AE6406-1AA9-466A-BB26-4173F06B2034}" type="datetimeFigureOut">
+              <a:rPr lang="zh-CN" altLang="en-US" smtClean="0"/>
+              <a:t>2020/7/20</a:t>
+            </a:fld>
+            <a:endParaRPr lang="zh-CN" altLang="en-US"/>
+          </a:p>
+        </p:txBody>
+      </p:sp>
+      <p:sp>
+        <p:nvSpPr>
+          <p:cNvPr id="4" name="Footer Placeholder 3"/>
+          <p:cNvSpPr>
+            <a:spLocks noGrp="1"/>
+          </p:cNvSpPr>
+          <p:nvPr>
+            <p:ph type="ftr" sz="quarter" idx="11"/>
+          </p:nvPr>
+        </p:nvSpPr>
+        <p:spPr/>
+        <p:txBody>
+          <a:bodyPr/>
+          <a:lstStyle/>
+          <a:p>
+            <a:endParaRPr lang="zh-CN" altLang="en-US"/>
+          </a:p>
+        </p:txBody>
+      </p:sp>
+      <p:sp>
+        <p:nvSpPr>
+          <p:cNvPr id="5" name="Slide Number Placeholder 4"/>
+          <p:cNvSpPr>
+            <a:spLocks noGrp="1"/>
+          </p:cNvSpPr>
+          <p:nvPr>
+            <p:ph type="sldNum" sz="quarter" idx="12"/>
+          </p:nvPr>
+        </p:nvSpPr>
+        <p:spPr/>
+        <p:txBody>
+          <a:bodyPr/>
+          <a:lstStyle/>
+          <a:p>
+            <a:fld id="{E93555BA-6C63-4939-A665-245D1FC00EDD}" type="slidenum">
+              <a:rPr lang="zh-CN" altLang="en-US" smtClean="0"/>
+              <a:t>‹#›</a:t>
+            </a:fld>
+            <a:endParaRPr lang="zh-CN" altLang="en-US"/>
+          </a:p>
+        </p:txBody>
+      </p:sp>
+      <p:sp>
+        <p:nvSpPr>
+          <p:cNvPr id="6" name="Title 5"/>
+          <p:cNvSpPr>
+            <a:spLocks noGrp="1"/>
+          </p:cNvSpPr>
+          <p:nvPr>
+            <p:ph type="title"/>
+          </p:nvPr>
+        </p:nvSpPr>
+        <p:spPr/>
+        <p:txBody>
+          <a:bodyPr/>
+          <a:lstStyle/>
+          <a:p>
+            <a:r>
+              <a:rPr lang="zh-CN" altLang="en-US" smtClean="0"/>
+              <a:t>单击此处编辑母版标题样式</a:t>
+            </a:r>
+            <a:endParaRPr lang="en-US"/>
+          </a:p>
+        </p:txBody>
+      </p:sp>
+    </p:spTree>
+    <p:extLst>
+      <p:ext uri="{BB962C8B-B14F-4D97-AF65-F5344CB8AC3E}">
+        <p14:creationId xmlns:p14="http://schemas.microsoft.com/office/powerpoint/2010/main" val="3451869064"/>
+      </p:ext>
+    </p:extLst>
+  </p:cSld>
+  <p:clrMapOvr>
+    <a:masterClrMapping/>
+  </p:clrMapOvr>
+</p:sldLayout>
+</file>
+
+<file path=ppt/slideLayouts/slideLayout7.xml><?xml version="1.0" encoding="utf-8"?>
+<p:sldLayout xmlns:a="http://schemas.openxmlformats.org/drawingml/2006/main" xmlns:r="http://schemas.openxmlformats.org/officeDocument/2006/relationships" xmlns:p="http://schemas.openxmlformats.org/presentationml/2006/main" type="blank" preserve="1">
+  <p:cSld name="空白">
+    <p:spTree>
+      <p:nvGrpSpPr>
+        <p:cNvPr id="1" name=""/>
+        <p:cNvGrpSpPr/>
+        <p:nvPr/>
+      </p:nvGrpSpPr>
+      <p:grpSpPr>
+        <a:xfrm>
+          <a:off x="0" y="0"/>
+          <a:ext cx="0" cy="0"/>
+          <a:chOff x="0" y="0"/>
+          <a:chExt cx="0" cy="0"/>
+        </a:xfrm>
+      </p:grpSpPr>
+      <p:sp>
+        <p:nvSpPr>
+          <p:cNvPr id="2" name="Date Placeholder 1"/>
+          <p:cNvSpPr>
+            <a:spLocks noGrp="1"/>
+          </p:cNvSpPr>
+          <p:nvPr>
+            <p:ph type="dt" sz="half" idx="10"/>
+          </p:nvPr>
+        </p:nvSpPr>
+        <p:spPr/>
+        <p:txBody>
+          <a:bodyPr/>
+          <a:lstStyle/>
+          <a:p>
+            <a:fld id="{08AE6406-1AA9-466A-BB26-4173F06B2034}" type="datetimeFigureOut">
+              <a:rPr lang="zh-CN" altLang="en-US" smtClean="0"/>
+              <a:t>2020/7/20</a:t>
+            </a:fld>
+            <a:endParaRPr lang="zh-CN" altLang="en-US"/>
+          </a:p>
+        </p:txBody>
+      </p:sp>
+      <p:sp>
+        <p:nvSpPr>
+          <p:cNvPr id="3" name="Footer Placeholder 2"/>
+          <p:cNvSpPr>
+            <a:spLocks noGrp="1"/>
+          </p:cNvSpPr>
+          <p:nvPr>
+            <p:ph type="ftr" sz="quarter" idx="11"/>
+          </p:nvPr>
+        </p:nvSpPr>
+        <p:spPr/>
+        <p:txBody>
+          <a:bodyPr/>
+          <a:lstStyle/>
+          <a:p>
+            <a:endParaRPr lang="zh-CN" altLang="en-US"/>
+          </a:p>
+        </p:txBody>
+      </p:sp>
+      <p:sp>
+        <p:nvSpPr>
+          <p:cNvPr id="4" name="Slide Number Placeholder 3"/>
+          <p:cNvSpPr>
+            <a:spLocks noGrp="1"/>
+          </p:cNvSpPr>
+          <p:nvPr>
+            <p:ph type="sldNum" sz="quarter" idx="12"/>
+          </p:nvPr>
+        </p:nvSpPr>
+        <p:spPr/>
+        <p:txBody>
+          <a:bodyPr/>
+          <a:lstStyle/>
+          <a:p>
+            <a:fld id="{E93555BA-6C63-4939-A665-245D1FC00EDD}" type="slidenum">
+              <a:rPr lang="zh-CN" altLang="en-US" smtClean="0"/>
+              <a:t>‹#›</a:t>
+            </a:fld>
+            <a:endParaRPr lang="zh-CN" altLang="en-US"/>
+          </a:p>
+        </p:txBody>
+      </p:sp>
+    </p:spTree>
+    <p:extLst>
+      <p:ext uri="{BB962C8B-B14F-4D97-AF65-F5344CB8AC3E}">
+        <p14:creationId xmlns:p14="http://schemas.microsoft.com/office/powerpoint/2010/main" val="3476435017"/>
+      </p:ext>
+    </p:extLst>
+  </p:cSld>
+  <p:clrMapOvr>
+    <a:masterClrMapping/>
+  </p:clrMapOvr>
+</p:sldLayout>
+</file>
+
+<file path=ppt/slideLayouts/slideLayout8.xml><?xml version="1.0" encoding="utf-8"?>
+<p:sldLayout xmlns:a="http://schemas.openxmlformats.org/drawingml/2006/main" xmlns:r="http://schemas.openxmlformats.org/officeDocument/2006/relationships" xmlns:p="http://schemas.openxmlformats.org/presentationml/2006/main" type="objTx" preserve="1">
+  <p:cSld name="内容与标题">
+    <p:spTree>
+      <p:nvGrpSpPr>
+        <p:cNvPr id="1" name=""/>
+        <p:cNvGrpSpPr/>
+        <p:nvPr/>
+      </p:nvGrpSpPr>
+      <p:grpSpPr>
+        <a:xfrm>
+          <a:off x="0" y="0"/>
+          <a:ext cx="0" cy="0"/>
+          <a:chOff x="0" y="0"/>
+          <a:chExt cx="0" cy="0"/>
+        </a:xfrm>
+      </p:grpSpPr>
+      <p:sp>
+        <p:nvSpPr>
+          <p:cNvPr id="2" name="Title 1"/>
+          <p:cNvSpPr>
+            <a:spLocks noGrp="1"/>
+          </p:cNvSpPr>
+          <p:nvPr>
+            <p:ph type="title"/>
+          </p:nvPr>
+        </p:nvSpPr>
+        <p:spPr>
+          <a:xfrm>
+            <a:off x="841248" y="457200"/>
+            <a:ext cx="3931920" cy="1600197"/>
+          </a:xfrm>
+        </p:spPr>
+        <p:txBody>
+          <a:bodyPr anchor="b">
+            <a:normAutofit/>
+          </a:bodyPr>
+          <a:lstStyle>
+            <a:lvl1pPr>
+              <a:defRPr sz="3200" b="0"/>
+            </a:lvl1pPr>
+          </a:lstStyle>
+          <a:p>
+            <a:r>
+              <a:rPr lang="zh-CN" altLang="en-US" smtClean="0"/>
+              <a:t>单击此处编辑母版标题样式</a:t>
+            </a:r>
+            <a:endParaRPr lang="en-US" dirty="0"/>
+          </a:p>
+        </p:txBody>
+      </p:sp>
+      <p:sp>
+        <p:nvSpPr>
+          <p:cNvPr id="3" name="Content Placeholder 2"/>
+          <p:cNvSpPr>
+            <a:spLocks noGrp="1"/>
+          </p:cNvSpPr>
+          <p:nvPr>
+            <p:ph idx="1"/>
+          </p:nvPr>
+        </p:nvSpPr>
+        <p:spPr>
+          <a:xfrm>
+            <a:off x="5181600" y="990600"/>
+            <a:ext cx="6172200" cy="4876800"/>
+          </a:xfrm>
+        </p:spPr>
+        <p:txBody>
+          <a:bodyPr/>
+          <a:lstStyle>
+            <a:lvl1pPr>
+              <a:defRPr sz="3200"/>
+            </a:lvl1pPr>
+            <a:lvl2pPr>
+              <a:defRPr sz="2800"/>
+            </a:lvl2pPr>
+            <a:lvl3pPr>
+              <a:defRPr sz="2400"/>
+            </a:lvl3pPr>
+            <a:lvl4pPr>
+              <a:defRPr sz="2000"/>
+            </a:lvl4pPr>
+            <a:lvl5pPr>
+              <a:defRPr sz="2000"/>
+            </a:lvl5pPr>
+            <a:lvl6pPr>
+              <a:defRPr sz="2000"/>
+            </a:lvl6pPr>
+            <a:lvl7pPr>
+              <a:defRPr sz="2000"/>
+            </a:lvl7pPr>
+            <a:lvl8pPr>
+              <a:defRPr sz="2000"/>
+            </a:lvl8pPr>
+            <a:lvl9pPr>
+              <a:defRPr sz="2000"/>
+            </a:lvl9pPr>
+          </a:lstStyle>
+          <a:p>
+            <a:pPr lvl="0"/>
+            <a:r>
+              <a:rPr lang="zh-CN" altLang="en-US" smtClean="0"/>
+              <a:t>编辑母版文本样式</a:t>
+            </a:r>
+          </a:p>
+          <a:p>
+            <a:pPr lvl="1"/>
+            <a:r>
+              <a:rPr lang="zh-CN" altLang="en-US" smtClean="0"/>
+              <a:t>第二级</a:t>
+            </a:r>
+          </a:p>
+          <a:p>
+            <a:pPr lvl="2"/>
+            <a:r>
+              <a:rPr lang="zh-CN" altLang="en-US" smtClean="0"/>
+              <a:t>第三级</a:t>
+            </a:r>
+          </a:p>
+          <a:p>
+            <a:pPr lvl="3"/>
+            <a:r>
+              <a:rPr lang="zh-CN" altLang="en-US" smtClean="0"/>
+              <a:t>第四级</a:t>
+            </a:r>
+          </a:p>
+          <a:p>
+            <a:pPr lvl="4"/>
+            <a:r>
+              <a:rPr lang="zh-CN" altLang="en-US" smtClean="0"/>
+              <a:t>第五级</a:t>
+            </a:r>
+            <a:endParaRPr lang="en-US" dirty="0"/>
+          </a:p>
+        </p:txBody>
+      </p:sp>
+      <p:sp>
+        <p:nvSpPr>
+          <p:cNvPr id="4" name="Text Placeholder 3"/>
+          <p:cNvSpPr>
+            <a:spLocks noGrp="1"/>
+          </p:cNvSpPr>
+          <p:nvPr>
+            <p:ph type="body" sz="half" idx="2"/>
+          </p:nvPr>
+        </p:nvSpPr>
+        <p:spPr>
+          <a:xfrm>
+            <a:off x="841248" y="2057399"/>
+            <a:ext cx="3931920" cy="3810001"/>
+          </a:xfrm>
+        </p:spPr>
+        <p:txBody>
+          <a:bodyPr>
+            <a:normAutofit/>
+          </a:bodyPr>
+          <a:lstStyle>
+            <a:lvl1pPr marL="0" indent="0">
+              <a:lnSpc>
+                <a:spcPct val="90000"/>
+              </a:lnSpc>
+              <a:buNone/>
+              <a:defRPr sz="1600"/>
+            </a:lvl1pPr>
+            <a:lvl2pPr marL="457200" indent="0">
+              <a:buNone/>
+              <a:defRPr sz="1200"/>
+            </a:lvl2pPr>
+            <a:lvl3pPr marL="914400" indent="0">
+              <a:buNone/>
+              <a:defRPr sz="1000"/>
+            </a:lvl3pPr>
+            <a:lvl4pPr marL="1371600" indent="0">
+              <a:buNone/>
+              <a:defRPr sz="900"/>
+            </a:lvl4pPr>
+            <a:lvl5pPr marL="1828800" indent="0">
+              <a:buNone/>
+              <a:defRPr sz="900"/>
+            </a:lvl5pPr>
+            <a:lvl6pPr marL="2286000" indent="0">
+              <a:buNone/>
+              <a:defRPr sz="900"/>
+            </a:lvl6pPr>
+            <a:lvl7pPr marL="2743200" indent="0">
+              <a:buNone/>
+              <a:defRPr sz="900"/>
+            </a:lvl7pPr>
+            <a:lvl8pPr marL="3200400" indent="0">
+              <a:buNone/>
+              <a:defRPr sz="900"/>
+            </a:lvl8pPr>
+            <a:lvl9pPr marL="3657600" indent="0">
+              <a:buNone/>
+              <a:defRPr sz="900"/>
+            </a:lvl9pPr>
+          </a:lstStyle>
+          <a:p>
+            <a:pPr lvl="0"/>
+            <a:r>
+              <a:rPr lang="zh-CN" altLang="en-US" smtClean="0"/>
+              <a:t>编辑母版文本样式</a:t>
+            </a:r>
+          </a:p>
+        </p:txBody>
+      </p:sp>
+      <p:sp>
+        <p:nvSpPr>
+          <p:cNvPr id="5" name="Date Placeholder 4"/>
+          <p:cNvSpPr>
+            <a:spLocks noGrp="1"/>
+          </p:cNvSpPr>
+          <p:nvPr>
+            <p:ph type="dt" sz="half" idx="10"/>
+          </p:nvPr>
+        </p:nvSpPr>
+        <p:spPr/>
+        <p:txBody>
+          <a:bodyPr/>
+          <a:lstStyle/>
+          <a:p>
+            <a:fld id="{08AE6406-1AA9-466A-BB26-4173F06B2034}" type="datetimeFigureOut">
+              <a:rPr lang="zh-CN" altLang="en-US" smtClean="0"/>
+              <a:t>2020/7/20</a:t>
+            </a:fld>
+            <a:endParaRPr lang="zh-CN" altLang="en-US"/>
+          </a:p>
+        </p:txBody>
+      </p:sp>
+      <p:sp>
+        <p:nvSpPr>
+          <p:cNvPr id="6" name="Footer Placeholder 5"/>
+          <p:cNvSpPr>
+            <a:spLocks noGrp="1"/>
+          </p:cNvSpPr>
+          <p:nvPr>
+            <p:ph type="ftr" sz="quarter" idx="11"/>
+          </p:nvPr>
+        </p:nvSpPr>
+        <p:spPr/>
+        <p:txBody>
+          <a:bodyPr/>
+          <a:lstStyle/>
+          <a:p>
+            <a:endParaRPr lang="zh-CN" altLang="en-US"/>
+          </a:p>
+        </p:txBody>
+      </p:sp>
+      <p:sp>
+        <p:nvSpPr>
+          <p:cNvPr id="7" name="Slide Number Placeholder 6"/>
+          <p:cNvSpPr>
+            <a:spLocks noGrp="1"/>
+          </p:cNvSpPr>
+          <p:nvPr>
+            <p:ph type="sldNum" sz="quarter" idx="12"/>
+          </p:nvPr>
+        </p:nvSpPr>
+        <p:spPr/>
+        <p:txBody>
+          <a:bodyPr/>
+          <a:lstStyle/>
+          <a:p>
+            <a:fld id="{E93555BA-6C63-4939-A665-245D1FC00EDD}" type="slidenum">
+              <a:rPr lang="zh-CN" altLang="en-US" smtClean="0"/>
+              <a:t>‹#›</a:t>
+            </a:fld>
+            <a:endParaRPr lang="zh-CN" altLang="en-US"/>
+          </a:p>
+        </p:txBody>
+      </p:sp>
+    </p:spTree>
+    <p:extLst>
+      <p:ext uri="{BB962C8B-B14F-4D97-AF65-F5344CB8AC3E}">
+        <p14:creationId xmlns:p14="http://schemas.microsoft.com/office/powerpoint/2010/main" val="1692344872"/>
+      </p:ext>
+    </p:extLst>
+  </p:cSld>
+  <p:clrMapOvr>
+    <a:masterClrMapping/>
+  </p:clrMapOvr>
+  <p:extLst>
+    <p:ext uri="{DCECCB84-F9BA-43D5-87BE-67443E8EF086}">
+      <p15:sldGuideLst xmlns:p15="http://schemas.microsoft.com/office/powerpoint/2012/main"/>
+    </p:ext>
+  </p:extLst>
+</p:sldLayout>
+</file>
+
+<file path=ppt/slideLayouts/slideLayout9.xml><?xml version="1.0" encoding="utf-8"?>
+<p:sldLayout xmlns:a="http://schemas.openxmlformats.org/drawingml/2006/main" xmlns:r="http://schemas.openxmlformats.org/officeDocument/2006/relationships" xmlns:p="http://schemas.openxmlformats.org/presentationml/2006/main" type="picTx" preserve="1">
+  <p:cSld name="图片与标题">
+    <p:spTree>
+      <p:nvGrpSpPr>
+        <p:cNvPr id="1" name=""/>
+        <p:cNvGrpSpPr/>
+        <p:nvPr/>
+      </p:nvGrpSpPr>
+      <p:grpSpPr>
+        <a:xfrm>
+          <a:off x="0" y="0"/>
+          <a:ext cx="0" cy="0"/>
+          <a:chOff x="0" y="0"/>
+          <a:chExt cx="0" cy="0"/>
+        </a:xfrm>
+      </p:grpSpPr>
+      <p:sp>
+        <p:nvSpPr>
+          <p:cNvPr id="2" name="Title 1"/>
+          <p:cNvSpPr>
+            <a:spLocks noGrp="1"/>
+          </p:cNvSpPr>
+          <p:nvPr>
+            <p:ph type="title"/>
+          </p:nvPr>
+        </p:nvSpPr>
+        <p:spPr>
+          <a:xfrm>
+            <a:off x="841248" y="457200"/>
+            <a:ext cx="3931920" cy="1600200"/>
+          </a:xfrm>
+        </p:spPr>
+        <p:txBody>
+          <a:bodyPr anchor="b">
+            <a:normAutofit/>
+          </a:bodyPr>
+          <a:lstStyle>
+            <a:lvl1pPr>
+              <a:defRPr sz="3200" b="0"/>
+            </a:lvl1pPr>
+          </a:lstStyle>
+          <a:p>
+            <a:r>
+              <a:rPr lang="zh-CN" altLang="en-US" smtClean="0"/>
+              <a:t>单击此处编辑母版标题样式</a:t>
+            </a:r>
+            <a:endParaRPr lang="en-US" dirty="0"/>
+          </a:p>
+        </p:txBody>
+      </p:sp>
+      <p:sp>
+        <p:nvSpPr>
+          <p:cNvPr id="3" name="Picture Placeholder 2"/>
+          <p:cNvSpPr>
+            <a:spLocks noGrp="1"/>
+          </p:cNvSpPr>
+          <p:nvPr>
+            <p:ph type="pic" idx="1"/>
+          </p:nvPr>
+        </p:nvSpPr>
+        <p:spPr>
+          <a:xfrm>
+            <a:off x="5181600" y="990600"/>
+            <a:ext cx="6172200" cy="4876800"/>
+          </a:xfrm>
+        </p:spPr>
+        <p:txBody>
+          <a:bodyPr/>
+          <a:lstStyle>
+            <a:lvl1pPr marL="0" indent="0">
+              <a:buNone/>
+              <a:defRPr sz="3200"/>
+            </a:lvl1pPr>
+            <a:lvl2pPr marL="457200" indent="0">
+              <a:buNone/>
+              <a:defRPr sz="2800"/>
+            </a:lvl2pPr>
+            <a:lvl3pPr marL="914400" indent="0">
+              <a:buNone/>
+              <a:defRPr sz="2400"/>
+            </a:lvl3pPr>
+            <a:lvl4pPr marL="1371600" indent="0">
+              <a:buNone/>
+              <a:defRPr sz="2000"/>
+            </a:lvl4pPr>
+            <a:lvl5pPr marL="1828800" indent="0">
+              <a:buNone/>
+              <a:defRPr sz="2000"/>
+            </a:lvl5pPr>
+            <a:lvl6pPr marL="2286000" indent="0">
+              <a:buNone/>
+              <a:defRPr sz="2000"/>
+            </a:lvl6pPr>
+            <a:lvl7pPr marL="2743200" indent="0">
+              <a:buNone/>
+              <a:defRPr sz="2000"/>
+            </a:lvl7pPr>
+            <a:lvl8pPr marL="3200400" indent="0">
+              <a:buNone/>
+              <a:defRPr sz="2000"/>
+            </a:lvl8pPr>
+            <a:lvl9pPr marL="3657600" indent="0">
+              <a:buNone/>
+              <a:defRPr sz="2000"/>
+            </a:lvl9pPr>
+          </a:lstStyle>
+          <a:p>
+            <a:r>
+              <a:rPr lang="zh-CN" altLang="en-US" smtClean="0"/>
+              <a:t>单击图标添加图片</a:t>
+            </a:r>
+            <a:endParaRPr lang="en-US" dirty="0"/>
+          </a:p>
+        </p:txBody>
+      </p:sp>
+      <p:sp>
+        <p:nvSpPr>
+          <p:cNvPr id="4" name="Text Placeholder 3"/>
+          <p:cNvSpPr>
+            <a:spLocks noGrp="1"/>
+          </p:cNvSpPr>
+          <p:nvPr>
+            <p:ph type="body" sz="half" idx="2"/>
+          </p:nvPr>
+        </p:nvSpPr>
+        <p:spPr>
+          <a:xfrm>
+            <a:off x="841248" y="2057400"/>
+            <a:ext cx="3931920" cy="3810000"/>
+          </a:xfrm>
+        </p:spPr>
+        <p:txBody>
+          <a:bodyPr>
+            <a:normAutofit/>
+          </a:bodyPr>
+          <a:lstStyle>
+            <a:lvl1pPr marL="0" indent="0">
+              <a:lnSpc>
+                <a:spcPct val="90000"/>
+              </a:lnSpc>
+              <a:buNone/>
+              <a:defRPr sz="1600"/>
+            </a:lvl1pPr>
+            <a:lvl2pPr marL="457200" indent="0">
+              <a:buNone/>
+              <a:defRPr sz="1200"/>
+            </a:lvl2pPr>
+            <a:lvl3pPr marL="914400" indent="0">
+              <a:buNone/>
+              <a:defRPr sz="1000"/>
+            </a:lvl3pPr>
+            <a:lvl4pPr marL="1371600" indent="0">
+              <a:buNone/>
+              <a:defRPr sz="900"/>
+            </a:lvl4pPr>
+            <a:lvl5pPr marL="1828800" indent="0">
+              <a:buNone/>
+              <a:defRPr sz="900"/>
+            </a:lvl5pPr>
+            <a:lvl6pPr marL="2286000" indent="0">
+              <a:buNone/>
+              <a:defRPr sz="900"/>
+            </a:lvl6pPr>
+            <a:lvl7pPr marL="2743200" indent="0">
+              <a:buNone/>
+              <a:defRPr sz="900"/>
+            </a:lvl7pPr>
+            <a:lvl8pPr marL="3200400" indent="0">
+              <a:buNone/>
+              <a:defRPr sz="900"/>
+            </a:lvl8pPr>
+            <a:lvl9pPr marL="3657600" indent="0">
+              <a:buNone/>
+              <a:defRPr sz="900"/>
+            </a:lvl9pPr>
+          </a:lstStyle>
+          <a:p>
+            <a:pPr lvl="0"/>
+            <a:r>
+              <a:rPr lang="zh-CN" altLang="en-US" smtClean="0"/>
+              <a:t>编辑母版文本样式</a:t>
+            </a:r>
+          </a:p>
+        </p:txBody>
+      </p:sp>
+      <p:sp>
+        <p:nvSpPr>
+          <p:cNvPr id="5" name="Date Placeholder 4"/>
+          <p:cNvSpPr>
+            <a:spLocks noGrp="1"/>
+          </p:cNvSpPr>
+          <p:nvPr>
+            <p:ph type="dt" sz="half" idx="10"/>
+          </p:nvPr>
+        </p:nvSpPr>
+        <p:spPr/>
+        <p:txBody>
+          <a:bodyPr/>
+          <a:lstStyle/>
+          <a:p>
+            <a:fld id="{08AE6406-1AA9-466A-BB26-4173F06B2034}" type="datetimeFigureOut">
+              <a:rPr lang="zh-CN" altLang="en-US" smtClean="0"/>
+              <a:t>2020/7/20</a:t>
+            </a:fld>
+            <a:endParaRPr lang="zh-CN" altLang="en-US"/>
+          </a:p>
+        </p:txBody>
+      </p:sp>
+      <p:sp>
+        <p:nvSpPr>
+          <p:cNvPr id="6" name="Footer Placeholder 5"/>
+          <p:cNvSpPr>
+            <a:spLocks noGrp="1"/>
+          </p:cNvSpPr>
+          <p:nvPr>
+            <p:ph type="ftr" sz="quarter" idx="11"/>
+          </p:nvPr>
+        </p:nvSpPr>
+        <p:spPr/>
+        <p:txBody>
+          <a:bodyPr/>
+          <a:lstStyle/>
+          <a:p>
+            <a:endParaRPr lang="zh-CN" altLang="en-US"/>
+          </a:p>
+        </p:txBody>
+      </p:sp>
+      <p:sp>
+        <p:nvSpPr>
+          <p:cNvPr id="7" name="Slide Number Placeholder 6"/>
+          <p:cNvSpPr>
+            <a:spLocks noGrp="1"/>
+          </p:cNvSpPr>
+          <p:nvPr>
+            <p:ph type="sldNum" sz="quarter" idx="12"/>
+          </p:nvPr>
+        </p:nvSpPr>
+        <p:spPr/>
+        <p:txBody>
+          <a:bodyPr/>
+          <a:lstStyle/>
+          <a:p>
+            <a:fld id="{E93555BA-6C63-4939-A665-245D1FC00EDD}" type="slidenum">
+              <a:rPr lang="zh-CN" altLang="en-US" smtClean="0"/>
+              <a:t>‹#›</a:t>
+            </a:fld>
+            <a:endParaRPr lang="zh-CN" altLang="en-US"/>
+          </a:p>
+        </p:txBody>
+      </p:sp>
+    </p:spTree>
+    <p:extLst>
+      <p:ext uri="{BB962C8B-B14F-4D97-AF65-F5344CB8AC3E}">
+        <p14:creationId xmlns:p14="http://schemas.microsoft.com/office/powerpoint/2010/main" val="2278651573"/>
       </p:ext>
     </p:extLst>
   </p:cSld>
@@ -2678,6 +5062,541 @@
 </file>
 
 <file path=ppt/slideMasters/slideMaster1.xml><?xml version="1.0" encoding="utf-8"?>
+<p:sldMaster xmlns:a="http://schemas.openxmlformats.org/drawingml/2006/main" xmlns:r="http://schemas.openxmlformats.org/officeDocument/2006/relationships" xmlns:p="http://schemas.openxmlformats.org/presentationml/2006/main" preserve="1">
+  <p:cSld>
+    <p:bg>
+      <p:bgRef idx="1001">
+        <a:schemeClr val="bg1"/>
+      </p:bgRef>
+    </p:bg>
+    <p:spTree>
+      <p:nvGrpSpPr>
+        <p:cNvPr id="1" name=""/>
+        <p:cNvGrpSpPr/>
+        <p:nvPr/>
+      </p:nvGrpSpPr>
+      <p:grpSpPr>
+        <a:xfrm>
+          <a:off x="0" y="0"/>
+          <a:ext cx="0" cy="0"/>
+          <a:chOff x="0" y="0"/>
+          <a:chExt cx="0" cy="0"/>
+        </a:xfrm>
+      </p:grpSpPr>
+      <p:sp>
+        <p:nvSpPr>
+          <p:cNvPr id="2" name="Title Placeholder 1"/>
+          <p:cNvSpPr>
+            <a:spLocks noGrp="1"/>
+          </p:cNvSpPr>
+          <p:nvPr>
+            <p:ph type="title"/>
+          </p:nvPr>
+        </p:nvSpPr>
+        <p:spPr>
+          <a:xfrm>
+            <a:off x="845127" y="365760"/>
+            <a:ext cx="10515600" cy="1325562"/>
+          </a:xfrm>
+          <a:prstGeom prst="rect">
+            <a:avLst/>
+          </a:prstGeom>
+        </p:spPr>
+        <p:txBody>
+          <a:bodyPr vert="horz" lIns="91440" tIns="45720" rIns="91440" bIns="45720" rtlCol="0" anchor="ctr">
+            <a:normAutofit/>
+          </a:bodyPr>
+          <a:lstStyle/>
+          <a:p>
+            <a:r>
+              <a:rPr lang="zh-CN" altLang="en-US" smtClean="0"/>
+              <a:t>单击此处编辑母版标题样式</a:t>
+            </a:r>
+            <a:endParaRPr lang="en-US" dirty="0"/>
+          </a:p>
+        </p:txBody>
+      </p:sp>
+      <p:sp>
+        <p:nvSpPr>
+          <p:cNvPr id="3" name="Text Placeholder 2"/>
+          <p:cNvSpPr>
+            <a:spLocks noGrp="1"/>
+          </p:cNvSpPr>
+          <p:nvPr>
+            <p:ph type="body" idx="1"/>
+          </p:nvPr>
+        </p:nvSpPr>
+        <p:spPr>
+          <a:xfrm>
+            <a:off x="845127" y="1828800"/>
+            <a:ext cx="10515600" cy="4351337"/>
+          </a:xfrm>
+          <a:prstGeom prst="rect">
+            <a:avLst/>
+          </a:prstGeom>
+        </p:spPr>
+        <p:txBody>
+          <a:bodyPr vert="horz" lIns="91440" tIns="45720" rIns="91440" bIns="45720" rtlCol="0">
+            <a:normAutofit/>
+          </a:bodyPr>
+          <a:lstStyle/>
+          <a:p>
+            <a:pPr lvl="0"/>
+            <a:r>
+              <a:rPr lang="zh-CN" altLang="en-US" smtClean="0"/>
+              <a:t>编辑母版文本样式</a:t>
+            </a:r>
+          </a:p>
+          <a:p>
+            <a:pPr lvl="1"/>
+            <a:r>
+              <a:rPr lang="zh-CN" altLang="en-US" smtClean="0"/>
+              <a:t>第二级</a:t>
+            </a:r>
+          </a:p>
+          <a:p>
+            <a:pPr lvl="2"/>
+            <a:r>
+              <a:rPr lang="zh-CN" altLang="en-US" smtClean="0"/>
+              <a:t>第三级</a:t>
+            </a:r>
+          </a:p>
+          <a:p>
+            <a:pPr lvl="3"/>
+            <a:r>
+              <a:rPr lang="zh-CN" altLang="en-US" smtClean="0"/>
+              <a:t>第四级</a:t>
+            </a:r>
+          </a:p>
+          <a:p>
+            <a:pPr lvl="4"/>
+            <a:r>
+              <a:rPr lang="zh-CN" altLang="en-US" smtClean="0"/>
+              <a:t>第五级</a:t>
+            </a:r>
+            <a:endParaRPr lang="en-US" dirty="0"/>
+          </a:p>
+        </p:txBody>
+      </p:sp>
+      <p:sp>
+        <p:nvSpPr>
+          <p:cNvPr id="4" name="Date Placeholder 3"/>
+          <p:cNvSpPr>
+            <a:spLocks noGrp="1"/>
+          </p:cNvSpPr>
+          <p:nvPr>
+            <p:ph type="dt" sz="half" idx="2"/>
+          </p:nvPr>
+        </p:nvSpPr>
+        <p:spPr>
+          <a:xfrm>
+            <a:off x="838200" y="6356350"/>
+            <a:ext cx="2743200" cy="365125"/>
+          </a:xfrm>
+          <a:prstGeom prst="rect">
+            <a:avLst/>
+          </a:prstGeom>
+        </p:spPr>
+        <p:txBody>
+          <a:bodyPr vert="horz" lIns="91440" tIns="45720" rIns="91440" bIns="45720" rtlCol="0" anchor="ctr"/>
+          <a:lstStyle>
+            <a:lvl1pPr algn="l">
+              <a:defRPr sz="1100">
+                <a:solidFill>
+                  <a:schemeClr val="tx1">
+                    <a:lumMod val="65000"/>
+                    <a:lumOff val="35000"/>
+                  </a:schemeClr>
+                </a:solidFill>
+              </a:defRPr>
+            </a:lvl1pPr>
+          </a:lstStyle>
+          <a:p>
+            <a:fld id="{08AE6406-1AA9-466A-BB26-4173F06B2034}" type="datetimeFigureOut">
+              <a:rPr lang="zh-CN" altLang="en-US" smtClean="0"/>
+              <a:t>2020/7/20</a:t>
+            </a:fld>
+            <a:endParaRPr lang="zh-CN" altLang="en-US"/>
+          </a:p>
+        </p:txBody>
+      </p:sp>
+      <p:sp>
+        <p:nvSpPr>
+          <p:cNvPr id="5" name="Footer Placeholder 4"/>
+          <p:cNvSpPr>
+            <a:spLocks noGrp="1"/>
+          </p:cNvSpPr>
+          <p:nvPr>
+            <p:ph type="ftr" sz="quarter" idx="3"/>
+          </p:nvPr>
+        </p:nvSpPr>
+        <p:spPr>
+          <a:xfrm>
+            <a:off x="4038600" y="6356350"/>
+            <a:ext cx="4114800" cy="365125"/>
+          </a:xfrm>
+          <a:prstGeom prst="rect">
+            <a:avLst/>
+          </a:prstGeom>
+        </p:spPr>
+        <p:txBody>
+          <a:bodyPr vert="horz" lIns="91440" tIns="45720" rIns="91440" bIns="45720" rtlCol="0" anchor="ctr"/>
+          <a:lstStyle>
+            <a:lvl1pPr algn="ctr">
+              <a:defRPr sz="1100">
+                <a:solidFill>
+                  <a:schemeClr val="tx1">
+                    <a:lumMod val="65000"/>
+                    <a:lumOff val="35000"/>
+                  </a:schemeClr>
+                </a:solidFill>
+              </a:defRPr>
+            </a:lvl1pPr>
+          </a:lstStyle>
+          <a:p>
+            <a:endParaRPr lang="zh-CN" altLang="en-US"/>
+          </a:p>
+        </p:txBody>
+      </p:sp>
+      <p:sp>
+        <p:nvSpPr>
+          <p:cNvPr id="6" name="Slide Number Placeholder 5"/>
+          <p:cNvSpPr>
+            <a:spLocks noGrp="1"/>
+          </p:cNvSpPr>
+          <p:nvPr>
+            <p:ph type="sldNum" sz="quarter" idx="4"/>
+          </p:nvPr>
+        </p:nvSpPr>
+        <p:spPr>
+          <a:xfrm>
+            <a:off x="8617527" y="6356350"/>
+            <a:ext cx="2743200" cy="365125"/>
+          </a:xfrm>
+          <a:prstGeom prst="rect">
+            <a:avLst/>
+          </a:prstGeom>
+        </p:spPr>
+        <p:txBody>
+          <a:bodyPr vert="horz" lIns="91440" tIns="45720" rIns="91440" bIns="45720" rtlCol="0" anchor="ctr"/>
+          <a:lstStyle>
+            <a:lvl1pPr algn="r">
+              <a:defRPr sz="1100">
+                <a:solidFill>
+                  <a:schemeClr val="tx1">
+                    <a:tint val="75000"/>
+                  </a:schemeClr>
+                </a:solidFill>
+              </a:defRPr>
+            </a:lvl1pPr>
+          </a:lstStyle>
+          <a:p>
+            <a:fld id="{E93555BA-6C63-4939-A665-245D1FC00EDD}" type="slidenum">
+              <a:rPr lang="zh-CN" altLang="en-US" smtClean="0"/>
+              <a:t>‹#›</a:t>
+            </a:fld>
+            <a:endParaRPr lang="zh-CN" altLang="en-US"/>
+          </a:p>
+        </p:txBody>
+      </p:sp>
+    </p:spTree>
+    <p:extLst>
+      <p:ext uri="{BB962C8B-B14F-4D97-AF65-F5344CB8AC3E}">
+        <p14:creationId xmlns:p14="http://schemas.microsoft.com/office/powerpoint/2010/main" val="1894167099"/>
+      </p:ext>
+    </p:extLst>
+  </p:cSld>
+  <p:clrMap bg1="lt1" tx1="dk1" bg2="lt2" tx2="dk2" accent1="accent1" accent2="accent2" accent3="accent3" accent4="accent4" accent5="accent5" accent6="accent6" hlink="hlink" folHlink="folHlink"/>
+  <p:sldLayoutIdLst>
+    <p:sldLayoutId id="2147483899" r:id="rId1"/>
+    <p:sldLayoutId id="2147483900" r:id="rId2"/>
+    <p:sldLayoutId id="2147483901" r:id="rId3"/>
+    <p:sldLayoutId id="2147483902" r:id="rId4"/>
+    <p:sldLayoutId id="2147483903" r:id="rId5"/>
+    <p:sldLayoutId id="2147483904" r:id="rId6"/>
+    <p:sldLayoutId id="2147483905" r:id="rId7"/>
+    <p:sldLayoutId id="2147483906" r:id="rId8"/>
+    <p:sldLayoutId id="2147483907" r:id="rId9"/>
+    <p:sldLayoutId id="2147483908" r:id="rId10"/>
+    <p:sldLayoutId id="2147483909" r:id="rId11"/>
+  </p:sldLayoutIdLst>
+  <p:txStyles>
+    <p:titleStyle>
+      <a:lvl1pPr algn="l" defTabSz="914400" rtl="0" eaLnBrk="1" latinLnBrk="0" hangingPunct="1">
+        <a:lnSpc>
+          <a:spcPct val="90000"/>
+        </a:lnSpc>
+        <a:spcBef>
+          <a:spcPct val="0"/>
+        </a:spcBef>
+        <a:buNone/>
+        <a:defRPr sz="4400" kern="1200">
+          <a:solidFill>
+            <a:schemeClr val="tx1"/>
+          </a:solidFill>
+          <a:latin typeface="+mj-lt"/>
+          <a:ea typeface="+mj-ea"/>
+          <a:cs typeface="+mj-cs"/>
+        </a:defRPr>
+      </a:lvl1pPr>
+    </p:titleStyle>
+    <p:bodyStyle>
+      <a:lvl1pPr marL="228600" indent="-228600" algn="l" defTabSz="914400" rtl="0" eaLnBrk="1" latinLnBrk="0" hangingPunct="1">
+        <a:lnSpc>
+          <a:spcPct val="90000"/>
+        </a:lnSpc>
+        <a:spcBef>
+          <a:spcPts val="1000"/>
+        </a:spcBef>
+        <a:buFont typeface="Wingdings 2" pitchFamily="18" charset="2"/>
+        <a:buChar char=""/>
+        <a:defRPr sz="2800" kern="1200">
+          <a:solidFill>
+            <a:schemeClr val="tx1"/>
+          </a:solidFill>
+          <a:latin typeface="+mn-lt"/>
+          <a:ea typeface="+mn-ea"/>
+          <a:cs typeface="+mn-cs"/>
+        </a:defRPr>
+      </a:lvl1pPr>
+      <a:lvl2pPr marL="685800" indent="-228600" algn="l" defTabSz="914400" rtl="0" eaLnBrk="1" latinLnBrk="0" hangingPunct="1">
+        <a:lnSpc>
+          <a:spcPct val="90000"/>
+        </a:lnSpc>
+        <a:spcBef>
+          <a:spcPts val="500"/>
+        </a:spcBef>
+        <a:buFont typeface="Wingdings 2" pitchFamily="18" charset="2"/>
+        <a:buChar char=""/>
+        <a:defRPr sz="2400" kern="1200">
+          <a:solidFill>
+            <a:schemeClr val="tx1"/>
+          </a:solidFill>
+          <a:latin typeface="+mn-lt"/>
+          <a:ea typeface="+mn-ea"/>
+          <a:cs typeface="+mn-cs"/>
+        </a:defRPr>
+      </a:lvl2pPr>
+      <a:lvl3pPr marL="1143000" indent="-228600" algn="l" defTabSz="914400" rtl="0" eaLnBrk="1" latinLnBrk="0" hangingPunct="1">
+        <a:lnSpc>
+          <a:spcPct val="90000"/>
+        </a:lnSpc>
+        <a:spcBef>
+          <a:spcPts val="500"/>
+        </a:spcBef>
+        <a:buFont typeface="Wingdings 2" pitchFamily="18" charset="2"/>
+        <a:buChar char=""/>
+        <a:defRPr sz="2000" kern="1200">
+          <a:solidFill>
+            <a:schemeClr val="tx1"/>
+          </a:solidFill>
+          <a:latin typeface="+mn-lt"/>
+          <a:ea typeface="+mn-ea"/>
+          <a:cs typeface="+mn-cs"/>
+        </a:defRPr>
+      </a:lvl3pPr>
+      <a:lvl4pPr marL="1600200" indent="-228600" algn="l" defTabSz="914400" rtl="0" eaLnBrk="1" latinLnBrk="0" hangingPunct="1">
+        <a:lnSpc>
+          <a:spcPct val="90000"/>
+        </a:lnSpc>
+        <a:spcBef>
+          <a:spcPts val="500"/>
+        </a:spcBef>
+        <a:buFont typeface="Wingdings 2" pitchFamily="18" charset="2"/>
+        <a:buChar char=""/>
+        <a:defRPr sz="1800" kern="1200">
+          <a:solidFill>
+            <a:schemeClr val="tx1"/>
+          </a:solidFill>
+          <a:latin typeface="+mn-lt"/>
+          <a:ea typeface="+mn-ea"/>
+          <a:cs typeface="+mn-cs"/>
+        </a:defRPr>
+      </a:lvl4pPr>
+      <a:lvl5pPr marL="2057400" indent="-228600" algn="l" defTabSz="914400" rtl="0" eaLnBrk="1" latinLnBrk="0" hangingPunct="1">
+        <a:lnSpc>
+          <a:spcPct val="90000"/>
+        </a:lnSpc>
+        <a:spcBef>
+          <a:spcPts val="500"/>
+        </a:spcBef>
+        <a:buFont typeface="Wingdings 2" pitchFamily="18" charset="2"/>
+        <a:buChar char=""/>
+        <a:defRPr sz="1800" kern="1200">
+          <a:solidFill>
+            <a:schemeClr val="tx1"/>
+          </a:solidFill>
+          <a:latin typeface="+mn-lt"/>
+          <a:ea typeface="+mn-ea"/>
+          <a:cs typeface="+mn-cs"/>
+        </a:defRPr>
+      </a:lvl5pPr>
+      <a:lvl6pPr marL="2514600" indent="-228600" algn="l" defTabSz="914400" rtl="0" eaLnBrk="1" latinLnBrk="0" hangingPunct="1">
+        <a:spcBef>
+          <a:spcPct val="20000"/>
+        </a:spcBef>
+        <a:buFont typeface="Wingdings 2" pitchFamily="18" charset="2"/>
+        <a:buChar char=""/>
+        <a:defRPr sz="1800" kern="1200">
+          <a:solidFill>
+            <a:schemeClr val="tx1"/>
+          </a:solidFill>
+          <a:latin typeface="+mn-lt"/>
+          <a:ea typeface="+mn-ea"/>
+          <a:cs typeface="+mn-cs"/>
+        </a:defRPr>
+      </a:lvl6pPr>
+      <a:lvl7pPr marL="2971800" indent="-228600" algn="l" defTabSz="914400" rtl="0" eaLnBrk="1" latinLnBrk="0" hangingPunct="1">
+        <a:spcBef>
+          <a:spcPct val="20000"/>
+        </a:spcBef>
+        <a:buFont typeface="Wingdings 2" pitchFamily="18" charset="2"/>
+        <a:buChar char=""/>
+        <a:defRPr sz="1800" kern="1200">
+          <a:solidFill>
+            <a:schemeClr val="tx1"/>
+          </a:solidFill>
+          <a:latin typeface="+mn-lt"/>
+          <a:ea typeface="+mn-ea"/>
+          <a:cs typeface="+mn-cs"/>
+        </a:defRPr>
+      </a:lvl7pPr>
+      <a:lvl8pPr marL="3429000" indent="-228600" algn="l" defTabSz="914400" rtl="0" eaLnBrk="1" latinLnBrk="0" hangingPunct="1">
+        <a:spcBef>
+          <a:spcPct val="20000"/>
+        </a:spcBef>
+        <a:buFont typeface="Wingdings 2" pitchFamily="18" charset="2"/>
+        <a:buChar char=""/>
+        <a:defRPr sz="1800" kern="1200">
+          <a:solidFill>
+            <a:schemeClr val="tx1"/>
+          </a:solidFill>
+          <a:latin typeface="+mn-lt"/>
+          <a:ea typeface="+mn-ea"/>
+          <a:cs typeface="+mn-cs"/>
+        </a:defRPr>
+      </a:lvl8pPr>
+      <a:lvl9pPr marL="3886200" indent="-228600" algn="l" defTabSz="914400" rtl="0" eaLnBrk="1" latinLnBrk="0" hangingPunct="1">
+        <a:spcBef>
+          <a:spcPct val="20000"/>
+        </a:spcBef>
+        <a:buFont typeface="Wingdings 2" pitchFamily="18" charset="2"/>
+        <a:buChar char=""/>
+        <a:defRPr sz="1800" kern="1200">
+          <a:solidFill>
+            <a:schemeClr val="tx1"/>
+          </a:solidFill>
+          <a:latin typeface="+mn-lt"/>
+          <a:ea typeface="+mn-ea"/>
+          <a:cs typeface="+mn-cs"/>
+        </a:defRPr>
+      </a:lvl9pPr>
+    </p:bodyStyle>
+    <p:otherStyle>
+      <a:defPPr>
+        <a:defRPr lang="en-US"/>
+      </a:defPPr>
+      <a:lvl1pPr marL="0" algn="l" defTabSz="914400" rtl="0" eaLnBrk="1" latinLnBrk="0" hangingPunct="1">
+        <a:defRPr sz="1800" kern="1200">
+          <a:solidFill>
+            <a:schemeClr val="tx1"/>
+          </a:solidFill>
+          <a:latin typeface="+mn-lt"/>
+          <a:ea typeface="+mn-ea"/>
+          <a:cs typeface="+mn-cs"/>
+        </a:defRPr>
+      </a:lvl1pPr>
+      <a:lvl2pPr marL="457200" algn="l" defTabSz="914400" rtl="0" eaLnBrk="1" latinLnBrk="0" hangingPunct="1">
+        <a:defRPr sz="1800" kern="1200">
+          <a:solidFill>
+            <a:schemeClr val="tx1"/>
+          </a:solidFill>
+          <a:latin typeface="+mn-lt"/>
+          <a:ea typeface="+mn-ea"/>
+          <a:cs typeface="+mn-cs"/>
+        </a:defRPr>
+      </a:lvl2pPr>
+      <a:lvl3pPr marL="914400" algn="l" defTabSz="914400" rtl="0" eaLnBrk="1" latinLnBrk="0" hangingPunct="1">
+        <a:defRPr sz="1800" kern="1200">
+          <a:solidFill>
+            <a:schemeClr val="tx1"/>
+          </a:solidFill>
+          <a:latin typeface="+mn-lt"/>
+          <a:ea typeface="+mn-ea"/>
+          <a:cs typeface="+mn-cs"/>
+        </a:defRPr>
+      </a:lvl3pPr>
+      <a:lvl4pPr marL="1371600" algn="l" defTabSz="914400" rtl="0" eaLnBrk="1" latinLnBrk="0" hangingPunct="1">
+        <a:defRPr sz="1800" kern="1200">
+          <a:solidFill>
+            <a:schemeClr val="tx1"/>
+          </a:solidFill>
+          <a:latin typeface="+mn-lt"/>
+          <a:ea typeface="+mn-ea"/>
+          <a:cs typeface="+mn-cs"/>
+        </a:defRPr>
+      </a:lvl4pPr>
+      <a:lvl5pPr marL="1828800" algn="l" defTabSz="914400" rtl="0" eaLnBrk="1" latinLnBrk="0" hangingPunct="1">
+        <a:defRPr sz="1800" kern="1200">
+          <a:solidFill>
+            <a:schemeClr val="tx1"/>
+          </a:solidFill>
+          <a:latin typeface="+mn-lt"/>
+          <a:ea typeface="+mn-ea"/>
+          <a:cs typeface="+mn-cs"/>
+        </a:defRPr>
+      </a:lvl5pPr>
+      <a:lvl6pPr marL="2286000" algn="l" defTabSz="914400" rtl="0" eaLnBrk="1" latinLnBrk="0" hangingPunct="1">
+        <a:defRPr sz="1800" kern="1200">
+          <a:solidFill>
+            <a:schemeClr val="tx1"/>
+          </a:solidFill>
+          <a:latin typeface="+mn-lt"/>
+          <a:ea typeface="+mn-ea"/>
+          <a:cs typeface="+mn-cs"/>
+        </a:defRPr>
+      </a:lvl6pPr>
+      <a:lvl7pPr marL="2743200" algn="l" defTabSz="914400" rtl="0" eaLnBrk="1" latinLnBrk="0" hangingPunct="1">
+        <a:defRPr sz="1800" kern="1200">
+          <a:solidFill>
+            <a:schemeClr val="tx1"/>
+          </a:solidFill>
+          <a:latin typeface="+mn-lt"/>
+          <a:ea typeface="+mn-ea"/>
+          <a:cs typeface="+mn-cs"/>
+        </a:defRPr>
+      </a:lvl7pPr>
+      <a:lvl8pPr marL="3200400" algn="l" defTabSz="914400" rtl="0" eaLnBrk="1" latinLnBrk="0" hangingPunct="1">
+        <a:defRPr sz="1800" kern="1200">
+          <a:solidFill>
+            <a:schemeClr val="tx1"/>
+          </a:solidFill>
+          <a:latin typeface="+mn-lt"/>
+          <a:ea typeface="+mn-ea"/>
+          <a:cs typeface="+mn-cs"/>
+        </a:defRPr>
+      </a:lvl8pPr>
+      <a:lvl9pPr marL="3657600" algn="l" defTabSz="914400" rtl="0" eaLnBrk="1" latinLnBrk="0" hangingPunct="1">
+        <a:defRPr sz="1800" kern="1200">
+          <a:solidFill>
+            <a:schemeClr val="tx1"/>
+          </a:solidFill>
+          <a:latin typeface="+mn-lt"/>
+          <a:ea typeface="+mn-ea"/>
+          <a:cs typeface="+mn-cs"/>
+        </a:defRPr>
+      </a:lvl9pPr>
+    </p:otherStyle>
+  </p:txStyles>
+  <p:extLst>
+    <p:ext uri="{27BBF7A9-308A-43DC-89C8-2F10F3537804}">
+      <p15:sldGuideLst xmlns:p15="http://schemas.microsoft.com/office/powerpoint/2012/main"/>
+    </p:ext>
+  </p:extLst>
+</p:sldMaster>
+</file>
+
+<file path=ppt/slideMasters/slideMaster2.xml><?xml version="1.0" encoding="utf-8"?>
 <p:sldMaster xmlns:a="http://schemas.openxmlformats.org/drawingml/2006/main" xmlns:r="http://schemas.openxmlformats.org/officeDocument/2006/relationships" xmlns:p="http://schemas.openxmlformats.org/presentationml/2006/main">
   <p:cSld>
     <p:bg>
@@ -2739,7 +5658,7 @@
           <a:lstStyle/>
           <a:p>
             <a:r>
-              <a:rPr lang="zh-CN" altLang="en-US"/>
+              <a:rPr lang="zh-CN" altLang="en-US" smtClean="0"/>
               <a:t>单击此处编辑母版标题样式</a:t>
             </a:r>
             <a:endParaRPr lang="en-US" dirty="0"/>
@@ -2773,38 +5692,37 @@
           <a:p>
             <a:pPr lvl="0"/>
             <a:r>
-              <a:rPr lang="zh-CN" altLang="en-US"/>
-              <a:t>单击此处编辑母版文本样式</a:t>
+              <a:rPr lang="en-US" dirty="0"/>
+              <a:t>Edit Master text styles</a:t>
             </a:r>
           </a:p>
           <a:p>
             <a:pPr lvl="1"/>
             <a:r>
-              <a:rPr lang="zh-CN" altLang="en-US"/>
-              <a:t>二级</a:t>
+              <a:rPr lang="en-US" dirty="0"/>
+              <a:t>Second level</a:t>
             </a:r>
           </a:p>
           <a:p>
             <a:pPr lvl="2"/>
             <a:r>
-              <a:rPr lang="zh-CN" altLang="en-US"/>
-              <a:t>三级</a:t>
+              <a:rPr lang="en-US" dirty="0"/>
+              <a:t>Third level</a:t>
             </a:r>
           </a:p>
           <a:p>
             <a:pPr lvl="3"/>
             <a:r>
-              <a:rPr lang="zh-CN" altLang="en-US"/>
-              <a:t>四级</a:t>
+              <a:rPr lang="en-US" dirty="0"/>
+              <a:t>Fourth level</a:t>
             </a:r>
           </a:p>
           <a:p>
             <a:pPr lvl="4"/>
             <a:r>
-              <a:rPr lang="zh-CN" altLang="en-US"/>
-              <a:t>五级</a:t>
-            </a:r>
-            <a:endParaRPr lang="en-US" dirty="0"/>
+              <a:rPr lang="en-US" dirty="0"/>
+              <a:t>Fifth level</a:t>
+            </a:r>
           </a:p>
         </p:txBody>
       </p:sp>
@@ -2843,7 +5761,7 @@
           <a:p>
             <a:fld id="{08AE6406-1AA9-466A-BB26-4173F06B2034}" type="datetimeFigureOut">
               <a:rPr lang="zh-CN" altLang="en-US" smtClean="0"/>
-              <a:t>2020/7/19</a:t>
+              <a:t>2020/7/20</a:t>
             </a:fld>
             <a:endParaRPr lang="zh-CN" altLang="en-US"/>
           </a:p>
@@ -2935,23 +5853,23 @@
     </p:spTree>
     <p:extLst>
       <p:ext uri="{BB962C8B-B14F-4D97-AF65-F5344CB8AC3E}">
-        <p14:creationId xmlns:p14="http://schemas.microsoft.com/office/powerpoint/2010/main" val="133133112"/>
+        <p14:creationId xmlns:p14="http://schemas.microsoft.com/office/powerpoint/2010/main" val="2346249687"/>
       </p:ext>
     </p:extLst>
   </p:cSld>
   <p:clrMap bg1="lt1" tx1="dk1" bg2="lt2" tx2="dk2" accent1="accent1" accent2="accent2" accent3="accent3" accent4="accent4" accent5="accent5" accent6="accent6" hlink="hlink" folHlink="folHlink"/>
   <p:sldLayoutIdLst>
-    <p:sldLayoutId id="2147483827" r:id="rId1"/>
-    <p:sldLayoutId id="2147483828" r:id="rId2"/>
-    <p:sldLayoutId id="2147483829" r:id="rId3"/>
-    <p:sldLayoutId id="2147483830" r:id="rId4"/>
-    <p:sldLayoutId id="2147483831" r:id="rId5"/>
-    <p:sldLayoutId id="2147483832" r:id="rId6"/>
-    <p:sldLayoutId id="2147483833" r:id="rId7"/>
-    <p:sldLayoutId id="2147483834" r:id="rId8"/>
-    <p:sldLayoutId id="2147483835" r:id="rId9"/>
-    <p:sldLayoutId id="2147483836" r:id="rId10"/>
-    <p:sldLayoutId id="2147483837" r:id="rId11"/>
+    <p:sldLayoutId id="2147483935" r:id="rId1"/>
+    <p:sldLayoutId id="2147483936" r:id="rId2"/>
+    <p:sldLayoutId id="2147483937" r:id="rId3"/>
+    <p:sldLayoutId id="2147483938" r:id="rId4"/>
+    <p:sldLayoutId id="2147483939" r:id="rId5"/>
+    <p:sldLayoutId id="2147483940" r:id="rId6"/>
+    <p:sldLayoutId id="2147483941" r:id="rId7"/>
+    <p:sldLayoutId id="2147483942" r:id="rId8"/>
+    <p:sldLayoutId id="2147483943" r:id="rId9"/>
+    <p:sldLayoutId id="2147483944" r:id="rId10"/>
+    <p:sldLayoutId id="2147483945" r:id="rId11"/>
   </p:sldLayoutIdLst>
   <p:txStyles>
     <p:titleStyle>
@@ -3275,6 +6193,11 @@
       </a:lvl9pPr>
     </p:otherStyle>
   </p:txStyles>
+  <p:extLst>
+    <p:ext uri="{27BBF7A9-308A-43DC-89C8-2F10F3537804}">
+      <p15:sldGuideLst xmlns:p15="http://schemas.microsoft.com/office/powerpoint/2012/main"/>
+    </p:ext>
+  </p:extLst>
 </p:sldMaster>
 </file>
 
@@ -3318,8 +6241,17 @@
           <a:p>
             <a:r>
               <a:rPr lang="zh-CN" altLang="en-US" dirty="0"/>
-              <a:t>中文文本纠错相关技术</a:t>
-            </a:r>
+              <a:t>中文文本纠错</a:t>
+            </a:r>
+            <a:r>
+              <a:rPr lang="zh-CN" altLang="en-US" dirty="0" smtClean="0"/>
+              <a:t>相关</a:t>
+            </a:r>
+            <a:r>
+              <a:rPr lang="zh-CN" altLang="en-US" dirty="0"/>
+              <a:t>介绍</a:t>
+            </a:r>
+            <a:endParaRPr lang="zh-CN" altLang="en-US" dirty="0"/>
           </a:p>
         </p:txBody>
       </p:sp>
@@ -3369,6 +6301,2052 @@
     <p:extLst>
       <p:ext uri="{BB962C8B-B14F-4D97-AF65-F5344CB8AC3E}">
         <p14:creationId xmlns:p14="http://schemas.microsoft.com/office/powerpoint/2010/main" val="4219812612"/>
+      </p:ext>
+    </p:extLst>
+  </p:cSld>
+  <p:clrMapOvr>
+    <a:masterClrMapping/>
+  </p:clrMapOvr>
+</p:sld>
+</file>
+
+<file path=ppt/slides/slide10.xml><?xml version="1.0" encoding="utf-8"?>
+<p:sld xmlns:a="http://schemas.openxmlformats.org/drawingml/2006/main" xmlns:r="http://schemas.openxmlformats.org/officeDocument/2006/relationships" xmlns:p="http://schemas.openxmlformats.org/presentationml/2006/main">
+  <p:cSld>
+    <p:spTree>
+      <p:nvGrpSpPr>
+        <p:cNvPr id="1" name=""/>
+        <p:cNvGrpSpPr/>
+        <p:nvPr/>
+      </p:nvGrpSpPr>
+      <p:grpSpPr>
+        <a:xfrm>
+          <a:off x="0" y="0"/>
+          <a:ext cx="0" cy="0"/>
+          <a:chOff x="0" y="0"/>
+          <a:chExt cx="0" cy="0"/>
+        </a:xfrm>
+      </p:grpSpPr>
+      <p:sp>
+        <p:nvSpPr>
+          <p:cNvPr id="2" name="标题 1"/>
+          <p:cNvSpPr>
+            <a:spLocks noGrp="1"/>
+          </p:cNvSpPr>
+          <p:nvPr>
+            <p:ph type="title"/>
+          </p:nvPr>
+        </p:nvSpPr>
+        <p:spPr>
+          <a:xfrm>
+            <a:off x="668554" y="443831"/>
+            <a:ext cx="5361856" cy="1188720"/>
+          </a:xfrm>
+        </p:spPr>
+        <p:txBody>
+          <a:bodyPr/>
+          <a:lstStyle/>
+          <a:p>
+            <a:r>
+              <a:rPr lang="zh-CN" altLang="en-US" dirty="0" smtClean="0"/>
+              <a:t>中文纠错相关方法</a:t>
+            </a:r>
+            <a:endParaRPr lang="zh-CN" altLang="en-US" dirty="0"/>
+          </a:p>
+        </p:txBody>
+      </p:sp>
+      <p:sp>
+        <p:nvSpPr>
+          <p:cNvPr id="3" name="内容占位符 2"/>
+          <p:cNvSpPr>
+            <a:spLocks noGrp="1"/>
+          </p:cNvSpPr>
+          <p:nvPr>
+            <p:ph idx="1"/>
+          </p:nvPr>
+        </p:nvSpPr>
+        <p:spPr>
+          <a:xfrm>
+            <a:off x="668554" y="2117183"/>
+            <a:ext cx="5466028" cy="3101983"/>
+          </a:xfrm>
+        </p:spPr>
+        <p:txBody>
+          <a:bodyPr/>
+          <a:lstStyle/>
+          <a:p>
+            <a:r>
+              <a:rPr lang="zh-CN" altLang="en-US" dirty="0" smtClean="0"/>
+              <a:t>前</a:t>
+            </a:r>
+            <a:r>
+              <a:rPr lang="zh-CN" altLang="en-US" dirty="0"/>
+              <a:t>三</a:t>
+            </a:r>
+            <a:r>
+              <a:rPr lang="zh-CN" altLang="en-US" dirty="0" smtClean="0"/>
+              <a:t>届的</a:t>
+            </a:r>
+            <a:r>
+              <a:rPr lang="en-US" altLang="zh-CN" dirty="0" smtClean="0"/>
+              <a:t>CGED</a:t>
+            </a:r>
+            <a:r>
+              <a:rPr lang="zh-CN" altLang="en-US" dirty="0" smtClean="0"/>
+              <a:t>没有纠错任务，只有后两届才加了进来</a:t>
+            </a:r>
+            <a:endParaRPr lang="en-US" altLang="zh-CN" dirty="0" smtClean="0"/>
+          </a:p>
+          <a:p>
+            <a:endParaRPr lang="en-US" altLang="zh-CN" dirty="0" smtClean="0"/>
+          </a:p>
+          <a:p>
+            <a:r>
+              <a:rPr lang="zh-CN" altLang="en-US" dirty="0" smtClean="0"/>
+              <a:t>在</a:t>
+            </a:r>
+            <a:r>
+              <a:rPr lang="en-US" altLang="zh-CN" dirty="0" smtClean="0"/>
+              <a:t>NLPTEA 2018</a:t>
+            </a:r>
+            <a:r>
+              <a:rPr lang="zh-CN" altLang="en-US" dirty="0" smtClean="0"/>
+              <a:t>数据集上的</a:t>
+            </a:r>
+            <a:r>
+              <a:rPr lang="en-US" altLang="zh-CN" dirty="0" smtClean="0"/>
+              <a:t>F1</a:t>
+            </a:r>
+            <a:r>
+              <a:rPr lang="zh-CN" altLang="en-US" dirty="0" smtClean="0"/>
+              <a:t>值整体较低</a:t>
+            </a:r>
+            <a:endParaRPr lang="en-US" altLang="zh-CN" dirty="0" smtClean="0"/>
+          </a:p>
+          <a:p>
+            <a:endParaRPr lang="en-US" altLang="zh-CN" dirty="0" smtClean="0"/>
+          </a:p>
+          <a:p>
+            <a:r>
+              <a:rPr lang="zh-CN" altLang="en-US" dirty="0" smtClean="0"/>
+              <a:t>本次任务上多食用</a:t>
+            </a:r>
+            <a:r>
+              <a:rPr lang="en-US" altLang="zh-CN" dirty="0" err="1" smtClean="0"/>
+              <a:t>BiLSTM</a:t>
+            </a:r>
+            <a:r>
+              <a:rPr lang="zh-CN" altLang="en-US" dirty="0" smtClean="0"/>
+              <a:t>和</a:t>
+            </a:r>
+            <a:r>
+              <a:rPr lang="en-US" altLang="zh-CN" dirty="0" smtClean="0"/>
+              <a:t>CRF</a:t>
+            </a:r>
+          </a:p>
+          <a:p>
+            <a:endParaRPr lang="en-US" altLang="zh-CN" dirty="0" smtClean="0"/>
+          </a:p>
+        </p:txBody>
+      </p:sp>
+      <p:graphicFrame>
+        <p:nvGraphicFramePr>
+          <p:cNvPr id="4" name="表格 3"/>
+          <p:cNvGraphicFramePr>
+            <a:graphicFrameLocks noGrp="1"/>
+          </p:cNvGraphicFramePr>
+          <p:nvPr>
+            <p:extLst>
+              <p:ext uri="{D42A27DB-BD31-4B8C-83A1-F6EECF244321}">
+                <p14:modId xmlns:p14="http://schemas.microsoft.com/office/powerpoint/2010/main" val="2247412764"/>
+              </p:ext>
+            </p:extLst>
+          </p:nvPr>
+        </p:nvGraphicFramePr>
+        <p:xfrm>
+          <a:off x="7095281" y="601884"/>
+          <a:ext cx="4340506" cy="5831362"/>
+        </p:xfrm>
+        <a:graphic>
+          <a:graphicData uri="http://schemas.openxmlformats.org/drawingml/2006/table">
+            <a:tbl>
+              <a:tblPr/>
+              <a:tblGrid>
+                <a:gridCol w="2708476">
+                  <a:extLst>
+                    <a:ext uri="{9D8B030D-6E8A-4147-A177-3AD203B41FA5}">
+                      <a16:colId xmlns:a16="http://schemas.microsoft.com/office/drawing/2014/main" val="3110929031"/>
+                    </a:ext>
+                  </a:extLst>
+                </a:gridCol>
+                <a:gridCol w="1632030">
+                  <a:extLst>
+                    <a:ext uri="{9D8B030D-6E8A-4147-A177-3AD203B41FA5}">
+                      <a16:colId xmlns:a16="http://schemas.microsoft.com/office/drawing/2014/main" val="343679678"/>
+                    </a:ext>
+                  </a:extLst>
+                </a:gridCol>
+              </a:tblGrid>
+              <a:tr h="298977">
+                <a:tc>
+                  <a:txBody>
+                    <a:bodyPr/>
+                    <a:lstStyle/>
+                    <a:p>
+                      <a:pPr algn="l"/>
+                      <a:r>
+                        <a:rPr lang="en-US" sz="2400" b="1">
+                          <a:effectLst/>
+                        </a:rPr>
+                        <a:t>Model</a:t>
+                      </a:r>
+                    </a:p>
+                  </a:txBody>
+                  <a:tcPr marL="18669" marR="18669" marT="8617" marB="8617" anchor="ctr">
+                    <a:lnL w="7620" cap="flat" cmpd="sng" algn="ctr">
+                      <a:solidFill>
+                        <a:srgbClr val="DFE2E5"/>
+                      </a:solidFill>
+                      <a:prstDash val="solid"/>
+                      <a:round/>
+                      <a:headEnd type="none" w="med" len="med"/>
+                      <a:tailEnd type="none" w="med" len="med"/>
+                    </a:lnL>
+                    <a:lnR w="7620" cap="flat" cmpd="sng" algn="ctr">
+                      <a:solidFill>
+                        <a:srgbClr val="DFE2E5"/>
+                      </a:solidFill>
+                      <a:prstDash val="solid"/>
+                      <a:round/>
+                      <a:headEnd type="none" w="med" len="med"/>
+                      <a:tailEnd type="none" w="med" len="med"/>
+                    </a:lnR>
+                    <a:lnT w="7620" cap="flat" cmpd="sng" algn="ctr">
+                      <a:solidFill>
+                        <a:srgbClr val="DFE2E5"/>
+                      </a:solidFill>
+                      <a:prstDash val="solid"/>
+                      <a:round/>
+                      <a:headEnd type="none" w="med" len="med"/>
+                      <a:tailEnd type="none" w="med" len="med"/>
+                    </a:lnT>
+                    <a:lnB w="7620" cap="flat" cmpd="sng" algn="ctr">
+                      <a:solidFill>
+                        <a:srgbClr val="DFE2E5"/>
+                      </a:solidFill>
+                      <a:prstDash val="solid"/>
+                      <a:round/>
+                      <a:headEnd type="none" w="med" len="med"/>
+                      <a:tailEnd type="none" w="med" len="med"/>
+                    </a:lnB>
+                    <a:solidFill>
+                      <a:srgbClr val="FFFFFF"/>
+                    </a:solidFill>
+                  </a:tcPr>
+                </a:tc>
+                <a:tc>
+                  <a:txBody>
+                    <a:bodyPr/>
+                    <a:lstStyle/>
+                    <a:p>
+                      <a:pPr algn="ctr"/>
+                      <a:r>
+                        <a:rPr lang="en-US" sz="2400" b="1">
+                          <a:effectLst/>
+                        </a:rPr>
+                        <a:t>Correction F1</a:t>
+                      </a:r>
+                    </a:p>
+                  </a:txBody>
+                  <a:tcPr marL="18669" marR="18669" marT="8617" marB="8617" anchor="ctr">
+                    <a:lnL w="7620" cap="flat" cmpd="sng" algn="ctr">
+                      <a:solidFill>
+                        <a:srgbClr val="DFE2E5"/>
+                      </a:solidFill>
+                      <a:prstDash val="solid"/>
+                      <a:round/>
+                      <a:headEnd type="none" w="med" len="med"/>
+                      <a:tailEnd type="none" w="med" len="med"/>
+                    </a:lnL>
+                    <a:lnR w="7620" cap="flat" cmpd="sng" algn="ctr">
+                      <a:solidFill>
+                        <a:srgbClr val="DFE2E5"/>
+                      </a:solidFill>
+                      <a:prstDash val="solid"/>
+                      <a:round/>
+                      <a:headEnd type="none" w="med" len="med"/>
+                      <a:tailEnd type="none" w="med" len="med"/>
+                    </a:lnR>
+                    <a:lnT w="7620" cap="flat" cmpd="sng" algn="ctr">
+                      <a:solidFill>
+                        <a:srgbClr val="DFE2E5"/>
+                      </a:solidFill>
+                      <a:prstDash val="solid"/>
+                      <a:round/>
+                      <a:headEnd type="none" w="med" len="med"/>
+                      <a:tailEnd type="none" w="med" len="med"/>
+                    </a:lnT>
+                    <a:lnB w="7620" cap="flat" cmpd="sng" algn="ctr">
+                      <a:solidFill>
+                        <a:srgbClr val="DFE2E5"/>
+                      </a:solidFill>
+                      <a:prstDash val="solid"/>
+                      <a:round/>
+                      <a:headEnd type="none" w="med" len="med"/>
+                      <a:tailEnd type="none" w="med" len="med"/>
+                    </a:lnB>
+                    <a:solidFill>
+                      <a:srgbClr val="FFFFFF"/>
+                    </a:solidFill>
+                  </a:tcPr>
+                </a:tc>
+                <a:extLst>
+                  <a:ext uri="{0D108BD9-81ED-4DB2-BD59-A6C34878D82A}">
+                    <a16:rowId xmlns:a16="http://schemas.microsoft.com/office/drawing/2014/main" val="3475062455"/>
+                  </a:ext>
+                </a:extLst>
+              </a:tr>
+              <a:tr h="1375294">
+                <a:tc>
+                  <a:txBody>
+                    <a:bodyPr/>
+                    <a:lstStyle/>
+                    <a:p>
+                      <a:pPr algn="l"/>
+                      <a:r>
+                        <a:rPr lang="en-US" sz="2400" dirty="0" err="1">
+                          <a:effectLst/>
+                        </a:rPr>
+                        <a:t>BiLSTM+CRF</a:t>
+                      </a:r>
+                      <a:endParaRPr lang="en-US" sz="2400" dirty="0">
+                        <a:effectLst/>
+                      </a:endParaRPr>
+                    </a:p>
+                  </a:txBody>
+                  <a:tcPr marL="18669" marR="18669" marT="8617" marB="8617" anchor="ctr">
+                    <a:lnL w="7620" cap="flat" cmpd="sng" algn="ctr">
+                      <a:solidFill>
+                        <a:srgbClr val="DFE2E5"/>
+                      </a:solidFill>
+                      <a:prstDash val="solid"/>
+                      <a:round/>
+                      <a:headEnd type="none" w="med" len="med"/>
+                      <a:tailEnd type="none" w="med" len="med"/>
+                    </a:lnL>
+                    <a:lnR w="7620" cap="flat" cmpd="sng" algn="ctr">
+                      <a:solidFill>
+                        <a:srgbClr val="DFE2E5"/>
+                      </a:solidFill>
+                      <a:prstDash val="solid"/>
+                      <a:round/>
+                      <a:headEnd type="none" w="med" len="med"/>
+                      <a:tailEnd type="none" w="med" len="med"/>
+                    </a:lnR>
+                    <a:lnT w="7620" cap="flat" cmpd="sng" algn="ctr">
+                      <a:solidFill>
+                        <a:srgbClr val="DFE2E5"/>
+                      </a:solidFill>
+                      <a:prstDash val="solid"/>
+                      <a:round/>
+                      <a:headEnd type="none" w="med" len="med"/>
+                      <a:tailEnd type="none" w="med" len="med"/>
+                    </a:lnT>
+                    <a:lnB w="7620" cap="flat" cmpd="sng" algn="ctr">
+                      <a:solidFill>
+                        <a:srgbClr val="DFE2E5"/>
+                      </a:solidFill>
+                      <a:prstDash val="solid"/>
+                      <a:round/>
+                      <a:headEnd type="none" w="med" len="med"/>
+                      <a:tailEnd type="none" w="med" len="med"/>
+                    </a:lnB>
+                    <a:solidFill>
+                      <a:srgbClr val="FFFFFF"/>
+                    </a:solidFill>
+                  </a:tcPr>
+                </a:tc>
+                <a:tc>
+                  <a:txBody>
+                    <a:bodyPr/>
+                    <a:lstStyle/>
+                    <a:p>
+                      <a:pPr algn="ctr"/>
+                      <a:r>
+                        <a:rPr lang="en-US" altLang="zh-CN" sz="2400" dirty="0">
+                          <a:effectLst/>
+                        </a:rPr>
+                        <a:t>25.27</a:t>
+                      </a:r>
+                    </a:p>
+                  </a:txBody>
+                  <a:tcPr marL="18669" marR="18669" marT="8617" marB="8617" anchor="ctr">
+                    <a:lnL w="7620" cap="flat" cmpd="sng" algn="ctr">
+                      <a:solidFill>
+                        <a:srgbClr val="DFE2E5"/>
+                      </a:solidFill>
+                      <a:prstDash val="solid"/>
+                      <a:round/>
+                      <a:headEnd type="none" w="med" len="med"/>
+                      <a:tailEnd type="none" w="med" len="med"/>
+                    </a:lnL>
+                    <a:lnR w="7620" cap="flat" cmpd="sng" algn="ctr">
+                      <a:solidFill>
+                        <a:srgbClr val="DFE2E5"/>
+                      </a:solidFill>
+                      <a:prstDash val="solid"/>
+                      <a:round/>
+                      <a:headEnd type="none" w="med" len="med"/>
+                      <a:tailEnd type="none" w="med" len="med"/>
+                    </a:lnR>
+                    <a:lnT w="7620" cap="flat" cmpd="sng" algn="ctr">
+                      <a:solidFill>
+                        <a:srgbClr val="DFE2E5"/>
+                      </a:solidFill>
+                      <a:prstDash val="solid"/>
+                      <a:round/>
+                      <a:headEnd type="none" w="med" len="med"/>
+                      <a:tailEnd type="none" w="med" len="med"/>
+                    </a:lnT>
+                    <a:lnB w="7620" cap="flat" cmpd="sng" algn="ctr">
+                      <a:solidFill>
+                        <a:srgbClr val="DFE2E5"/>
+                      </a:solidFill>
+                      <a:prstDash val="solid"/>
+                      <a:round/>
+                      <a:headEnd type="none" w="med" len="med"/>
+                      <a:tailEnd type="none" w="med" len="med"/>
+                    </a:lnB>
+                    <a:solidFill>
+                      <a:srgbClr val="FFFFFF"/>
+                    </a:solidFill>
+                  </a:tcPr>
+                </a:tc>
+                <a:extLst>
+                  <a:ext uri="{0D108BD9-81ED-4DB2-BD59-A6C34878D82A}">
+                    <a16:rowId xmlns:a16="http://schemas.microsoft.com/office/drawing/2014/main" val="3144083316"/>
+                  </a:ext>
+                </a:extLst>
+              </a:tr>
+              <a:tr h="926828">
+                <a:tc>
+                  <a:txBody>
+                    <a:bodyPr/>
+                    <a:lstStyle/>
+                    <a:p>
+                      <a:pPr algn="l"/>
+                      <a:r>
+                        <a:rPr lang="en-US" sz="2400" dirty="0">
+                          <a:effectLst/>
+                        </a:rPr>
+                        <a:t>LSTM+CRF (Seq2Seq &amp; </a:t>
+                      </a:r>
+                      <a:r>
+                        <a:rPr lang="en-US" sz="2400" dirty="0" err="1">
+                          <a:effectLst/>
+                        </a:rPr>
+                        <a:t>Seq</a:t>
+                      </a:r>
+                      <a:r>
+                        <a:rPr lang="en-US" sz="2400" dirty="0">
+                          <a:effectLst/>
+                        </a:rPr>
+                        <a:t> Label)</a:t>
+                      </a:r>
+                    </a:p>
+                  </a:txBody>
+                  <a:tcPr marL="18669" marR="18669" marT="8617" marB="8617" anchor="ctr">
+                    <a:lnL w="7620" cap="flat" cmpd="sng" algn="ctr">
+                      <a:solidFill>
+                        <a:srgbClr val="DFE2E5"/>
+                      </a:solidFill>
+                      <a:prstDash val="solid"/>
+                      <a:round/>
+                      <a:headEnd type="none" w="med" len="med"/>
+                      <a:tailEnd type="none" w="med" len="med"/>
+                    </a:lnL>
+                    <a:lnR w="7620" cap="flat" cmpd="sng" algn="ctr">
+                      <a:solidFill>
+                        <a:srgbClr val="DFE2E5"/>
+                      </a:solidFill>
+                      <a:prstDash val="solid"/>
+                      <a:round/>
+                      <a:headEnd type="none" w="med" len="med"/>
+                      <a:tailEnd type="none" w="med" len="med"/>
+                    </a:lnR>
+                    <a:lnT w="7620" cap="flat" cmpd="sng" algn="ctr">
+                      <a:solidFill>
+                        <a:srgbClr val="DFE2E5"/>
+                      </a:solidFill>
+                      <a:prstDash val="solid"/>
+                      <a:round/>
+                      <a:headEnd type="none" w="med" len="med"/>
+                      <a:tailEnd type="none" w="med" len="med"/>
+                    </a:lnT>
+                    <a:lnB w="7620" cap="flat" cmpd="sng" algn="ctr">
+                      <a:solidFill>
+                        <a:srgbClr val="DFE2E5"/>
+                      </a:solidFill>
+                      <a:prstDash val="solid"/>
+                      <a:round/>
+                      <a:headEnd type="none" w="med" len="med"/>
+                      <a:tailEnd type="none" w="med" len="med"/>
+                    </a:lnB>
+                    <a:solidFill>
+                      <a:srgbClr val="F6F8FA"/>
+                    </a:solidFill>
+                  </a:tcPr>
+                </a:tc>
+                <a:tc>
+                  <a:txBody>
+                    <a:bodyPr/>
+                    <a:lstStyle/>
+                    <a:p>
+                      <a:pPr algn="ctr"/>
+                      <a:r>
+                        <a:rPr lang="en-US" altLang="zh-CN" sz="2400">
+                          <a:effectLst/>
+                        </a:rPr>
+                        <a:t>17.35</a:t>
+                      </a:r>
+                    </a:p>
+                  </a:txBody>
+                  <a:tcPr marL="18669" marR="18669" marT="8617" marB="8617" anchor="ctr">
+                    <a:lnL w="7620" cap="flat" cmpd="sng" algn="ctr">
+                      <a:solidFill>
+                        <a:srgbClr val="DFE2E5"/>
+                      </a:solidFill>
+                      <a:prstDash val="solid"/>
+                      <a:round/>
+                      <a:headEnd type="none" w="med" len="med"/>
+                      <a:tailEnd type="none" w="med" len="med"/>
+                    </a:lnL>
+                    <a:lnR w="7620" cap="flat" cmpd="sng" algn="ctr">
+                      <a:solidFill>
+                        <a:srgbClr val="DFE2E5"/>
+                      </a:solidFill>
+                      <a:prstDash val="solid"/>
+                      <a:round/>
+                      <a:headEnd type="none" w="med" len="med"/>
+                      <a:tailEnd type="none" w="med" len="med"/>
+                    </a:lnR>
+                    <a:lnT w="7620" cap="flat" cmpd="sng" algn="ctr">
+                      <a:solidFill>
+                        <a:srgbClr val="DFE2E5"/>
+                      </a:solidFill>
+                      <a:prstDash val="solid"/>
+                      <a:round/>
+                      <a:headEnd type="none" w="med" len="med"/>
+                      <a:tailEnd type="none" w="med" len="med"/>
+                    </a:lnT>
+                    <a:lnB w="7620" cap="flat" cmpd="sng" algn="ctr">
+                      <a:solidFill>
+                        <a:srgbClr val="DFE2E5"/>
+                      </a:solidFill>
+                      <a:prstDash val="solid"/>
+                      <a:round/>
+                      <a:headEnd type="none" w="med" len="med"/>
+                      <a:tailEnd type="none" w="med" len="med"/>
+                    </a:lnB>
+                    <a:solidFill>
+                      <a:srgbClr val="F6F8FA"/>
+                    </a:solidFill>
+                  </a:tcPr>
+                </a:tc>
+                <a:extLst>
+                  <a:ext uri="{0D108BD9-81ED-4DB2-BD59-A6C34878D82A}">
+                    <a16:rowId xmlns:a16="http://schemas.microsoft.com/office/drawing/2014/main" val="1153084452"/>
+                  </a:ext>
+                </a:extLst>
+              </a:tr>
+              <a:tr h="747443">
+                <a:tc>
+                  <a:txBody>
+                    <a:bodyPr/>
+                    <a:lstStyle/>
+                    <a:p>
+                      <a:pPr algn="l"/>
+                      <a:r>
+                        <a:rPr lang="en-US" sz="2400" dirty="0" err="1">
+                          <a:effectLst/>
+                        </a:rPr>
+                        <a:t>BiLSTM+CRF</a:t>
+                      </a:r>
+                      <a:endParaRPr lang="en-US" sz="2400" dirty="0">
+                        <a:effectLst/>
+                      </a:endParaRPr>
+                    </a:p>
+                  </a:txBody>
+                  <a:tcPr marL="18669" marR="18669" marT="8617" marB="8617" anchor="ctr">
+                    <a:lnL w="7620" cap="flat" cmpd="sng" algn="ctr">
+                      <a:solidFill>
+                        <a:srgbClr val="DFE2E5"/>
+                      </a:solidFill>
+                      <a:prstDash val="solid"/>
+                      <a:round/>
+                      <a:headEnd type="none" w="med" len="med"/>
+                      <a:tailEnd type="none" w="med" len="med"/>
+                    </a:lnL>
+                    <a:lnR w="7620" cap="flat" cmpd="sng" algn="ctr">
+                      <a:solidFill>
+                        <a:srgbClr val="DFE2E5"/>
+                      </a:solidFill>
+                      <a:prstDash val="solid"/>
+                      <a:round/>
+                      <a:headEnd type="none" w="med" len="med"/>
+                      <a:tailEnd type="none" w="med" len="med"/>
+                    </a:lnR>
+                    <a:lnT w="7620" cap="flat" cmpd="sng" algn="ctr">
+                      <a:solidFill>
+                        <a:srgbClr val="DFE2E5"/>
+                      </a:solidFill>
+                      <a:prstDash val="solid"/>
+                      <a:round/>
+                      <a:headEnd type="none" w="med" len="med"/>
+                      <a:tailEnd type="none" w="med" len="med"/>
+                    </a:lnT>
+                    <a:lnB w="7620" cap="flat" cmpd="sng" algn="ctr">
+                      <a:solidFill>
+                        <a:srgbClr val="DFE2E5"/>
+                      </a:solidFill>
+                      <a:prstDash val="solid"/>
+                      <a:round/>
+                      <a:headEnd type="none" w="med" len="med"/>
+                      <a:tailEnd type="none" w="med" len="med"/>
+                    </a:lnB>
+                    <a:solidFill>
+                      <a:srgbClr val="FFFFFF"/>
+                    </a:solidFill>
+                  </a:tcPr>
+                </a:tc>
+                <a:tc>
+                  <a:txBody>
+                    <a:bodyPr/>
+                    <a:lstStyle/>
+                    <a:p>
+                      <a:pPr algn="ctr"/>
+                      <a:r>
+                        <a:rPr lang="en-US" altLang="zh-CN" sz="2400">
+                          <a:effectLst/>
+                        </a:rPr>
+                        <a:t>5.19</a:t>
+                      </a:r>
+                    </a:p>
+                  </a:txBody>
+                  <a:tcPr marL="18669" marR="18669" marT="8617" marB="8617" anchor="ctr">
+                    <a:lnL w="7620" cap="flat" cmpd="sng" algn="ctr">
+                      <a:solidFill>
+                        <a:srgbClr val="DFE2E5"/>
+                      </a:solidFill>
+                      <a:prstDash val="solid"/>
+                      <a:round/>
+                      <a:headEnd type="none" w="med" len="med"/>
+                      <a:tailEnd type="none" w="med" len="med"/>
+                    </a:lnL>
+                    <a:lnR w="7620" cap="flat" cmpd="sng" algn="ctr">
+                      <a:solidFill>
+                        <a:srgbClr val="DFE2E5"/>
+                      </a:solidFill>
+                      <a:prstDash val="solid"/>
+                      <a:round/>
+                      <a:headEnd type="none" w="med" len="med"/>
+                      <a:tailEnd type="none" w="med" len="med"/>
+                    </a:lnR>
+                    <a:lnT w="7620" cap="flat" cmpd="sng" algn="ctr">
+                      <a:solidFill>
+                        <a:srgbClr val="DFE2E5"/>
+                      </a:solidFill>
+                      <a:prstDash val="solid"/>
+                      <a:round/>
+                      <a:headEnd type="none" w="med" len="med"/>
+                      <a:tailEnd type="none" w="med" len="med"/>
+                    </a:lnT>
+                    <a:lnB w="7620" cap="flat" cmpd="sng" algn="ctr">
+                      <a:solidFill>
+                        <a:srgbClr val="DFE2E5"/>
+                      </a:solidFill>
+                      <a:prstDash val="solid"/>
+                      <a:round/>
+                      <a:headEnd type="none" w="med" len="med"/>
+                      <a:tailEnd type="none" w="med" len="med"/>
+                    </a:lnB>
+                    <a:solidFill>
+                      <a:srgbClr val="FFFFFF"/>
+                    </a:solidFill>
+                  </a:tcPr>
+                </a:tc>
+                <a:extLst>
+                  <a:ext uri="{0D108BD9-81ED-4DB2-BD59-A6C34878D82A}">
+                    <a16:rowId xmlns:a16="http://schemas.microsoft.com/office/drawing/2014/main" val="951095634"/>
+                  </a:ext>
+                </a:extLst>
+              </a:tr>
+              <a:tr h="837135">
+                <a:tc>
+                  <a:txBody>
+                    <a:bodyPr/>
+                    <a:lstStyle/>
+                    <a:p>
+                      <a:pPr algn="l"/>
+                      <a:r>
+                        <a:rPr lang="en-US" sz="2400" dirty="0">
+                          <a:effectLst/>
+                        </a:rPr>
+                        <a:t>bi-LSTM</a:t>
+                      </a:r>
+                    </a:p>
+                  </a:txBody>
+                  <a:tcPr marL="18669" marR="18669" marT="8617" marB="8617" anchor="ctr">
+                    <a:lnL w="7620" cap="flat" cmpd="sng" algn="ctr">
+                      <a:solidFill>
+                        <a:srgbClr val="DFE2E5"/>
+                      </a:solidFill>
+                      <a:prstDash val="solid"/>
+                      <a:round/>
+                      <a:headEnd type="none" w="med" len="med"/>
+                      <a:tailEnd type="none" w="med" len="med"/>
+                    </a:lnL>
+                    <a:lnR w="7620" cap="flat" cmpd="sng" algn="ctr">
+                      <a:solidFill>
+                        <a:srgbClr val="DFE2E5"/>
+                      </a:solidFill>
+                      <a:prstDash val="solid"/>
+                      <a:round/>
+                      <a:headEnd type="none" w="med" len="med"/>
+                      <a:tailEnd type="none" w="med" len="med"/>
+                    </a:lnR>
+                    <a:lnT w="7620" cap="flat" cmpd="sng" algn="ctr">
+                      <a:solidFill>
+                        <a:srgbClr val="DFE2E5"/>
+                      </a:solidFill>
+                      <a:prstDash val="solid"/>
+                      <a:round/>
+                      <a:headEnd type="none" w="med" len="med"/>
+                      <a:tailEnd type="none" w="med" len="med"/>
+                    </a:lnT>
+                    <a:lnB w="7620" cap="flat" cmpd="sng" algn="ctr">
+                      <a:solidFill>
+                        <a:srgbClr val="DFE2E5"/>
+                      </a:solidFill>
+                      <a:prstDash val="solid"/>
+                      <a:round/>
+                      <a:headEnd type="none" w="med" len="med"/>
+                      <a:tailEnd type="none" w="med" len="med"/>
+                    </a:lnB>
+                    <a:solidFill>
+                      <a:srgbClr val="F6F8FA"/>
+                    </a:solidFill>
+                  </a:tcPr>
+                </a:tc>
+                <a:tc>
+                  <a:txBody>
+                    <a:bodyPr/>
+                    <a:lstStyle/>
+                    <a:p>
+                      <a:pPr algn="ctr"/>
+                      <a:r>
+                        <a:rPr lang="en-US" altLang="zh-CN" sz="2400">
+                          <a:effectLst/>
+                        </a:rPr>
+                        <a:t>0.9</a:t>
+                      </a:r>
+                    </a:p>
+                  </a:txBody>
+                  <a:tcPr marL="18669" marR="18669" marT="8617" marB="8617" anchor="ctr">
+                    <a:lnL w="7620" cap="flat" cmpd="sng" algn="ctr">
+                      <a:solidFill>
+                        <a:srgbClr val="DFE2E5"/>
+                      </a:solidFill>
+                      <a:prstDash val="solid"/>
+                      <a:round/>
+                      <a:headEnd type="none" w="med" len="med"/>
+                      <a:tailEnd type="none" w="med" len="med"/>
+                    </a:lnL>
+                    <a:lnR w="7620" cap="flat" cmpd="sng" algn="ctr">
+                      <a:solidFill>
+                        <a:srgbClr val="DFE2E5"/>
+                      </a:solidFill>
+                      <a:prstDash val="solid"/>
+                      <a:round/>
+                      <a:headEnd type="none" w="med" len="med"/>
+                      <a:tailEnd type="none" w="med" len="med"/>
+                    </a:lnR>
+                    <a:lnT w="7620" cap="flat" cmpd="sng" algn="ctr">
+                      <a:solidFill>
+                        <a:srgbClr val="DFE2E5"/>
+                      </a:solidFill>
+                      <a:prstDash val="solid"/>
+                      <a:round/>
+                      <a:headEnd type="none" w="med" len="med"/>
+                      <a:tailEnd type="none" w="med" len="med"/>
+                    </a:lnT>
+                    <a:lnB w="7620" cap="flat" cmpd="sng" algn="ctr">
+                      <a:solidFill>
+                        <a:srgbClr val="DFE2E5"/>
+                      </a:solidFill>
+                      <a:prstDash val="solid"/>
+                      <a:round/>
+                      <a:headEnd type="none" w="med" len="med"/>
+                      <a:tailEnd type="none" w="med" len="med"/>
+                    </a:lnB>
+                    <a:solidFill>
+                      <a:srgbClr val="F6F8FA"/>
+                    </a:solidFill>
+                  </a:tcPr>
+                </a:tc>
+                <a:extLst>
+                  <a:ext uri="{0D108BD9-81ED-4DB2-BD59-A6C34878D82A}">
+                    <a16:rowId xmlns:a16="http://schemas.microsoft.com/office/drawing/2014/main" val="1512558285"/>
+                  </a:ext>
+                </a:extLst>
+              </a:tr>
+              <a:tr h="1195908">
+                <a:tc>
+                  <a:txBody>
+                    <a:bodyPr/>
+                    <a:lstStyle/>
+                    <a:p>
+                      <a:pPr algn="l"/>
+                      <a:r>
+                        <a:rPr lang="en-US" sz="2400">
+                          <a:effectLst/>
+                        </a:rPr>
+                        <a:t>LSTM</a:t>
+                      </a:r>
+                    </a:p>
+                  </a:txBody>
+                  <a:tcPr marL="18669" marR="18669" marT="8617" marB="8617" anchor="ctr">
+                    <a:lnL w="7620" cap="flat" cmpd="sng" algn="ctr">
+                      <a:solidFill>
+                        <a:srgbClr val="DFE2E5"/>
+                      </a:solidFill>
+                      <a:prstDash val="solid"/>
+                      <a:round/>
+                      <a:headEnd type="none" w="med" len="med"/>
+                      <a:tailEnd type="none" w="med" len="med"/>
+                    </a:lnL>
+                    <a:lnR w="7620" cap="flat" cmpd="sng" algn="ctr">
+                      <a:solidFill>
+                        <a:srgbClr val="DFE2E5"/>
+                      </a:solidFill>
+                      <a:prstDash val="solid"/>
+                      <a:round/>
+                      <a:headEnd type="none" w="med" len="med"/>
+                      <a:tailEnd type="none" w="med" len="med"/>
+                    </a:lnR>
+                    <a:lnT w="7620" cap="flat" cmpd="sng" algn="ctr">
+                      <a:solidFill>
+                        <a:srgbClr val="DFE2E5"/>
+                      </a:solidFill>
+                      <a:prstDash val="solid"/>
+                      <a:round/>
+                      <a:headEnd type="none" w="med" len="med"/>
+                      <a:tailEnd type="none" w="med" len="med"/>
+                    </a:lnT>
+                    <a:lnB w="7620" cap="flat" cmpd="sng" algn="ctr">
+                      <a:solidFill>
+                        <a:srgbClr val="DFE2E5"/>
+                      </a:solidFill>
+                      <a:prstDash val="solid"/>
+                      <a:round/>
+                      <a:headEnd type="none" w="med" len="med"/>
+                      <a:tailEnd type="none" w="med" len="med"/>
+                    </a:lnB>
+                    <a:solidFill>
+                      <a:srgbClr val="FFFFFF"/>
+                    </a:solidFill>
+                  </a:tcPr>
+                </a:tc>
+                <a:tc>
+                  <a:txBody>
+                    <a:bodyPr/>
+                    <a:lstStyle/>
+                    <a:p>
+                      <a:pPr algn="ctr"/>
+                      <a:r>
+                        <a:rPr lang="en-US" altLang="zh-CN" sz="2400" dirty="0">
+                          <a:effectLst/>
+                        </a:rPr>
+                        <a:t>0.14</a:t>
+                      </a:r>
+                    </a:p>
+                  </a:txBody>
+                  <a:tcPr marL="18669" marR="18669" marT="8617" marB="8617" anchor="ctr">
+                    <a:lnL w="7620" cap="flat" cmpd="sng" algn="ctr">
+                      <a:solidFill>
+                        <a:srgbClr val="DFE2E5"/>
+                      </a:solidFill>
+                      <a:prstDash val="solid"/>
+                      <a:round/>
+                      <a:headEnd type="none" w="med" len="med"/>
+                      <a:tailEnd type="none" w="med" len="med"/>
+                    </a:lnL>
+                    <a:lnR w="7620" cap="flat" cmpd="sng" algn="ctr">
+                      <a:solidFill>
+                        <a:srgbClr val="DFE2E5"/>
+                      </a:solidFill>
+                      <a:prstDash val="solid"/>
+                      <a:round/>
+                      <a:headEnd type="none" w="med" len="med"/>
+                      <a:tailEnd type="none" w="med" len="med"/>
+                    </a:lnR>
+                    <a:lnT w="7620" cap="flat" cmpd="sng" algn="ctr">
+                      <a:solidFill>
+                        <a:srgbClr val="DFE2E5"/>
+                      </a:solidFill>
+                      <a:prstDash val="solid"/>
+                      <a:round/>
+                      <a:headEnd type="none" w="med" len="med"/>
+                      <a:tailEnd type="none" w="med" len="med"/>
+                    </a:lnT>
+                    <a:lnB w="7620" cap="flat" cmpd="sng" algn="ctr">
+                      <a:solidFill>
+                        <a:srgbClr val="DFE2E5"/>
+                      </a:solidFill>
+                      <a:prstDash val="solid"/>
+                      <a:round/>
+                      <a:headEnd type="none" w="med" len="med"/>
+                      <a:tailEnd type="none" w="med" len="med"/>
+                    </a:lnB>
+                    <a:solidFill>
+                      <a:srgbClr val="FFFFFF"/>
+                    </a:solidFill>
+                  </a:tcPr>
+                </a:tc>
+                <a:extLst>
+                  <a:ext uri="{0D108BD9-81ED-4DB2-BD59-A6C34878D82A}">
+                    <a16:rowId xmlns:a16="http://schemas.microsoft.com/office/drawing/2014/main" val="3717165444"/>
+                  </a:ext>
+                </a:extLst>
+              </a:tr>
+            </a:tbl>
+          </a:graphicData>
+        </a:graphic>
+      </p:graphicFrame>
+    </p:spTree>
+    <p:extLst>
+      <p:ext uri="{BB962C8B-B14F-4D97-AF65-F5344CB8AC3E}">
+        <p14:creationId xmlns:p14="http://schemas.microsoft.com/office/powerpoint/2010/main" val="2110598687"/>
+      </p:ext>
+    </p:extLst>
+  </p:cSld>
+  <p:clrMapOvr>
+    <a:masterClrMapping/>
+  </p:clrMapOvr>
+  <p:timing>
+    <p:tnLst>
+      <p:par>
+        <p:cTn id="1" dur="indefinite" restart="never" nodeType="tmRoot"/>
+      </p:par>
+    </p:tnLst>
+  </p:timing>
+</p:sld>
+</file>
+
+<file path=ppt/slides/slide11.xml><?xml version="1.0" encoding="utf-8"?>
+<p:sld xmlns:a="http://schemas.openxmlformats.org/drawingml/2006/main" xmlns:r="http://schemas.openxmlformats.org/officeDocument/2006/relationships" xmlns:p="http://schemas.openxmlformats.org/presentationml/2006/main">
+  <p:cSld>
+    <p:spTree>
+      <p:nvGrpSpPr>
+        <p:cNvPr id="1" name=""/>
+        <p:cNvGrpSpPr/>
+        <p:nvPr/>
+      </p:nvGrpSpPr>
+      <p:grpSpPr>
+        <a:xfrm>
+          <a:off x="0" y="0"/>
+          <a:ext cx="0" cy="0"/>
+          <a:chOff x="0" y="0"/>
+          <a:chExt cx="0" cy="0"/>
+        </a:xfrm>
+      </p:grpSpPr>
+      <p:sp>
+        <p:nvSpPr>
+          <p:cNvPr id="2" name="标题 1"/>
+          <p:cNvSpPr>
+            <a:spLocks noGrp="1"/>
+          </p:cNvSpPr>
+          <p:nvPr>
+            <p:ph type="title"/>
+          </p:nvPr>
+        </p:nvSpPr>
+        <p:spPr>
+          <a:xfrm>
+            <a:off x="668554" y="443830"/>
+            <a:ext cx="5361856" cy="1188720"/>
+          </a:xfrm>
+        </p:spPr>
+        <p:txBody>
+          <a:bodyPr/>
+          <a:lstStyle/>
+          <a:p>
+            <a:r>
+              <a:rPr lang="zh-CN" altLang="en-US" dirty="0" smtClean="0"/>
+              <a:t>中文纠错相关方法</a:t>
+            </a:r>
+            <a:endParaRPr lang="zh-CN" altLang="en-US" dirty="0"/>
+          </a:p>
+        </p:txBody>
+      </p:sp>
+      <p:sp>
+        <p:nvSpPr>
+          <p:cNvPr id="3" name="内容占位符 2"/>
+          <p:cNvSpPr>
+            <a:spLocks noGrp="1"/>
+          </p:cNvSpPr>
+          <p:nvPr>
+            <p:ph idx="1"/>
+          </p:nvPr>
+        </p:nvSpPr>
+        <p:spPr>
+          <a:xfrm>
+            <a:off x="668554" y="2117183"/>
+            <a:ext cx="5466028" cy="3101983"/>
+          </a:xfrm>
+        </p:spPr>
+        <p:txBody>
+          <a:bodyPr/>
+          <a:lstStyle/>
+          <a:p>
+            <a:r>
+              <a:rPr lang="en-US" altLang="zh-CN" dirty="0" smtClean="0"/>
+              <a:t>NLPCC 2018</a:t>
+            </a:r>
+            <a:r>
+              <a:rPr lang="zh-CN" altLang="en-US" dirty="0" smtClean="0"/>
+              <a:t>的数据量较大，虽然如此，其</a:t>
+            </a:r>
+            <a:r>
+              <a:rPr lang="en-US" altLang="zh-CN" dirty="0" smtClean="0"/>
+              <a:t>F0.5</a:t>
+            </a:r>
+            <a:r>
+              <a:rPr lang="zh-CN" altLang="en-US" dirty="0" smtClean="0"/>
+              <a:t>值仍然较低</a:t>
+            </a:r>
+            <a:endParaRPr lang="en-US" altLang="zh-CN" dirty="0" smtClean="0"/>
+          </a:p>
+          <a:p>
+            <a:endParaRPr lang="en-US" altLang="zh-CN" dirty="0" smtClean="0"/>
+          </a:p>
+          <a:p>
+            <a:r>
+              <a:rPr lang="zh-CN" altLang="en-US" dirty="0" smtClean="0"/>
+              <a:t>在该数据集上使用的模型也多是基于</a:t>
+            </a:r>
+            <a:r>
+              <a:rPr lang="en-US" altLang="zh-CN" dirty="0" smtClean="0"/>
+              <a:t>seq2seq</a:t>
+            </a:r>
+            <a:r>
+              <a:rPr lang="zh-CN" altLang="en-US" dirty="0" smtClean="0"/>
+              <a:t>或基于</a:t>
+            </a:r>
+            <a:r>
+              <a:rPr lang="en-US" altLang="zh-CN" dirty="0" smtClean="0"/>
+              <a:t>SMT</a:t>
+            </a:r>
+            <a:r>
+              <a:rPr lang="zh-CN" altLang="en-US" dirty="0" smtClean="0"/>
+              <a:t>和</a:t>
+            </a:r>
+            <a:r>
+              <a:rPr lang="en-US" altLang="zh-CN" dirty="0" smtClean="0"/>
+              <a:t>NMT</a:t>
+            </a:r>
+            <a:r>
+              <a:rPr lang="zh-CN" altLang="en-US" dirty="0" smtClean="0"/>
+              <a:t>的混合模型</a:t>
+            </a:r>
+            <a:endParaRPr lang="en-US" altLang="zh-CN" dirty="0" smtClean="0"/>
+          </a:p>
+          <a:p>
+            <a:endParaRPr lang="en-US" altLang="zh-CN" dirty="0" smtClean="0"/>
+          </a:p>
+        </p:txBody>
+      </p:sp>
+      <p:graphicFrame>
+        <p:nvGraphicFramePr>
+          <p:cNvPr id="5" name="表格 4"/>
+          <p:cNvGraphicFramePr>
+            <a:graphicFrameLocks noGrp="1"/>
+          </p:cNvGraphicFramePr>
+          <p:nvPr>
+            <p:extLst>
+              <p:ext uri="{D42A27DB-BD31-4B8C-83A1-F6EECF244321}">
+                <p14:modId xmlns:p14="http://schemas.microsoft.com/office/powerpoint/2010/main" val="368358436"/>
+              </p:ext>
+            </p:extLst>
+          </p:nvPr>
+        </p:nvGraphicFramePr>
+        <p:xfrm>
+          <a:off x="7002720" y="443830"/>
+          <a:ext cx="4340469" cy="6084291"/>
+        </p:xfrm>
+        <a:graphic>
+          <a:graphicData uri="http://schemas.openxmlformats.org/drawingml/2006/table">
+            <a:tbl>
+              <a:tblPr/>
+              <a:tblGrid>
+                <a:gridCol w="3087501">
+                  <a:extLst>
+                    <a:ext uri="{9D8B030D-6E8A-4147-A177-3AD203B41FA5}">
+                      <a16:colId xmlns:a16="http://schemas.microsoft.com/office/drawing/2014/main" val="754899385"/>
+                    </a:ext>
+                  </a:extLst>
+                </a:gridCol>
+                <a:gridCol w="1252968">
+                  <a:extLst>
+                    <a:ext uri="{9D8B030D-6E8A-4147-A177-3AD203B41FA5}">
+                      <a16:colId xmlns:a16="http://schemas.microsoft.com/office/drawing/2014/main" val="4239655509"/>
+                    </a:ext>
+                  </a:extLst>
+                </a:gridCol>
+              </a:tblGrid>
+              <a:tr h="605718">
+                <a:tc>
+                  <a:txBody>
+                    <a:bodyPr/>
+                    <a:lstStyle/>
+                    <a:p>
+                      <a:pPr algn="l"/>
+                      <a:r>
+                        <a:rPr lang="en-US" sz="2800" b="1">
+                          <a:effectLst/>
+                        </a:rPr>
+                        <a:t>Model</a:t>
+                      </a:r>
+                    </a:p>
+                  </a:txBody>
+                  <a:tcPr marL="73054" marR="73054" marT="33717" marB="33717" anchor="ctr">
+                    <a:lnL w="7620" cap="flat" cmpd="sng" algn="ctr">
+                      <a:solidFill>
+                        <a:srgbClr val="DFE2E5"/>
+                      </a:solidFill>
+                      <a:prstDash val="solid"/>
+                      <a:round/>
+                      <a:headEnd type="none" w="med" len="med"/>
+                      <a:tailEnd type="none" w="med" len="med"/>
+                    </a:lnL>
+                    <a:lnR w="7620" cap="flat" cmpd="sng" algn="ctr">
+                      <a:solidFill>
+                        <a:srgbClr val="DFE2E5"/>
+                      </a:solidFill>
+                      <a:prstDash val="solid"/>
+                      <a:round/>
+                      <a:headEnd type="none" w="med" len="med"/>
+                      <a:tailEnd type="none" w="med" len="med"/>
+                    </a:lnR>
+                    <a:lnT w="7620" cap="flat" cmpd="sng" algn="ctr">
+                      <a:solidFill>
+                        <a:srgbClr val="DFE2E5"/>
+                      </a:solidFill>
+                      <a:prstDash val="solid"/>
+                      <a:round/>
+                      <a:headEnd type="none" w="med" len="med"/>
+                      <a:tailEnd type="none" w="med" len="med"/>
+                    </a:lnT>
+                    <a:lnB w="7620" cap="flat" cmpd="sng" algn="ctr">
+                      <a:solidFill>
+                        <a:srgbClr val="DFE2E5"/>
+                      </a:solidFill>
+                      <a:prstDash val="solid"/>
+                      <a:round/>
+                      <a:headEnd type="none" w="med" len="med"/>
+                      <a:tailEnd type="none" w="med" len="med"/>
+                    </a:lnB>
+                    <a:solidFill>
+                      <a:srgbClr val="FFFFFF"/>
+                    </a:solidFill>
+                  </a:tcPr>
+                </a:tc>
+                <a:tc>
+                  <a:txBody>
+                    <a:bodyPr/>
+                    <a:lstStyle/>
+                    <a:p>
+                      <a:pPr algn="ctr"/>
+                      <a:r>
+                        <a:rPr lang="en-US" sz="2800" b="1" dirty="0">
+                          <a:effectLst/>
+                        </a:rPr>
+                        <a:t>F0.5</a:t>
+                      </a:r>
+                    </a:p>
+                  </a:txBody>
+                  <a:tcPr marL="73054" marR="73054" marT="33717" marB="33717" anchor="ctr">
+                    <a:lnL w="7620" cap="flat" cmpd="sng" algn="ctr">
+                      <a:solidFill>
+                        <a:srgbClr val="DFE2E5"/>
+                      </a:solidFill>
+                      <a:prstDash val="solid"/>
+                      <a:round/>
+                      <a:headEnd type="none" w="med" len="med"/>
+                      <a:tailEnd type="none" w="med" len="med"/>
+                    </a:lnL>
+                    <a:lnR w="7620" cap="flat" cmpd="sng" algn="ctr">
+                      <a:solidFill>
+                        <a:srgbClr val="DFE2E5"/>
+                      </a:solidFill>
+                      <a:prstDash val="solid"/>
+                      <a:round/>
+                      <a:headEnd type="none" w="med" len="med"/>
+                      <a:tailEnd type="none" w="med" len="med"/>
+                    </a:lnR>
+                    <a:lnT w="7620" cap="flat" cmpd="sng" algn="ctr">
+                      <a:solidFill>
+                        <a:srgbClr val="DFE2E5"/>
+                      </a:solidFill>
+                      <a:prstDash val="solid"/>
+                      <a:round/>
+                      <a:headEnd type="none" w="med" len="med"/>
+                      <a:tailEnd type="none" w="med" len="med"/>
+                    </a:lnT>
+                    <a:lnB w="7620" cap="flat" cmpd="sng" algn="ctr">
+                      <a:solidFill>
+                        <a:srgbClr val="DFE2E5"/>
+                      </a:solidFill>
+                      <a:prstDash val="solid"/>
+                      <a:round/>
+                      <a:headEnd type="none" w="med" len="med"/>
+                      <a:tailEnd type="none" w="med" len="med"/>
+                    </a:lnB>
+                    <a:solidFill>
+                      <a:srgbClr val="FFFFFF"/>
+                    </a:solidFill>
+                  </a:tcPr>
+                </a:tc>
+                <a:extLst>
+                  <a:ext uri="{0D108BD9-81ED-4DB2-BD59-A6C34878D82A}">
+                    <a16:rowId xmlns:a16="http://schemas.microsoft.com/office/drawing/2014/main" val="2003499703"/>
+                  </a:ext>
+                </a:extLst>
+              </a:tr>
+              <a:tr h="1651838">
+                <a:tc>
+                  <a:txBody>
+                    <a:bodyPr/>
+                    <a:lstStyle/>
+                    <a:p>
+                      <a:pPr algn="l"/>
+                      <a:r>
+                        <a:rPr lang="en-US" sz="2800" dirty="0">
+                          <a:effectLst/>
+                        </a:rPr>
+                        <a:t>CNN seq2seq + Pre-train + ensemble</a:t>
+                      </a:r>
+                    </a:p>
+                  </a:txBody>
+                  <a:tcPr marL="73054" marR="73054" marT="33717" marB="33717" anchor="ctr">
+                    <a:lnL w="7620" cap="flat" cmpd="sng" algn="ctr">
+                      <a:solidFill>
+                        <a:srgbClr val="DFE2E5"/>
+                      </a:solidFill>
+                      <a:prstDash val="solid"/>
+                      <a:round/>
+                      <a:headEnd type="none" w="med" len="med"/>
+                      <a:tailEnd type="none" w="med" len="med"/>
+                    </a:lnL>
+                    <a:lnR w="7620" cap="flat" cmpd="sng" algn="ctr">
+                      <a:solidFill>
+                        <a:srgbClr val="DFE2E5"/>
+                      </a:solidFill>
+                      <a:prstDash val="solid"/>
+                      <a:round/>
+                      <a:headEnd type="none" w="med" len="med"/>
+                      <a:tailEnd type="none" w="med" len="med"/>
+                    </a:lnR>
+                    <a:lnT w="7620" cap="flat" cmpd="sng" algn="ctr">
+                      <a:solidFill>
+                        <a:srgbClr val="DFE2E5"/>
+                      </a:solidFill>
+                      <a:prstDash val="solid"/>
+                      <a:round/>
+                      <a:headEnd type="none" w="med" len="med"/>
+                      <a:tailEnd type="none" w="med" len="med"/>
+                    </a:lnT>
+                    <a:lnB w="7620" cap="flat" cmpd="sng" algn="ctr">
+                      <a:solidFill>
+                        <a:srgbClr val="DFE2E5"/>
+                      </a:solidFill>
+                      <a:prstDash val="solid"/>
+                      <a:round/>
+                      <a:headEnd type="none" w="med" len="med"/>
+                      <a:tailEnd type="none" w="med" len="med"/>
+                    </a:lnB>
+                    <a:solidFill>
+                      <a:srgbClr val="FFFFFF"/>
+                    </a:solidFill>
+                  </a:tcPr>
+                </a:tc>
+                <a:tc>
+                  <a:txBody>
+                    <a:bodyPr/>
+                    <a:lstStyle/>
+                    <a:p>
+                      <a:pPr algn="ctr"/>
+                      <a:r>
+                        <a:rPr lang="en-US" altLang="zh-CN" sz="2800">
+                          <a:effectLst/>
+                        </a:rPr>
+                        <a:t>30.57</a:t>
+                      </a:r>
+                    </a:p>
+                  </a:txBody>
+                  <a:tcPr marL="73054" marR="73054" marT="33717" marB="33717" anchor="ctr">
+                    <a:lnL w="7620" cap="flat" cmpd="sng" algn="ctr">
+                      <a:solidFill>
+                        <a:srgbClr val="DFE2E5"/>
+                      </a:solidFill>
+                      <a:prstDash val="solid"/>
+                      <a:round/>
+                      <a:headEnd type="none" w="med" len="med"/>
+                      <a:tailEnd type="none" w="med" len="med"/>
+                    </a:lnL>
+                    <a:lnR w="7620" cap="flat" cmpd="sng" algn="ctr">
+                      <a:solidFill>
+                        <a:srgbClr val="DFE2E5"/>
+                      </a:solidFill>
+                      <a:prstDash val="solid"/>
+                      <a:round/>
+                      <a:headEnd type="none" w="med" len="med"/>
+                      <a:tailEnd type="none" w="med" len="med"/>
+                    </a:lnR>
+                    <a:lnT w="7620" cap="flat" cmpd="sng" algn="ctr">
+                      <a:solidFill>
+                        <a:srgbClr val="DFE2E5"/>
+                      </a:solidFill>
+                      <a:prstDash val="solid"/>
+                      <a:round/>
+                      <a:headEnd type="none" w="med" len="med"/>
+                      <a:tailEnd type="none" w="med" len="med"/>
+                    </a:lnT>
+                    <a:lnB w="7620" cap="flat" cmpd="sng" algn="ctr">
+                      <a:solidFill>
+                        <a:srgbClr val="DFE2E5"/>
+                      </a:solidFill>
+                      <a:prstDash val="solid"/>
+                      <a:round/>
+                      <a:headEnd type="none" w="med" len="med"/>
+                      <a:tailEnd type="none" w="med" len="med"/>
+                    </a:lnB>
+                    <a:solidFill>
+                      <a:srgbClr val="FFFFFF"/>
+                    </a:solidFill>
+                  </a:tcPr>
+                </a:tc>
+                <a:extLst>
+                  <a:ext uri="{0D108BD9-81ED-4DB2-BD59-A6C34878D82A}">
+                    <a16:rowId xmlns:a16="http://schemas.microsoft.com/office/drawing/2014/main" val="232253130"/>
+                  </a:ext>
+                </a:extLst>
+              </a:tr>
+              <a:tr h="2174897">
+                <a:tc>
+                  <a:txBody>
+                    <a:bodyPr/>
+                    <a:lstStyle/>
+                    <a:p>
+                      <a:pPr algn="l"/>
+                      <a:r>
+                        <a:rPr lang="en-US" sz="2800">
+                          <a:effectLst/>
+                        </a:rPr>
+                        <a:t>seq2seq + LM (spelling error) + NMT (GEC) + Ensemble</a:t>
+                      </a:r>
+                    </a:p>
+                  </a:txBody>
+                  <a:tcPr marL="73054" marR="73054" marT="33717" marB="33717" anchor="ctr">
+                    <a:lnL w="7620" cap="flat" cmpd="sng" algn="ctr">
+                      <a:solidFill>
+                        <a:srgbClr val="DFE2E5"/>
+                      </a:solidFill>
+                      <a:prstDash val="solid"/>
+                      <a:round/>
+                      <a:headEnd type="none" w="med" len="med"/>
+                      <a:tailEnd type="none" w="med" len="med"/>
+                    </a:lnL>
+                    <a:lnR w="7620" cap="flat" cmpd="sng" algn="ctr">
+                      <a:solidFill>
+                        <a:srgbClr val="DFE2E5"/>
+                      </a:solidFill>
+                      <a:prstDash val="solid"/>
+                      <a:round/>
+                      <a:headEnd type="none" w="med" len="med"/>
+                      <a:tailEnd type="none" w="med" len="med"/>
+                    </a:lnR>
+                    <a:lnT w="7620" cap="flat" cmpd="sng" algn="ctr">
+                      <a:solidFill>
+                        <a:srgbClr val="DFE2E5"/>
+                      </a:solidFill>
+                      <a:prstDash val="solid"/>
+                      <a:round/>
+                      <a:headEnd type="none" w="med" len="med"/>
+                      <a:tailEnd type="none" w="med" len="med"/>
+                    </a:lnT>
+                    <a:lnB w="7620" cap="flat" cmpd="sng" algn="ctr">
+                      <a:solidFill>
+                        <a:srgbClr val="DFE2E5"/>
+                      </a:solidFill>
+                      <a:prstDash val="solid"/>
+                      <a:round/>
+                      <a:headEnd type="none" w="med" len="med"/>
+                      <a:tailEnd type="none" w="med" len="med"/>
+                    </a:lnB>
+                    <a:solidFill>
+                      <a:srgbClr val="F6F8FA"/>
+                    </a:solidFill>
+                  </a:tcPr>
+                </a:tc>
+                <a:tc>
+                  <a:txBody>
+                    <a:bodyPr/>
+                    <a:lstStyle/>
+                    <a:p>
+                      <a:pPr algn="ctr"/>
+                      <a:r>
+                        <a:rPr lang="en-US" altLang="zh-CN" sz="2800">
+                          <a:effectLst/>
+                        </a:rPr>
+                        <a:t>29.91</a:t>
+                      </a:r>
+                    </a:p>
+                  </a:txBody>
+                  <a:tcPr marL="73054" marR="73054" marT="33717" marB="33717" anchor="ctr">
+                    <a:lnL w="7620" cap="flat" cmpd="sng" algn="ctr">
+                      <a:solidFill>
+                        <a:srgbClr val="DFE2E5"/>
+                      </a:solidFill>
+                      <a:prstDash val="solid"/>
+                      <a:round/>
+                      <a:headEnd type="none" w="med" len="med"/>
+                      <a:tailEnd type="none" w="med" len="med"/>
+                    </a:lnL>
+                    <a:lnR w="7620" cap="flat" cmpd="sng" algn="ctr">
+                      <a:solidFill>
+                        <a:srgbClr val="DFE2E5"/>
+                      </a:solidFill>
+                      <a:prstDash val="solid"/>
+                      <a:round/>
+                      <a:headEnd type="none" w="med" len="med"/>
+                      <a:tailEnd type="none" w="med" len="med"/>
+                    </a:lnR>
+                    <a:lnT w="7620" cap="flat" cmpd="sng" algn="ctr">
+                      <a:solidFill>
+                        <a:srgbClr val="DFE2E5"/>
+                      </a:solidFill>
+                      <a:prstDash val="solid"/>
+                      <a:round/>
+                      <a:headEnd type="none" w="med" len="med"/>
+                      <a:tailEnd type="none" w="med" len="med"/>
+                    </a:lnT>
+                    <a:lnB w="7620" cap="flat" cmpd="sng" algn="ctr">
+                      <a:solidFill>
+                        <a:srgbClr val="DFE2E5"/>
+                      </a:solidFill>
+                      <a:prstDash val="solid"/>
+                      <a:round/>
+                      <a:headEnd type="none" w="med" len="med"/>
+                      <a:tailEnd type="none" w="med" len="med"/>
+                    </a:lnB>
+                    <a:solidFill>
+                      <a:srgbClr val="F6F8FA"/>
+                    </a:solidFill>
+                  </a:tcPr>
+                </a:tc>
+                <a:extLst>
+                  <a:ext uri="{0D108BD9-81ED-4DB2-BD59-A6C34878D82A}">
+                    <a16:rowId xmlns:a16="http://schemas.microsoft.com/office/drawing/2014/main" val="104812574"/>
+                  </a:ext>
+                </a:extLst>
+              </a:tr>
+              <a:tr h="1651838">
+                <a:tc>
+                  <a:txBody>
+                    <a:bodyPr/>
+                    <a:lstStyle/>
+                    <a:p>
+                      <a:pPr algn="l"/>
+                      <a:r>
+                        <a:rPr lang="en-US" sz="2800">
+                          <a:effectLst/>
+                        </a:rPr>
+                        <a:t>rule + SMT + NMT(LSTM) + ensemble</a:t>
+                      </a:r>
+                    </a:p>
+                  </a:txBody>
+                  <a:tcPr marL="73054" marR="73054" marT="33717" marB="33717" anchor="ctr">
+                    <a:lnL w="7620" cap="flat" cmpd="sng" algn="ctr">
+                      <a:solidFill>
+                        <a:srgbClr val="DFE2E5"/>
+                      </a:solidFill>
+                      <a:prstDash val="solid"/>
+                      <a:round/>
+                      <a:headEnd type="none" w="med" len="med"/>
+                      <a:tailEnd type="none" w="med" len="med"/>
+                    </a:lnL>
+                    <a:lnR w="7620" cap="flat" cmpd="sng" algn="ctr">
+                      <a:solidFill>
+                        <a:srgbClr val="DFE2E5"/>
+                      </a:solidFill>
+                      <a:prstDash val="solid"/>
+                      <a:round/>
+                      <a:headEnd type="none" w="med" len="med"/>
+                      <a:tailEnd type="none" w="med" len="med"/>
+                    </a:lnR>
+                    <a:lnT w="7620" cap="flat" cmpd="sng" algn="ctr">
+                      <a:solidFill>
+                        <a:srgbClr val="DFE2E5"/>
+                      </a:solidFill>
+                      <a:prstDash val="solid"/>
+                      <a:round/>
+                      <a:headEnd type="none" w="med" len="med"/>
+                      <a:tailEnd type="none" w="med" len="med"/>
+                    </a:lnT>
+                    <a:lnB w="7620" cap="flat" cmpd="sng" algn="ctr">
+                      <a:solidFill>
+                        <a:srgbClr val="DFE2E5"/>
+                      </a:solidFill>
+                      <a:prstDash val="solid"/>
+                      <a:round/>
+                      <a:headEnd type="none" w="med" len="med"/>
+                      <a:tailEnd type="none" w="med" len="med"/>
+                    </a:lnB>
+                    <a:solidFill>
+                      <a:srgbClr val="FFFFFF"/>
+                    </a:solidFill>
+                  </a:tcPr>
+                </a:tc>
+                <a:tc>
+                  <a:txBody>
+                    <a:bodyPr/>
+                    <a:lstStyle/>
+                    <a:p>
+                      <a:pPr algn="ctr"/>
+                      <a:r>
+                        <a:rPr lang="en-US" altLang="zh-CN" sz="2800" dirty="0">
+                          <a:effectLst/>
+                        </a:rPr>
+                        <a:t>29.36</a:t>
+                      </a:r>
+                    </a:p>
+                  </a:txBody>
+                  <a:tcPr marL="73054" marR="73054" marT="33717" marB="33717" anchor="ctr">
+                    <a:lnL w="7620" cap="flat" cmpd="sng" algn="ctr">
+                      <a:solidFill>
+                        <a:srgbClr val="DFE2E5"/>
+                      </a:solidFill>
+                      <a:prstDash val="solid"/>
+                      <a:round/>
+                      <a:headEnd type="none" w="med" len="med"/>
+                      <a:tailEnd type="none" w="med" len="med"/>
+                    </a:lnL>
+                    <a:lnR w="7620" cap="flat" cmpd="sng" algn="ctr">
+                      <a:solidFill>
+                        <a:srgbClr val="DFE2E5"/>
+                      </a:solidFill>
+                      <a:prstDash val="solid"/>
+                      <a:round/>
+                      <a:headEnd type="none" w="med" len="med"/>
+                      <a:tailEnd type="none" w="med" len="med"/>
+                    </a:lnR>
+                    <a:lnT w="7620" cap="flat" cmpd="sng" algn="ctr">
+                      <a:solidFill>
+                        <a:srgbClr val="DFE2E5"/>
+                      </a:solidFill>
+                      <a:prstDash val="solid"/>
+                      <a:round/>
+                      <a:headEnd type="none" w="med" len="med"/>
+                      <a:tailEnd type="none" w="med" len="med"/>
+                    </a:lnT>
+                    <a:lnB w="7620" cap="flat" cmpd="sng" algn="ctr">
+                      <a:solidFill>
+                        <a:srgbClr val="DFE2E5"/>
+                      </a:solidFill>
+                      <a:prstDash val="solid"/>
+                      <a:round/>
+                      <a:headEnd type="none" w="med" len="med"/>
+                      <a:tailEnd type="none" w="med" len="med"/>
+                    </a:lnB>
+                    <a:solidFill>
+                      <a:srgbClr val="FFFFFF"/>
+                    </a:solidFill>
+                  </a:tcPr>
+                </a:tc>
+                <a:extLst>
+                  <a:ext uri="{0D108BD9-81ED-4DB2-BD59-A6C34878D82A}">
+                    <a16:rowId xmlns:a16="http://schemas.microsoft.com/office/drawing/2014/main" val="3749612995"/>
+                  </a:ext>
+                </a:extLst>
+              </a:tr>
+            </a:tbl>
+          </a:graphicData>
+        </a:graphic>
+      </p:graphicFrame>
+    </p:spTree>
+    <p:extLst>
+      <p:ext uri="{BB962C8B-B14F-4D97-AF65-F5344CB8AC3E}">
+        <p14:creationId xmlns:p14="http://schemas.microsoft.com/office/powerpoint/2010/main" val="280549562"/>
+      </p:ext>
+    </p:extLst>
+  </p:cSld>
+  <p:clrMapOvr>
+    <a:masterClrMapping/>
+  </p:clrMapOvr>
+  <p:timing>
+    <p:tnLst>
+      <p:par>
+        <p:cTn id="1" dur="indefinite" restart="never" nodeType="tmRoot"/>
+      </p:par>
+    </p:tnLst>
+  </p:timing>
+</p:sld>
+</file>
+
+<file path=ppt/slides/slide12.xml><?xml version="1.0" encoding="utf-8"?>
+<p:sld xmlns:a="http://schemas.openxmlformats.org/drawingml/2006/main" xmlns:r="http://schemas.openxmlformats.org/officeDocument/2006/relationships" xmlns:p="http://schemas.openxmlformats.org/presentationml/2006/main">
+  <p:cSld>
+    <p:spTree>
+      <p:nvGrpSpPr>
+        <p:cNvPr id="1" name=""/>
+        <p:cNvGrpSpPr/>
+        <p:nvPr/>
+      </p:nvGrpSpPr>
+      <p:grpSpPr>
+        <a:xfrm>
+          <a:off x="0" y="0"/>
+          <a:ext cx="0" cy="0"/>
+          <a:chOff x="0" y="0"/>
+          <a:chExt cx="0" cy="0"/>
+        </a:xfrm>
+      </p:grpSpPr>
+      <p:sp>
+        <p:nvSpPr>
+          <p:cNvPr id="2" name="标题 1"/>
+          <p:cNvSpPr>
+            <a:spLocks noGrp="1"/>
+          </p:cNvSpPr>
+          <p:nvPr>
+            <p:ph type="title"/>
+          </p:nvPr>
+        </p:nvSpPr>
+        <p:spPr/>
+        <p:txBody>
+          <a:bodyPr/>
+          <a:lstStyle/>
+          <a:p>
+            <a:r>
+              <a:rPr lang="zh-CN" altLang="en-US" dirty="0"/>
+              <a:t>中文纠错相关方法</a:t>
+            </a:r>
+          </a:p>
+        </p:txBody>
+      </p:sp>
+      <p:sp>
+        <p:nvSpPr>
+          <p:cNvPr id="3" name="内容占位符 2"/>
+          <p:cNvSpPr>
+            <a:spLocks noGrp="1"/>
+          </p:cNvSpPr>
+          <p:nvPr>
+            <p:ph idx="1"/>
+          </p:nvPr>
+        </p:nvSpPr>
+        <p:spPr/>
+        <p:txBody>
+          <a:bodyPr/>
+          <a:lstStyle/>
+          <a:p>
+            <a:r>
+              <a:rPr lang="zh-CN" altLang="en-US" dirty="0" smtClean="0"/>
+              <a:t>因为语料库一直是制约</a:t>
+            </a:r>
+            <a:r>
+              <a:rPr lang="en-US" altLang="zh-CN" dirty="0" smtClean="0"/>
+              <a:t>NLP</a:t>
+            </a:r>
+            <a:r>
+              <a:rPr lang="zh-CN" altLang="en-US" dirty="0" smtClean="0"/>
+              <a:t>发展的一个瓶颈，在纠错任务上更是如此。</a:t>
+            </a:r>
+            <a:endParaRPr lang="en-US" altLang="zh-CN" dirty="0" smtClean="0"/>
+          </a:p>
+          <a:p>
+            <a:endParaRPr lang="en-US" altLang="zh-CN" dirty="0" smtClean="0"/>
+          </a:p>
+          <a:p>
+            <a:r>
+              <a:rPr lang="zh-CN" altLang="en-US" dirty="0" smtClean="0"/>
+              <a:t>所以有一些针对数据增强来生成更大语料库从而得到更好性能的方法，如：</a:t>
+            </a:r>
+            <a:endParaRPr lang="en-US" altLang="zh-CN" dirty="0" smtClean="0"/>
+          </a:p>
+          <a:p>
+            <a:pPr lvl="1"/>
+            <a:r>
+              <a:rPr lang="zh-CN" altLang="en-US" dirty="0" smtClean="0"/>
+              <a:t>（</a:t>
+            </a:r>
+            <a:r>
+              <a:rPr lang="en-US" altLang="zh-CN" dirty="0" err="1"/>
+              <a:t>Dingmin</a:t>
+            </a:r>
+            <a:r>
+              <a:rPr lang="en-US" altLang="zh-CN" dirty="0"/>
+              <a:t> </a:t>
+            </a:r>
+            <a:r>
+              <a:rPr lang="en-US" altLang="zh-CN" dirty="0" err="1"/>
+              <a:t>wang</a:t>
+            </a:r>
+            <a:r>
+              <a:rPr lang="zh-CN" altLang="en-US" dirty="0"/>
+              <a:t>，</a:t>
+            </a:r>
+            <a:r>
+              <a:rPr lang="en-US" altLang="zh-CN" dirty="0"/>
+              <a:t>2018</a:t>
+            </a:r>
+            <a:r>
+              <a:rPr lang="zh-CN" altLang="en-US" dirty="0"/>
+              <a:t>）使用基于</a:t>
+            </a:r>
+            <a:r>
+              <a:rPr lang="en-US" altLang="zh-CN" dirty="0"/>
+              <a:t>OCR</a:t>
+            </a:r>
+            <a:r>
+              <a:rPr lang="zh-CN" altLang="en-US" dirty="0"/>
+              <a:t>和</a:t>
+            </a:r>
+            <a:r>
+              <a:rPr lang="en-US" altLang="zh-CN" dirty="0"/>
+              <a:t>ASR</a:t>
+            </a:r>
+            <a:r>
+              <a:rPr lang="zh-CN" altLang="en-US" dirty="0"/>
+              <a:t>的</a:t>
+            </a:r>
+            <a:r>
+              <a:rPr lang="zh-CN" altLang="en-US" dirty="0" smtClean="0"/>
+              <a:t>方法，通过</a:t>
+            </a:r>
+            <a:r>
+              <a:rPr lang="zh-CN" altLang="en-US" dirty="0"/>
+              <a:t>替换视觉和语音上相似的字符来生成标记的拼写错误，从而生成更大的</a:t>
+            </a:r>
+            <a:r>
+              <a:rPr lang="en-US" altLang="zh-CN" dirty="0"/>
+              <a:t>CSC</a:t>
+            </a:r>
+            <a:r>
+              <a:rPr lang="zh-CN" altLang="en-US" dirty="0" smtClean="0"/>
+              <a:t>语料库。</a:t>
+            </a:r>
+            <a:endParaRPr lang="en-US" altLang="zh-CN" dirty="0" smtClean="0"/>
+          </a:p>
+          <a:p>
+            <a:pPr lvl="1"/>
+            <a:r>
+              <a:rPr lang="zh-CN" altLang="en-US" dirty="0"/>
+              <a:t>（</a:t>
+            </a:r>
+            <a:r>
+              <a:rPr lang="en-US" altLang="zh-CN" dirty="0" err="1"/>
+              <a:t>Jianyong</a:t>
+            </a:r>
+            <a:r>
+              <a:rPr lang="en-US" altLang="zh-CN" dirty="0"/>
+              <a:t> </a:t>
+            </a:r>
+            <a:r>
+              <a:rPr lang="en-US" altLang="zh-CN" dirty="0" err="1"/>
+              <a:t>Duan</a:t>
+            </a:r>
+            <a:r>
+              <a:rPr lang="en-US" altLang="zh-CN" dirty="0"/>
+              <a:t> and Pan</a:t>
+            </a:r>
+            <a:r>
+              <a:rPr lang="zh-CN" altLang="en-US" dirty="0"/>
+              <a:t>，</a:t>
+            </a:r>
+            <a:r>
+              <a:rPr lang="en-US" altLang="zh-CN" dirty="0"/>
+              <a:t>2019</a:t>
+            </a:r>
+            <a:r>
+              <a:rPr lang="zh-CN" altLang="en-US" dirty="0"/>
+              <a:t>）提出了基于输入法自动构建</a:t>
+            </a:r>
+            <a:r>
+              <a:rPr lang="en-US" altLang="zh-CN" dirty="0"/>
+              <a:t>CSC</a:t>
+            </a:r>
+            <a:r>
+              <a:rPr lang="zh-CN" altLang="en-US" dirty="0" smtClean="0"/>
+              <a:t>语料库。</a:t>
+            </a:r>
+            <a:endParaRPr lang="zh-CN" altLang="en-US" dirty="0"/>
+          </a:p>
+        </p:txBody>
+      </p:sp>
+    </p:spTree>
+    <p:extLst>
+      <p:ext uri="{BB962C8B-B14F-4D97-AF65-F5344CB8AC3E}">
+        <p14:creationId xmlns:p14="http://schemas.microsoft.com/office/powerpoint/2010/main" val="136367913"/>
+      </p:ext>
+    </p:extLst>
+  </p:cSld>
+  <p:clrMapOvr>
+    <a:masterClrMapping/>
+  </p:clrMapOvr>
+</p:sld>
+</file>
+
+<file path=ppt/slides/slide13.xml><?xml version="1.0" encoding="utf-8"?>
+<p:sld xmlns:a="http://schemas.openxmlformats.org/drawingml/2006/main" xmlns:r="http://schemas.openxmlformats.org/officeDocument/2006/relationships" xmlns:p="http://schemas.openxmlformats.org/presentationml/2006/main">
+  <p:cSld>
+    <p:spTree>
+      <p:nvGrpSpPr>
+        <p:cNvPr id="1" name=""/>
+        <p:cNvGrpSpPr/>
+        <p:nvPr/>
+      </p:nvGrpSpPr>
+      <p:grpSpPr>
+        <a:xfrm>
+          <a:off x="0" y="0"/>
+          <a:ext cx="0" cy="0"/>
+          <a:chOff x="0" y="0"/>
+          <a:chExt cx="0" cy="0"/>
+        </a:xfrm>
+      </p:grpSpPr>
+      <p:sp>
+        <p:nvSpPr>
+          <p:cNvPr id="2" name="标题 1"/>
+          <p:cNvSpPr>
+            <a:spLocks noGrp="1"/>
+          </p:cNvSpPr>
+          <p:nvPr>
+            <p:ph type="title"/>
+          </p:nvPr>
+        </p:nvSpPr>
+        <p:spPr/>
+        <p:txBody>
+          <a:bodyPr/>
+          <a:lstStyle/>
+          <a:p>
+            <a:r>
+              <a:rPr lang="zh-CN" altLang="en-US" dirty="0"/>
+              <a:t>中文纠错相关方法</a:t>
+            </a:r>
+          </a:p>
+        </p:txBody>
+      </p:sp>
+      <p:sp>
+        <p:nvSpPr>
+          <p:cNvPr id="3" name="内容占位符 2"/>
+          <p:cNvSpPr>
+            <a:spLocks noGrp="1"/>
+          </p:cNvSpPr>
+          <p:nvPr>
+            <p:ph idx="1"/>
+          </p:nvPr>
+        </p:nvSpPr>
+        <p:spPr/>
+        <p:txBody>
+          <a:bodyPr/>
+          <a:lstStyle/>
+          <a:p>
+            <a:r>
+              <a:rPr lang="zh-CN" altLang="en-US" dirty="0" smtClean="0"/>
+              <a:t>除了模型框架外，还有一些常用到的特征，如：</a:t>
+            </a:r>
+            <a:endParaRPr lang="en-US" altLang="zh-CN" dirty="0" smtClean="0"/>
+          </a:p>
+          <a:p>
+            <a:pPr lvl="1"/>
+            <a:r>
+              <a:rPr lang="en-US" altLang="zh-CN" dirty="0" smtClean="0"/>
+              <a:t>N-gram</a:t>
+            </a:r>
+          </a:p>
+          <a:p>
+            <a:pPr lvl="1"/>
+            <a:r>
+              <a:rPr lang="en-US" altLang="zh-CN" dirty="0" smtClean="0"/>
+              <a:t>Language model</a:t>
+            </a:r>
+          </a:p>
+          <a:p>
+            <a:pPr lvl="1"/>
+            <a:r>
+              <a:rPr lang="en-US" altLang="zh-CN" dirty="0" smtClean="0"/>
+              <a:t>Edit distance</a:t>
+            </a:r>
+          </a:p>
+          <a:p>
+            <a:pPr lvl="1"/>
+            <a:r>
+              <a:rPr lang="en-US" altLang="zh-CN" dirty="0" smtClean="0"/>
+              <a:t>Confusion set</a:t>
+            </a:r>
+            <a:endParaRPr lang="zh-CN" altLang="en-US" dirty="0"/>
+          </a:p>
+        </p:txBody>
+      </p:sp>
+    </p:spTree>
+    <p:extLst>
+      <p:ext uri="{BB962C8B-B14F-4D97-AF65-F5344CB8AC3E}">
+        <p14:creationId xmlns:p14="http://schemas.microsoft.com/office/powerpoint/2010/main" val="8249912"/>
+      </p:ext>
+    </p:extLst>
+  </p:cSld>
+  <p:clrMapOvr>
+    <a:masterClrMapping/>
+  </p:clrMapOvr>
+</p:sld>
+</file>
+
+<file path=ppt/slides/slide14.xml><?xml version="1.0" encoding="utf-8"?>
+<p:sld xmlns:a="http://schemas.openxmlformats.org/drawingml/2006/main" xmlns:r="http://schemas.openxmlformats.org/officeDocument/2006/relationships" xmlns:p="http://schemas.openxmlformats.org/presentationml/2006/main">
+  <p:cSld>
+    <p:spTree>
+      <p:nvGrpSpPr>
+        <p:cNvPr id="1" name=""/>
+        <p:cNvGrpSpPr/>
+        <p:nvPr/>
+      </p:nvGrpSpPr>
+      <p:grpSpPr>
+        <a:xfrm>
+          <a:off x="0" y="0"/>
+          <a:ext cx="0" cy="0"/>
+          <a:chOff x="0" y="0"/>
+          <a:chExt cx="0" cy="0"/>
+        </a:xfrm>
+      </p:grpSpPr>
+      <p:sp>
+        <p:nvSpPr>
+          <p:cNvPr id="2" name="标题 1"/>
+          <p:cNvSpPr>
+            <a:spLocks noGrp="1"/>
+          </p:cNvSpPr>
+          <p:nvPr>
+            <p:ph type="title"/>
+          </p:nvPr>
+        </p:nvSpPr>
+        <p:spPr/>
+        <p:txBody>
+          <a:bodyPr/>
+          <a:lstStyle/>
+          <a:p>
+            <a:r>
+              <a:rPr lang="zh-CN" altLang="en-US" dirty="0" smtClean="0"/>
+              <a:t>总结</a:t>
+            </a:r>
+            <a:endParaRPr lang="zh-CN" altLang="en-US" dirty="0"/>
+          </a:p>
+        </p:txBody>
+      </p:sp>
+      <p:sp>
+        <p:nvSpPr>
+          <p:cNvPr id="3" name="内容占位符 2"/>
+          <p:cNvSpPr>
+            <a:spLocks noGrp="1"/>
+          </p:cNvSpPr>
+          <p:nvPr>
+            <p:ph idx="1"/>
+          </p:nvPr>
+        </p:nvSpPr>
+        <p:spPr/>
+        <p:txBody>
+          <a:bodyPr/>
+          <a:lstStyle/>
+          <a:p>
+            <a:r>
+              <a:rPr lang="zh-CN" altLang="en-US" dirty="0" smtClean="0"/>
+              <a:t>中文纠错分为</a:t>
+            </a:r>
+            <a:r>
+              <a:rPr lang="en-US" altLang="zh-CN" dirty="0" smtClean="0"/>
+              <a:t>CSC</a:t>
+            </a:r>
+            <a:r>
+              <a:rPr lang="zh-CN" altLang="en-US" dirty="0" smtClean="0"/>
+              <a:t>和</a:t>
+            </a:r>
+            <a:r>
+              <a:rPr lang="en-US" altLang="zh-CN" dirty="0" smtClean="0"/>
+              <a:t>GEC</a:t>
+            </a:r>
+            <a:r>
+              <a:rPr lang="zh-CN" altLang="en-US" dirty="0" smtClean="0"/>
+              <a:t>，对于实际文章来说，可以分开处理，也可以使用端到端的方法将两者同时处理。</a:t>
+            </a:r>
+            <a:endParaRPr lang="en-US" altLang="zh-CN" dirty="0" smtClean="0"/>
+          </a:p>
+          <a:p>
+            <a:r>
+              <a:rPr lang="zh-CN" altLang="en-US" dirty="0"/>
+              <a:t>中文</a:t>
+            </a:r>
+            <a:r>
+              <a:rPr lang="zh-CN" altLang="en-US" dirty="0" smtClean="0"/>
+              <a:t>纠错很多时候没有标准答案，且人工都难以处理。</a:t>
+            </a:r>
+            <a:endParaRPr lang="en-US" altLang="zh-CN" dirty="0" smtClean="0"/>
+          </a:p>
+          <a:p>
+            <a:r>
+              <a:rPr lang="zh-CN" altLang="en-US" dirty="0" smtClean="0"/>
+              <a:t>鉴于中文的难度较高且发展较晚，目前中文纠错的性能整体较差。</a:t>
+            </a:r>
+            <a:endParaRPr lang="en-US" altLang="zh-CN" dirty="0" smtClean="0"/>
+          </a:p>
+          <a:p>
+            <a:r>
+              <a:rPr lang="zh-CN" altLang="en-US" dirty="0" smtClean="0"/>
+              <a:t>工程方法使用</a:t>
+            </a:r>
+            <a:r>
+              <a:rPr lang="en-US" altLang="zh-CN" dirty="0" smtClean="0"/>
+              <a:t>pipeline</a:t>
+            </a:r>
+            <a:r>
+              <a:rPr lang="zh-CN" altLang="en-US" dirty="0" smtClean="0"/>
+              <a:t>，通过各种模块的预处理能得到较好性能。</a:t>
+            </a:r>
+            <a:endParaRPr lang="en-US" altLang="zh-CN" dirty="0" smtClean="0"/>
+          </a:p>
+          <a:p>
+            <a:r>
+              <a:rPr lang="zh-CN" altLang="en-US" dirty="0" smtClean="0"/>
+              <a:t>使用算法，基于大规模数据预训练的</a:t>
+            </a:r>
+            <a:r>
+              <a:rPr lang="en-US" altLang="zh-CN" dirty="0" smtClean="0"/>
+              <a:t>seq2seq</a:t>
+            </a:r>
+            <a:r>
+              <a:rPr lang="zh-CN" altLang="en-US" dirty="0" smtClean="0"/>
+              <a:t>方法，再加上</a:t>
+            </a:r>
+            <a:r>
+              <a:rPr lang="en-US" altLang="zh-CN" dirty="0" smtClean="0"/>
+              <a:t>LM</a:t>
+            </a:r>
+            <a:r>
+              <a:rPr lang="zh-CN" altLang="en-US" dirty="0" smtClean="0"/>
+              <a:t>等特征，能够达到较好性能。</a:t>
+            </a:r>
+            <a:endParaRPr lang="en-US" altLang="zh-CN" dirty="0" smtClean="0"/>
+          </a:p>
+        </p:txBody>
+      </p:sp>
+    </p:spTree>
+    <p:extLst>
+      <p:ext uri="{BB962C8B-B14F-4D97-AF65-F5344CB8AC3E}">
+        <p14:creationId xmlns:p14="http://schemas.microsoft.com/office/powerpoint/2010/main" val="1824481968"/>
       </p:ext>
     </p:extLst>
   </p:cSld>
@@ -3455,8 +8433,40 @@
           </a:p>
           <a:p>
             <a:r>
+              <a:rPr lang="zh-CN" altLang="en-US" dirty="0" smtClean="0"/>
+              <a:t>自动</a:t>
+            </a:r>
+            <a:r>
+              <a:rPr lang="zh-CN" altLang="en-US" dirty="0" smtClean="0"/>
+              <a:t>纠正书面文本中的各种错误</a:t>
+            </a:r>
+            <a:r>
+              <a:rPr lang="zh-CN" altLang="en-US" dirty="0" smtClean="0"/>
+              <a:t>，</a:t>
+            </a:r>
+            <a:r>
               <a:rPr lang="zh-CN" altLang="en-US" dirty="0"/>
-              <a:t>自动对文章进行评分，将极大地促进第二语言学习者的理解。</a:t>
+              <a:t>将极</a:t>
+            </a:r>
+            <a:r>
+              <a:rPr lang="zh-CN" altLang="en-US" dirty="0" smtClean="0"/>
+              <a:t>大地</a:t>
+            </a:r>
+            <a:r>
+              <a:rPr lang="zh-CN" altLang="en-US" dirty="0"/>
+              <a:t>降低</a:t>
+            </a:r>
+            <a:r>
+              <a:rPr lang="zh-CN" altLang="en-US" dirty="0" smtClean="0"/>
+              <a:t>第二语言</a:t>
+            </a:r>
+            <a:r>
+              <a:rPr lang="zh-CN" altLang="en-US" dirty="0"/>
+              <a:t>学习</a:t>
+            </a:r>
+            <a:r>
+              <a:rPr lang="zh-CN" altLang="en-US" dirty="0" smtClean="0"/>
+              <a:t>者的学习难度。</a:t>
             </a:r>
             <a:endParaRPr lang="en-US" altLang="zh-CN" dirty="0"/>
           </a:p>
@@ -3466,7 +8476,15 @@
           <a:p>
             <a:r>
               <a:rPr lang="zh-CN" altLang="en-US" dirty="0"/>
-              <a:t>所以开发能够自动纠正书面文本中各种错误的系统是十分必要且有意义的。</a:t>
+              <a:t>所以</a:t>
+            </a:r>
+            <a:r>
+              <a:rPr lang="zh-CN" altLang="en-US" dirty="0" smtClean="0"/>
+              <a:t>开发和改进智能纠错的</a:t>
+            </a:r>
+            <a:r>
+              <a:rPr lang="zh-CN" altLang="en-US" dirty="0"/>
+              <a:t>系统是十分必要且有意义的。</a:t>
             </a:r>
             <a:endParaRPr lang="en-US" altLang="zh-CN" dirty="0"/>
           </a:p>
@@ -3526,6 +8544,10 @@
           <a:bodyPr/>
           <a:lstStyle/>
           <a:p>
+            <a:r>
+              <a:rPr lang="zh-CN" altLang="en-US" dirty="0" smtClean="0"/>
+              <a:t>纠错任务</a:t>
+            </a:r>
             <a:endParaRPr lang="zh-CN" altLang="en-US" dirty="0"/>
           </a:p>
         </p:txBody>
@@ -3551,7 +8573,59 @@
           <a:bodyPr/>
           <a:lstStyle/>
           <a:p>
-            <a:endParaRPr lang="zh-CN" altLang="en-US"/>
+            <a:r>
+              <a:rPr lang="zh-CN" altLang="en-US" dirty="0" smtClean="0"/>
+              <a:t>在日常写作过程中，</a:t>
+            </a:r>
+            <a:r>
+              <a:rPr lang="zh-CN" altLang="en-US" dirty="0"/>
+              <a:t>由于文字在声音，形状或含义等方面的相似性，总会出现拼写或者语法等不同类型的</a:t>
+            </a:r>
+            <a:r>
+              <a:rPr lang="zh-CN" altLang="en-US" dirty="0" smtClean="0"/>
+              <a:t>错误。</a:t>
+            </a:r>
+            <a:endParaRPr lang="en-US" altLang="zh-CN" dirty="0" smtClean="0"/>
+          </a:p>
+          <a:p>
+            <a:endParaRPr lang="en-US" altLang="zh-CN" dirty="0"/>
+          </a:p>
+          <a:p>
+            <a:r>
+              <a:rPr lang="zh-CN" altLang="en-US" dirty="0"/>
+              <a:t>自动纠正书面文本中各种错误的任务统称为语法错误纠正（</a:t>
+            </a:r>
+            <a:r>
+              <a:rPr lang="en-US" altLang="zh-CN" dirty="0"/>
+              <a:t>Grammatical Error Correction, GEC</a:t>
+            </a:r>
+            <a:r>
+              <a:rPr lang="zh-CN" altLang="en-US" dirty="0"/>
+              <a:t>）</a:t>
+            </a:r>
+            <a:endParaRPr lang="en-US" altLang="zh-CN" dirty="0" smtClean="0"/>
+          </a:p>
+          <a:p>
+            <a:endParaRPr lang="en-US" altLang="zh-CN" dirty="0" smtClean="0"/>
+          </a:p>
+          <a:p>
+            <a:r>
+              <a:rPr lang="zh-CN" altLang="en-US" dirty="0"/>
+              <a:t>文本的</a:t>
+            </a:r>
+            <a:r>
+              <a:rPr lang="zh-CN" altLang="en-US" dirty="0" smtClean="0"/>
+              <a:t>错误一般包括</a:t>
+            </a:r>
+            <a:r>
+              <a:rPr lang="zh-CN" altLang="en-US" dirty="0"/>
+              <a:t>语法错误和单词的拼写</a:t>
+            </a:r>
+            <a:r>
+              <a:rPr lang="zh-CN" altLang="en-US" dirty="0" smtClean="0"/>
+              <a:t>错误。</a:t>
+            </a:r>
+            <a:endParaRPr lang="zh-CN" altLang="en-US" dirty="0"/>
           </a:p>
         </p:txBody>
       </p:sp>
@@ -3565,13 +8639,2170 @@
   <p:clrMapOvr>
     <a:masterClrMapping/>
   </p:clrMapOvr>
+  <p:timing>
+    <p:tnLst>
+      <p:par>
+        <p:cTn id="1" dur="indefinite" restart="never" nodeType="tmRoot"/>
+      </p:par>
+    </p:tnLst>
+  </p:timing>
+</p:sld>
+</file>
+
+<file path=ppt/slides/slide4.xml><?xml version="1.0" encoding="utf-8"?>
+<p:sld xmlns:a="http://schemas.openxmlformats.org/drawingml/2006/main" xmlns:r="http://schemas.openxmlformats.org/officeDocument/2006/relationships" xmlns:p="http://schemas.openxmlformats.org/presentationml/2006/main">
+  <p:cSld>
+    <p:spTree>
+      <p:nvGrpSpPr>
+        <p:cNvPr id="1" name=""/>
+        <p:cNvGrpSpPr/>
+        <p:nvPr/>
+      </p:nvGrpSpPr>
+      <p:grpSpPr>
+        <a:xfrm>
+          <a:off x="0" y="0"/>
+          <a:ext cx="0" cy="0"/>
+          <a:chOff x="0" y="0"/>
+          <a:chExt cx="0" cy="0"/>
+        </a:xfrm>
+      </p:grpSpPr>
+      <p:sp>
+        <p:nvSpPr>
+          <p:cNvPr id="2" name="标题 1"/>
+          <p:cNvSpPr>
+            <a:spLocks noGrp="1"/>
+          </p:cNvSpPr>
+          <p:nvPr>
+            <p:ph type="title"/>
+          </p:nvPr>
+        </p:nvSpPr>
+        <p:spPr/>
+        <p:txBody>
+          <a:bodyPr/>
+          <a:lstStyle/>
+          <a:p>
+            <a:r>
+              <a:rPr lang="zh-CN" altLang="en-US" dirty="0" smtClean="0"/>
+              <a:t>英文纠错</a:t>
+            </a:r>
+            <a:endParaRPr lang="zh-CN" altLang="en-US" dirty="0"/>
+          </a:p>
+        </p:txBody>
+      </p:sp>
+      <p:sp>
+        <p:nvSpPr>
+          <p:cNvPr id="3" name="内容占位符 2"/>
+          <p:cNvSpPr>
+            <a:spLocks noGrp="1"/>
+          </p:cNvSpPr>
+          <p:nvPr>
+            <p:ph idx="1"/>
+          </p:nvPr>
+        </p:nvSpPr>
+        <p:spPr/>
+        <p:txBody>
+          <a:bodyPr/>
+          <a:lstStyle/>
+          <a:p>
+            <a:r>
+              <a:rPr lang="zh-CN" altLang="en-US" dirty="0" smtClean="0"/>
+              <a:t>英文单词的拼写错误分为</a:t>
+            </a:r>
+            <a:r>
+              <a:rPr lang="en-US" altLang="zh-CN" dirty="0" smtClean="0"/>
+              <a:t>non-word error</a:t>
+            </a:r>
+            <a:r>
+              <a:rPr lang="zh-CN" altLang="en-US" dirty="0" smtClean="0"/>
+              <a:t>（单词不在字典中，如</a:t>
+            </a:r>
+            <a:r>
+              <a:rPr lang="en-US" altLang="zh-CN" dirty="0" err="1" smtClean="0"/>
+              <a:t>helo</a:t>
+            </a:r>
+            <a:r>
+              <a:rPr lang="zh-CN" altLang="en-US" dirty="0" smtClean="0"/>
+              <a:t>）和</a:t>
+            </a:r>
+            <a:r>
+              <a:rPr lang="en-US" altLang="zh-CN" dirty="0" smtClean="0"/>
+              <a:t>real-word error</a:t>
+            </a:r>
+            <a:r>
+              <a:rPr lang="zh-CN" altLang="en-US" dirty="0" smtClean="0"/>
+              <a:t>（用错单词，如</a:t>
+            </a:r>
+            <a:r>
+              <a:rPr lang="en-US" altLang="zh-CN" dirty="0" smtClean="0"/>
+              <a:t>there-three</a:t>
+            </a:r>
+            <a:r>
+              <a:rPr lang="zh-CN" altLang="en-US" dirty="0" smtClean="0"/>
+              <a:t>）。</a:t>
+            </a:r>
+            <a:endParaRPr lang="en-US" altLang="zh-CN" dirty="0" smtClean="0"/>
+          </a:p>
+          <a:p>
+            <a:r>
+              <a:rPr lang="zh-CN" altLang="en-US" dirty="0"/>
+              <a:t>语法</a:t>
+            </a:r>
+            <a:r>
+              <a:rPr lang="zh-CN" altLang="en-US" dirty="0" smtClean="0"/>
+              <a:t>错误有冠词或限定词错误，介词错误，动词形式，主谓一致等。</a:t>
+            </a:r>
+            <a:endParaRPr lang="en-US" altLang="zh-CN" dirty="0" smtClean="0"/>
+          </a:p>
+          <a:p>
+            <a:endParaRPr lang="en-US" altLang="zh-CN" dirty="0" smtClean="0"/>
+          </a:p>
+          <a:p>
+            <a:r>
+              <a:rPr lang="zh-CN" altLang="en-US" dirty="0" smtClean="0"/>
+              <a:t>英文纠错的发展较早，自</a:t>
+            </a:r>
+            <a:r>
+              <a:rPr lang="en-US" altLang="zh-CN" dirty="0" smtClean="0"/>
+              <a:t>2011</a:t>
+            </a:r>
+            <a:r>
+              <a:rPr lang="zh-CN" altLang="en-US" dirty="0" smtClean="0"/>
+              <a:t>年</a:t>
+            </a:r>
+            <a:r>
+              <a:rPr lang="en-US" altLang="zh-CN" dirty="0" smtClean="0"/>
+              <a:t>HOO</a:t>
+            </a:r>
+            <a:r>
+              <a:rPr lang="zh-CN" altLang="en-US" dirty="0" smtClean="0"/>
+              <a:t>共享任务的提出，越来越多的研究人员开始进行</a:t>
+            </a:r>
+            <a:r>
+              <a:rPr lang="en-US" altLang="zh-CN" dirty="0" smtClean="0"/>
+              <a:t>GEC</a:t>
+            </a:r>
+            <a:r>
+              <a:rPr lang="zh-CN" altLang="en-US" dirty="0" smtClean="0"/>
+              <a:t>的相关研究。</a:t>
+            </a:r>
+            <a:endParaRPr lang="en-US" altLang="zh-CN" dirty="0" smtClean="0"/>
+          </a:p>
+          <a:p>
+            <a:r>
+              <a:rPr lang="zh-CN" altLang="en-US" dirty="0" smtClean="0"/>
+              <a:t>纠错的方法也从最开始的</a:t>
+            </a:r>
+            <a:r>
+              <a:rPr lang="en-US" altLang="zh-CN" dirty="0" smtClean="0"/>
+              <a:t>Rule-based</a:t>
+            </a:r>
+            <a:r>
+              <a:rPr lang="zh-CN" altLang="en-US" dirty="0" smtClean="0"/>
+              <a:t>和</a:t>
+            </a:r>
+            <a:r>
+              <a:rPr lang="en-US" altLang="zh-CN" dirty="0" smtClean="0"/>
+              <a:t>Classification</a:t>
+            </a:r>
+            <a:r>
+              <a:rPr lang="zh-CN" altLang="en-US" dirty="0" smtClean="0"/>
+              <a:t>，到现在能够达到</a:t>
+            </a:r>
+            <a:r>
+              <a:rPr lang="en-US" altLang="zh-CN" dirty="0" smtClean="0"/>
+              <a:t>SOTA</a:t>
+            </a:r>
+            <a:r>
+              <a:rPr lang="zh-CN" altLang="en-US" dirty="0" smtClean="0"/>
+              <a:t>的</a:t>
+            </a:r>
+            <a:r>
+              <a:rPr lang="en-US" altLang="zh-CN" dirty="0" smtClean="0"/>
+              <a:t>SMT</a:t>
+            </a:r>
+            <a:r>
+              <a:rPr lang="zh-CN" altLang="en-US" dirty="0" smtClean="0"/>
+              <a:t>和</a:t>
+            </a:r>
+            <a:r>
+              <a:rPr lang="en-US" altLang="zh-CN" dirty="0" smtClean="0"/>
+              <a:t>NMT</a:t>
+            </a:r>
+            <a:r>
+              <a:rPr lang="zh-CN" altLang="en-US" dirty="0" smtClean="0"/>
+              <a:t>。</a:t>
+            </a:r>
+            <a:endParaRPr lang="en-US" altLang="zh-CN" dirty="0" smtClean="0"/>
+          </a:p>
+          <a:p>
+            <a:endParaRPr lang="zh-CN" altLang="en-US" dirty="0"/>
+          </a:p>
+        </p:txBody>
+      </p:sp>
+    </p:spTree>
+    <p:extLst>
+      <p:ext uri="{BB962C8B-B14F-4D97-AF65-F5344CB8AC3E}">
+        <p14:creationId xmlns:p14="http://schemas.microsoft.com/office/powerpoint/2010/main" val="963103356"/>
+      </p:ext>
+    </p:extLst>
+  </p:cSld>
+  <p:clrMapOvr>
+    <a:masterClrMapping/>
+  </p:clrMapOvr>
+  <p:timing>
+    <p:tnLst>
+      <p:par>
+        <p:cTn id="1" dur="indefinite" restart="never" nodeType="tmRoot"/>
+      </p:par>
+    </p:tnLst>
+  </p:timing>
+</p:sld>
+</file>
+
+<file path=ppt/slides/slide5.xml><?xml version="1.0" encoding="utf-8"?>
+<p:sld xmlns:a="http://schemas.openxmlformats.org/drawingml/2006/main" xmlns:r="http://schemas.openxmlformats.org/officeDocument/2006/relationships" xmlns:p="http://schemas.openxmlformats.org/presentationml/2006/main">
+  <p:cSld>
+    <p:spTree>
+      <p:nvGrpSpPr>
+        <p:cNvPr id="1" name=""/>
+        <p:cNvGrpSpPr/>
+        <p:nvPr/>
+      </p:nvGrpSpPr>
+      <p:grpSpPr>
+        <a:xfrm>
+          <a:off x="0" y="0"/>
+          <a:ext cx="0" cy="0"/>
+          <a:chOff x="0" y="0"/>
+          <a:chExt cx="0" cy="0"/>
+        </a:xfrm>
+      </p:grpSpPr>
+      <p:sp>
+        <p:nvSpPr>
+          <p:cNvPr id="2" name="标题 1"/>
+          <p:cNvSpPr>
+            <a:spLocks noGrp="1"/>
+          </p:cNvSpPr>
+          <p:nvPr>
+            <p:ph type="title"/>
+          </p:nvPr>
+        </p:nvSpPr>
+        <p:spPr/>
+        <p:txBody>
+          <a:bodyPr/>
+          <a:lstStyle/>
+          <a:p>
+            <a:r>
+              <a:rPr lang="zh-CN" altLang="en-US" dirty="0" smtClean="0"/>
+              <a:t>中英文差别</a:t>
+            </a:r>
+            <a:endParaRPr lang="zh-CN" altLang="en-US" dirty="0"/>
+          </a:p>
+        </p:txBody>
+      </p:sp>
+      <p:sp>
+        <p:nvSpPr>
+          <p:cNvPr id="3" name="内容占位符 2"/>
+          <p:cNvSpPr>
+            <a:spLocks noGrp="1"/>
+          </p:cNvSpPr>
+          <p:nvPr>
+            <p:ph idx="1"/>
+          </p:nvPr>
+        </p:nvSpPr>
+        <p:spPr/>
+        <p:txBody>
+          <a:bodyPr/>
+          <a:lstStyle/>
+          <a:p>
+            <a:r>
+              <a:rPr lang="zh-CN" altLang="en-US" dirty="0" smtClean="0"/>
+              <a:t>中文与英文或其他字母语言有很大的不同</a:t>
+            </a:r>
+            <a:endParaRPr lang="en-US" altLang="zh-CN" dirty="0" smtClean="0"/>
+          </a:p>
+          <a:p>
+            <a:pPr lvl="1"/>
+            <a:r>
+              <a:rPr lang="zh-CN" altLang="en-US" dirty="0" smtClean="0"/>
+              <a:t>中文单词之间没有分隔符</a:t>
+            </a:r>
+            <a:endParaRPr lang="en-US" altLang="zh-CN" dirty="0" smtClean="0"/>
+          </a:p>
+          <a:p>
+            <a:pPr lvl="1"/>
+            <a:r>
+              <a:rPr lang="zh-CN" altLang="en-US" dirty="0" smtClean="0"/>
+              <a:t>汉字数量有一定的上限，共有十万多个，约</a:t>
+            </a:r>
+            <a:r>
+              <a:rPr lang="en-US" altLang="zh-CN" dirty="0" smtClean="0"/>
+              <a:t>3500</a:t>
+            </a:r>
+            <a:r>
+              <a:rPr lang="zh-CN" altLang="en-US" dirty="0" smtClean="0"/>
+              <a:t>个是常用汉字</a:t>
+            </a:r>
+            <a:endParaRPr lang="en-US" altLang="zh-CN" dirty="0" smtClean="0"/>
+          </a:p>
+          <a:p>
+            <a:pPr lvl="1"/>
+            <a:r>
+              <a:rPr lang="zh-CN" altLang="en-US" dirty="0"/>
+              <a:t>许多汉字有相似的形状和相似的</a:t>
+            </a:r>
+            <a:r>
+              <a:rPr lang="zh-CN" altLang="en-US" dirty="0" smtClean="0"/>
+              <a:t>发音</a:t>
+            </a:r>
+            <a:endParaRPr lang="en-US" altLang="zh-CN" dirty="0" smtClean="0"/>
+          </a:p>
+          <a:p>
+            <a:pPr lvl="1"/>
+            <a:r>
+              <a:rPr lang="zh-CN" altLang="en-US" dirty="0" smtClean="0"/>
+              <a:t>与字母不同，汉字的每个</a:t>
+            </a:r>
+            <a:r>
+              <a:rPr lang="zh-CN" altLang="en-US" dirty="0"/>
+              <a:t>字符都有一个</a:t>
+            </a:r>
+            <a:r>
+              <a:rPr lang="zh-CN" altLang="en-US" dirty="0" smtClean="0"/>
+              <a:t>含义</a:t>
+            </a:r>
+            <a:endParaRPr lang="en-US" altLang="zh-CN" dirty="0" smtClean="0"/>
+          </a:p>
+          <a:p>
+            <a:pPr lvl="1"/>
+            <a:r>
+              <a:rPr lang="zh-CN" altLang="en-US" dirty="0"/>
+              <a:t>单词的长度通常很短</a:t>
+            </a:r>
+            <a:r>
+              <a:rPr lang="zh-CN" altLang="en-US" dirty="0" smtClean="0"/>
+              <a:t>，通常从</a:t>
+            </a:r>
+            <a:r>
+              <a:rPr lang="zh-CN" altLang="en-US" dirty="0"/>
+              <a:t>一个字符到四个字符</a:t>
+            </a:r>
+            <a:r>
+              <a:rPr lang="zh-CN" altLang="en-US" dirty="0" smtClean="0"/>
+              <a:t>不等</a:t>
+            </a:r>
+            <a:endParaRPr lang="en-US" altLang="zh-CN" dirty="0" smtClean="0"/>
+          </a:p>
+          <a:p>
+            <a:pPr lvl="1"/>
+            <a:r>
+              <a:rPr lang="zh-CN" altLang="en-US" dirty="0"/>
+              <a:t>相同的字符或单词有时会属于不同的词性</a:t>
+            </a:r>
+            <a:endParaRPr lang="zh-CN" altLang="en-US" dirty="0"/>
+          </a:p>
+        </p:txBody>
+      </p:sp>
+    </p:spTree>
+    <p:extLst>
+      <p:ext uri="{BB962C8B-B14F-4D97-AF65-F5344CB8AC3E}">
+        <p14:creationId xmlns:p14="http://schemas.microsoft.com/office/powerpoint/2010/main" val="995156942"/>
+      </p:ext>
+    </p:extLst>
+  </p:cSld>
+  <p:clrMapOvr>
+    <a:masterClrMapping/>
+  </p:clrMapOvr>
+  <p:timing>
+    <p:tnLst>
+      <p:par>
+        <p:cTn id="1" dur="indefinite" restart="never" nodeType="tmRoot"/>
+      </p:par>
+    </p:tnLst>
+  </p:timing>
+</p:sld>
+</file>
+
+<file path=ppt/slides/slide6.xml><?xml version="1.0" encoding="utf-8"?>
+<p:sld xmlns:a="http://schemas.openxmlformats.org/drawingml/2006/main" xmlns:r="http://schemas.openxmlformats.org/officeDocument/2006/relationships" xmlns:p="http://schemas.openxmlformats.org/presentationml/2006/main">
+  <p:cSld>
+    <p:spTree>
+      <p:nvGrpSpPr>
+        <p:cNvPr id="1" name=""/>
+        <p:cNvGrpSpPr/>
+        <p:nvPr/>
+      </p:nvGrpSpPr>
+      <p:grpSpPr>
+        <a:xfrm>
+          <a:off x="0" y="0"/>
+          <a:ext cx="0" cy="0"/>
+          <a:chOff x="0" y="0"/>
+          <a:chExt cx="0" cy="0"/>
+        </a:xfrm>
+      </p:grpSpPr>
+      <p:sp>
+        <p:nvSpPr>
+          <p:cNvPr id="2" name="标题 1"/>
+          <p:cNvSpPr>
+            <a:spLocks noGrp="1"/>
+          </p:cNvSpPr>
+          <p:nvPr>
+            <p:ph type="title"/>
+          </p:nvPr>
+        </p:nvSpPr>
+        <p:spPr/>
+        <p:txBody>
+          <a:bodyPr/>
+          <a:lstStyle/>
+          <a:p>
+            <a:r>
+              <a:rPr lang="zh-CN" altLang="en-US" dirty="0" smtClean="0"/>
+              <a:t>中文纠错</a:t>
+            </a:r>
+            <a:endParaRPr lang="zh-CN" altLang="en-US" dirty="0"/>
+          </a:p>
+        </p:txBody>
+      </p:sp>
+      <p:sp>
+        <p:nvSpPr>
+          <p:cNvPr id="3" name="内容占位符 2"/>
+          <p:cNvSpPr>
+            <a:spLocks noGrp="1"/>
+          </p:cNvSpPr>
+          <p:nvPr>
+            <p:ph idx="1"/>
+          </p:nvPr>
+        </p:nvSpPr>
+        <p:spPr/>
+        <p:txBody>
+          <a:bodyPr/>
+          <a:lstStyle/>
+          <a:p>
+            <a:r>
+              <a:rPr lang="zh-CN" altLang="en-US" dirty="0" smtClean="0"/>
+              <a:t>中文纠错可以分为中文拼写检查（</a:t>
+            </a:r>
+            <a:r>
+              <a:rPr lang="en-US" altLang="zh-CN" dirty="0" smtClean="0"/>
+              <a:t>CSC</a:t>
+            </a:r>
+            <a:r>
+              <a:rPr lang="zh-CN" altLang="en-US" dirty="0" smtClean="0"/>
+              <a:t>）和语法错误纠正（</a:t>
+            </a:r>
+            <a:r>
+              <a:rPr lang="en-US" altLang="zh-CN" dirty="0" smtClean="0"/>
+              <a:t>GEC</a:t>
+            </a:r>
+            <a:r>
+              <a:rPr lang="zh-CN" altLang="en-US" dirty="0" smtClean="0"/>
+              <a:t>），中文纠错发展相对较慢</a:t>
+            </a:r>
+            <a:endParaRPr lang="en-US" altLang="zh-CN" dirty="0" smtClean="0"/>
+          </a:p>
+          <a:p>
+            <a:pPr lvl="1"/>
+            <a:r>
+              <a:rPr lang="zh-CN" altLang="en-US" dirty="0" smtClean="0"/>
+              <a:t>大多数拼写</a:t>
+            </a:r>
+            <a:r>
+              <a:rPr lang="zh-CN" altLang="en-US" dirty="0"/>
+              <a:t>错误是由音位相似、视觉相似和语义混乱的字符引起</a:t>
+            </a:r>
+            <a:r>
+              <a:rPr lang="zh-CN" altLang="en-US" dirty="0" smtClean="0"/>
+              <a:t>的</a:t>
+            </a:r>
+            <a:endParaRPr lang="en-US" altLang="zh-CN" dirty="0" smtClean="0"/>
+          </a:p>
+          <a:p>
+            <a:pPr lvl="1"/>
+            <a:endParaRPr lang="en-US" altLang="zh-CN" dirty="0" smtClean="0"/>
+          </a:p>
+          <a:p>
+            <a:pPr lvl="1"/>
+            <a:r>
+              <a:rPr lang="zh-CN" altLang="en-US" dirty="0" smtClean="0"/>
+              <a:t>因为</a:t>
+            </a:r>
+            <a:r>
+              <a:rPr lang="zh-CN" altLang="en-US" dirty="0"/>
+              <a:t>中文的每个字符都有一个含义，所以拼写检查必须建立在上下文中，而不是在很少的单词中</a:t>
+            </a:r>
+            <a:r>
+              <a:rPr lang="zh-CN" altLang="en-US" dirty="0" smtClean="0"/>
+              <a:t>进行</a:t>
+            </a:r>
+            <a:endParaRPr lang="en-US" altLang="zh-CN" dirty="0" smtClean="0"/>
+          </a:p>
+          <a:p>
+            <a:pPr lvl="1"/>
+            <a:endParaRPr lang="en-US" altLang="zh-CN" dirty="0" smtClean="0"/>
+          </a:p>
+          <a:p>
+            <a:pPr lvl="1"/>
+            <a:r>
+              <a:rPr lang="en-US" altLang="zh-CN" dirty="0" smtClean="0"/>
+              <a:t>GEC</a:t>
+            </a:r>
+            <a:r>
+              <a:rPr lang="zh-CN" altLang="en-US" dirty="0" smtClean="0"/>
+              <a:t>中常见</a:t>
+            </a:r>
+            <a:r>
+              <a:rPr lang="zh-CN" altLang="en-US" dirty="0"/>
+              <a:t>错误类型：</a:t>
+            </a:r>
+            <a:r>
+              <a:rPr lang="en-US" altLang="zh-CN" dirty="0"/>
+              <a:t>redundant words</a:t>
+            </a:r>
+            <a:r>
+              <a:rPr lang="zh-CN" altLang="en-US" dirty="0"/>
+              <a:t>，</a:t>
+            </a:r>
+            <a:r>
+              <a:rPr lang="en-US" altLang="zh-CN" dirty="0"/>
+              <a:t>missing words</a:t>
+            </a:r>
+            <a:r>
+              <a:rPr lang="zh-CN" altLang="en-US" dirty="0"/>
+              <a:t>，</a:t>
+            </a:r>
+            <a:r>
+              <a:rPr lang="en-US" altLang="zh-CN" dirty="0"/>
+              <a:t>word selection </a:t>
+            </a:r>
+            <a:r>
+              <a:rPr lang="en-US" altLang="zh-CN" dirty="0" err="1"/>
+              <a:t>erors</a:t>
+            </a:r>
+            <a:r>
+              <a:rPr lang="zh-CN" altLang="en-US" dirty="0"/>
+              <a:t>，</a:t>
+            </a:r>
+            <a:r>
+              <a:rPr lang="en-US" altLang="zh-CN" dirty="0"/>
+              <a:t>word ordering errors</a:t>
+            </a:r>
+          </a:p>
+          <a:p>
+            <a:pPr lvl="1"/>
+            <a:endParaRPr lang="en-US" altLang="zh-CN" dirty="0"/>
+          </a:p>
+        </p:txBody>
+      </p:sp>
+    </p:spTree>
+    <p:extLst>
+      <p:ext uri="{BB962C8B-B14F-4D97-AF65-F5344CB8AC3E}">
+        <p14:creationId xmlns:p14="http://schemas.microsoft.com/office/powerpoint/2010/main" val="3834080455"/>
+      </p:ext>
+    </p:extLst>
+  </p:cSld>
+  <p:clrMapOvr>
+    <a:masterClrMapping/>
+  </p:clrMapOvr>
+  <p:timing>
+    <p:tnLst>
+      <p:par>
+        <p:cTn id="1" dur="indefinite" restart="never" nodeType="tmRoot"/>
+      </p:par>
+    </p:tnLst>
+  </p:timing>
+</p:sld>
+</file>
+
+<file path=ppt/slides/slide7.xml><?xml version="1.0" encoding="utf-8"?>
+<p:sld xmlns:a="http://schemas.openxmlformats.org/drawingml/2006/main" xmlns:r="http://schemas.openxmlformats.org/officeDocument/2006/relationships" xmlns:p="http://schemas.openxmlformats.org/presentationml/2006/main">
+  <p:cSld>
+    <p:spTree>
+      <p:nvGrpSpPr>
+        <p:cNvPr id="1" name=""/>
+        <p:cNvGrpSpPr/>
+        <p:nvPr/>
+      </p:nvGrpSpPr>
+      <p:grpSpPr>
+        <a:xfrm>
+          <a:off x="0" y="0"/>
+          <a:ext cx="0" cy="0"/>
+          <a:chOff x="0" y="0"/>
+          <a:chExt cx="0" cy="0"/>
+        </a:xfrm>
+      </p:grpSpPr>
+      <p:sp>
+        <p:nvSpPr>
+          <p:cNvPr id="2" name="标题 1"/>
+          <p:cNvSpPr>
+            <a:spLocks noGrp="1"/>
+          </p:cNvSpPr>
+          <p:nvPr>
+            <p:ph type="title"/>
+          </p:nvPr>
+        </p:nvSpPr>
+        <p:spPr>
+          <a:xfrm>
+            <a:off x="2358458" y="293360"/>
+            <a:ext cx="7729728" cy="1339366"/>
+          </a:xfrm>
+        </p:spPr>
+        <p:txBody>
+          <a:bodyPr/>
+          <a:lstStyle/>
+          <a:p>
+            <a:r>
+              <a:rPr lang="zh-CN" altLang="en-US" dirty="0" smtClean="0"/>
+              <a:t>中文纠错相关</a:t>
+            </a:r>
+            <a:r>
+              <a:rPr lang="en-US" altLang="zh-CN" dirty="0" smtClean="0"/>
+              <a:t>Shared task</a:t>
+            </a:r>
+            <a:endParaRPr lang="zh-CN" altLang="en-US" dirty="0"/>
+          </a:p>
+        </p:txBody>
+      </p:sp>
+      <p:sp>
+        <p:nvSpPr>
+          <p:cNvPr id="3" name="内容占位符 2"/>
+          <p:cNvSpPr>
+            <a:spLocks noGrp="1"/>
+          </p:cNvSpPr>
+          <p:nvPr>
+            <p:ph idx="1"/>
+          </p:nvPr>
+        </p:nvSpPr>
+        <p:spPr>
+          <a:xfrm>
+            <a:off x="2358458" y="1966712"/>
+            <a:ext cx="7729728" cy="4630858"/>
+          </a:xfrm>
+        </p:spPr>
+        <p:txBody>
+          <a:bodyPr>
+            <a:normAutofit/>
+          </a:bodyPr>
+          <a:lstStyle/>
+          <a:p>
+            <a:r>
+              <a:rPr lang="en-US" altLang="zh-CN" dirty="0" smtClean="0"/>
+              <a:t>SIGHAN 2013-2015</a:t>
+            </a:r>
+          </a:p>
+          <a:p>
+            <a:pPr lvl="1"/>
+            <a:r>
+              <a:rPr lang="en-US" altLang="zh-CN" dirty="0" smtClean="0"/>
+              <a:t>SIGHAN 2013</a:t>
+            </a:r>
+            <a:r>
+              <a:rPr lang="zh-CN" altLang="en-US" dirty="0"/>
+              <a:t>第一次</a:t>
+            </a:r>
+            <a:r>
+              <a:rPr lang="zh-CN" altLang="en-US" dirty="0" smtClean="0"/>
+              <a:t>为</a:t>
+            </a:r>
+            <a:r>
+              <a:rPr lang="en-US" altLang="zh-CN" dirty="0" smtClean="0"/>
+              <a:t>CSC</a:t>
+            </a:r>
+            <a:r>
+              <a:rPr lang="zh-CN" altLang="en-US" dirty="0" smtClean="0"/>
+              <a:t>提供</a:t>
+            </a:r>
+            <a:r>
+              <a:rPr lang="zh-CN" altLang="en-US" dirty="0"/>
+              <a:t>数据集作为</a:t>
+            </a:r>
+            <a:r>
+              <a:rPr lang="en-US" altLang="zh-CN" dirty="0" smtClean="0"/>
+              <a:t>benchmark</a:t>
+            </a:r>
+            <a:r>
+              <a:rPr lang="zh-CN" altLang="en-US" dirty="0" smtClean="0"/>
+              <a:t>，该任务不关心语法错误。</a:t>
+            </a:r>
+            <a:endParaRPr lang="en-US" altLang="zh-CN" dirty="0" smtClean="0"/>
+          </a:p>
+          <a:p>
+            <a:pPr lvl="1"/>
+            <a:r>
+              <a:rPr lang="zh-CN" altLang="en-US" dirty="0" smtClean="0"/>
+              <a:t>虽然有了统一的数据集，但数量仍然较小，三次任务的训练集加测试集共有约</a:t>
+            </a:r>
+            <a:r>
+              <a:rPr lang="en-US" altLang="zh-CN" dirty="0" smtClean="0"/>
+              <a:t>3,000</a:t>
+            </a:r>
+            <a:r>
+              <a:rPr lang="zh-CN" altLang="en-US" dirty="0" smtClean="0"/>
+              <a:t>篇文章</a:t>
+            </a:r>
+            <a:endParaRPr lang="en-US" altLang="zh-CN" dirty="0" smtClean="0"/>
+          </a:p>
+          <a:p>
+            <a:r>
+              <a:rPr lang="en-US" altLang="zh-CN" dirty="0" smtClean="0"/>
+              <a:t>NLPTEA 2014-2019</a:t>
+            </a:r>
+          </a:p>
+          <a:p>
+            <a:pPr lvl="1"/>
+            <a:r>
+              <a:rPr lang="zh-CN" altLang="en-US" dirty="0" smtClean="0"/>
+              <a:t>（可能是第一个）关于汉语</a:t>
+            </a:r>
+            <a:r>
+              <a:rPr lang="en-US" altLang="zh-CN" dirty="0"/>
+              <a:t>GEC</a:t>
+            </a:r>
+            <a:r>
+              <a:rPr lang="zh-CN" altLang="en-US" dirty="0" smtClean="0"/>
+              <a:t>的任务</a:t>
+            </a:r>
+            <a:endParaRPr lang="en-US" altLang="zh-CN" dirty="0" smtClean="0"/>
+          </a:p>
+          <a:p>
+            <a:pPr lvl="1"/>
+            <a:r>
+              <a:rPr lang="zh-CN" altLang="en-US" dirty="0" smtClean="0"/>
+              <a:t>数据量加起来约</a:t>
+            </a:r>
+            <a:r>
+              <a:rPr lang="en-US" altLang="zh-CN" dirty="0" smtClean="0"/>
+              <a:t>50,000</a:t>
+            </a:r>
+            <a:r>
+              <a:rPr lang="zh-CN" altLang="en-US" dirty="0" smtClean="0"/>
+              <a:t>条句子</a:t>
+            </a:r>
+            <a:endParaRPr lang="en-US" altLang="zh-CN" dirty="0" smtClean="0"/>
+          </a:p>
+          <a:p>
+            <a:pPr lvl="1"/>
+            <a:r>
+              <a:rPr lang="zh-CN" altLang="en-US" dirty="0"/>
+              <a:t>更偏向</a:t>
+            </a:r>
+            <a:r>
+              <a:rPr lang="zh-CN" altLang="en-US" dirty="0" smtClean="0"/>
+              <a:t>于错误检测</a:t>
+            </a:r>
+            <a:endParaRPr lang="en-US" altLang="zh-CN" dirty="0" smtClean="0"/>
+          </a:p>
+          <a:p>
+            <a:r>
+              <a:rPr lang="en-US" altLang="zh-CN" dirty="0" smtClean="0"/>
+              <a:t>NLPCC 2018</a:t>
+            </a:r>
+          </a:p>
+          <a:p>
+            <a:pPr lvl="1"/>
+            <a:r>
+              <a:rPr lang="zh-CN" altLang="en-US" dirty="0" smtClean="0"/>
+              <a:t>（自称第一个</a:t>
+            </a:r>
+            <a:r>
+              <a:rPr lang="zh-CN" altLang="en-US" dirty="0"/>
+              <a:t>面向普通话</a:t>
+            </a:r>
+            <a:r>
+              <a:rPr lang="zh-CN" altLang="en-US" dirty="0" smtClean="0"/>
+              <a:t>的</a:t>
+            </a:r>
+            <a:r>
+              <a:rPr lang="en-US" altLang="zh-CN" dirty="0" smtClean="0"/>
+              <a:t>GEC</a:t>
+            </a:r>
+            <a:r>
+              <a:rPr lang="zh-CN" altLang="en-US" dirty="0" smtClean="0"/>
+              <a:t>共享</a:t>
+            </a:r>
+            <a:r>
+              <a:rPr lang="zh-CN" altLang="en-US" dirty="0"/>
+              <a:t>任务</a:t>
+            </a:r>
+            <a:r>
+              <a:rPr lang="zh-CN" altLang="en-US" dirty="0" smtClean="0"/>
+              <a:t>）</a:t>
+            </a:r>
+            <a:endParaRPr lang="en-US" altLang="zh-CN" dirty="0" smtClean="0"/>
+          </a:p>
+          <a:p>
+            <a:pPr lvl="1"/>
+            <a:r>
+              <a:rPr lang="zh-CN" altLang="en-US" dirty="0" smtClean="0"/>
+              <a:t>强调了错误纠正</a:t>
+            </a:r>
+            <a:endParaRPr lang="en-US" altLang="zh-CN" dirty="0" smtClean="0"/>
+          </a:p>
+          <a:p>
+            <a:pPr lvl="1"/>
+            <a:r>
+              <a:rPr lang="zh-CN" altLang="en-US" dirty="0" smtClean="0"/>
+              <a:t>数据量有七十万个句子</a:t>
+            </a:r>
+            <a:endParaRPr lang="en-US" altLang="zh-CN" dirty="0"/>
+          </a:p>
+        </p:txBody>
+      </p:sp>
+    </p:spTree>
+    <p:extLst>
+      <p:ext uri="{BB962C8B-B14F-4D97-AF65-F5344CB8AC3E}">
+        <p14:creationId xmlns:p14="http://schemas.microsoft.com/office/powerpoint/2010/main" val="4147159890"/>
+      </p:ext>
+    </p:extLst>
+  </p:cSld>
+  <p:clrMapOvr>
+    <a:masterClrMapping/>
+  </p:clrMapOvr>
+  <p:timing>
+    <p:tnLst>
+      <p:par>
+        <p:cTn id="1" dur="indefinite" restart="never" nodeType="tmRoot"/>
+      </p:par>
+    </p:tnLst>
+  </p:timing>
+</p:sld>
+</file>
+
+<file path=ppt/slides/slide8.xml><?xml version="1.0" encoding="utf-8"?>
+<p:sld xmlns:a="http://schemas.openxmlformats.org/drawingml/2006/main" xmlns:r="http://schemas.openxmlformats.org/officeDocument/2006/relationships" xmlns:p="http://schemas.openxmlformats.org/presentationml/2006/main">
+  <p:cSld>
+    <p:spTree>
+      <p:nvGrpSpPr>
+        <p:cNvPr id="1" name=""/>
+        <p:cNvGrpSpPr/>
+        <p:nvPr/>
+      </p:nvGrpSpPr>
+      <p:grpSpPr>
+        <a:xfrm>
+          <a:off x="0" y="0"/>
+          <a:ext cx="0" cy="0"/>
+          <a:chOff x="0" y="0"/>
+          <a:chExt cx="0" cy="0"/>
+        </a:xfrm>
+      </p:grpSpPr>
+      <p:sp>
+        <p:nvSpPr>
+          <p:cNvPr id="2" name="标题 1"/>
+          <p:cNvSpPr>
+            <a:spLocks noGrp="1"/>
+          </p:cNvSpPr>
+          <p:nvPr>
+            <p:ph type="title"/>
+          </p:nvPr>
+        </p:nvSpPr>
+        <p:spPr/>
+        <p:txBody>
+          <a:bodyPr/>
+          <a:lstStyle/>
+          <a:p>
+            <a:r>
+              <a:rPr lang="zh-CN" altLang="en-US" dirty="0" smtClean="0"/>
+              <a:t>纠错评价指标</a:t>
+            </a:r>
+            <a:endParaRPr lang="zh-CN" altLang="en-US" dirty="0"/>
+          </a:p>
+        </p:txBody>
+      </p:sp>
+      <p:sp>
+        <p:nvSpPr>
+          <p:cNvPr id="3" name="内容占位符 2"/>
+          <p:cNvSpPr>
+            <a:spLocks noGrp="1"/>
+          </p:cNvSpPr>
+          <p:nvPr>
+            <p:ph idx="1"/>
+          </p:nvPr>
+        </p:nvSpPr>
+        <p:spPr/>
+        <p:txBody>
+          <a:bodyPr/>
+          <a:lstStyle/>
+          <a:p>
+            <a:r>
+              <a:rPr lang="en-US" altLang="zh-CN" dirty="0" smtClean="0"/>
+              <a:t>Precision</a:t>
+            </a:r>
+          </a:p>
+          <a:p>
+            <a:r>
+              <a:rPr lang="en-US" altLang="zh-CN" dirty="0" smtClean="0"/>
+              <a:t>Recall</a:t>
+            </a:r>
+          </a:p>
+          <a:p>
+            <a:r>
+              <a:rPr lang="en-US" altLang="zh-CN" dirty="0" smtClean="0"/>
+              <a:t>F value</a:t>
+            </a:r>
+          </a:p>
+          <a:p>
+            <a:r>
+              <a:rPr lang="zh-CN" altLang="en-US" dirty="0" smtClean="0"/>
+              <a:t>常用 </a:t>
+            </a:r>
+            <a:r>
+              <a:rPr lang="en-US" altLang="zh-CN" dirty="0" smtClean="0"/>
+              <a:t>F1 = Precision * Recall * 2 / (Precision + Recall)</a:t>
+            </a:r>
+          </a:p>
+          <a:p>
+            <a:r>
+              <a:rPr lang="zh-CN" altLang="en-US" dirty="0" smtClean="0"/>
+              <a:t>或为了强调精度的权重使用 </a:t>
+            </a:r>
+            <a:r>
+              <a:rPr lang="en-US" altLang="zh-CN" dirty="0" smtClean="0"/>
+              <a:t>F0.5 = </a:t>
+            </a:r>
+          </a:p>
+          <a:p>
+            <a:r>
+              <a:rPr lang="zh-CN" altLang="en-US" dirty="0" smtClean="0"/>
+              <a:t>在不同</a:t>
+            </a:r>
+            <a:r>
+              <a:rPr lang="en-US" altLang="zh-CN" dirty="0" smtClean="0"/>
+              <a:t>benchmark</a:t>
+            </a:r>
+            <a:r>
+              <a:rPr lang="zh-CN" altLang="en-US" dirty="0" smtClean="0"/>
+              <a:t>下，</a:t>
+            </a:r>
+            <a:r>
+              <a:rPr lang="en-US" altLang="zh-CN" dirty="0" smtClean="0"/>
+              <a:t>F1</a:t>
+            </a:r>
+            <a:r>
+              <a:rPr lang="zh-CN" altLang="en-US" dirty="0" smtClean="0"/>
+              <a:t>的最佳值差别较大</a:t>
+            </a:r>
+            <a:endParaRPr lang="zh-CN" altLang="en-US" dirty="0"/>
+          </a:p>
+        </p:txBody>
+      </p:sp>
+    </p:spTree>
+    <p:extLst>
+      <p:ext uri="{BB962C8B-B14F-4D97-AF65-F5344CB8AC3E}">
+        <p14:creationId xmlns:p14="http://schemas.microsoft.com/office/powerpoint/2010/main" val="2615919544"/>
+      </p:ext>
+    </p:extLst>
+  </p:cSld>
+  <p:clrMapOvr>
+    <a:masterClrMapping/>
+  </p:clrMapOvr>
+  <p:timing>
+    <p:tnLst>
+      <p:par>
+        <p:cTn id="1" dur="indefinite" restart="never" nodeType="tmRoot"/>
+      </p:par>
+    </p:tnLst>
+  </p:timing>
+</p:sld>
+</file>
+
+<file path=ppt/slides/slide9.xml><?xml version="1.0" encoding="utf-8"?>
+<p:sld xmlns:a="http://schemas.openxmlformats.org/drawingml/2006/main" xmlns:r="http://schemas.openxmlformats.org/officeDocument/2006/relationships" xmlns:p="http://schemas.openxmlformats.org/presentationml/2006/main">
+  <p:cSld>
+    <p:spTree>
+      <p:nvGrpSpPr>
+        <p:cNvPr id="1" name=""/>
+        <p:cNvGrpSpPr/>
+        <p:nvPr/>
+      </p:nvGrpSpPr>
+      <p:grpSpPr>
+        <a:xfrm>
+          <a:off x="0" y="0"/>
+          <a:ext cx="0" cy="0"/>
+          <a:chOff x="0" y="0"/>
+          <a:chExt cx="0" cy="0"/>
+        </a:xfrm>
+      </p:grpSpPr>
+      <p:sp>
+        <p:nvSpPr>
+          <p:cNvPr id="2" name="标题 1"/>
+          <p:cNvSpPr>
+            <a:spLocks noGrp="1"/>
+          </p:cNvSpPr>
+          <p:nvPr>
+            <p:ph type="title"/>
+          </p:nvPr>
+        </p:nvSpPr>
+        <p:spPr>
+          <a:xfrm>
+            <a:off x="668554" y="443831"/>
+            <a:ext cx="5361856" cy="1188720"/>
+          </a:xfrm>
+        </p:spPr>
+        <p:txBody>
+          <a:bodyPr/>
+          <a:lstStyle/>
+          <a:p>
+            <a:r>
+              <a:rPr lang="zh-CN" altLang="en-US" dirty="0" smtClean="0"/>
+              <a:t>中文纠错相关方法</a:t>
+            </a:r>
+            <a:endParaRPr lang="zh-CN" altLang="en-US" dirty="0"/>
+          </a:p>
+        </p:txBody>
+      </p:sp>
+      <p:sp>
+        <p:nvSpPr>
+          <p:cNvPr id="3" name="内容占位符 2"/>
+          <p:cNvSpPr>
+            <a:spLocks noGrp="1"/>
+          </p:cNvSpPr>
+          <p:nvPr>
+            <p:ph idx="1"/>
+          </p:nvPr>
+        </p:nvSpPr>
+        <p:spPr>
+          <a:xfrm>
+            <a:off x="668554" y="2117183"/>
+            <a:ext cx="5466028" cy="3101983"/>
+          </a:xfrm>
+        </p:spPr>
+        <p:txBody>
+          <a:bodyPr/>
+          <a:lstStyle/>
+          <a:p>
+            <a:r>
+              <a:rPr lang="en-US" altLang="zh-CN" dirty="0" smtClean="0"/>
+              <a:t>SIGHAN 2015</a:t>
+            </a:r>
+            <a:r>
+              <a:rPr lang="zh-CN" altLang="en-US" dirty="0" smtClean="0"/>
+              <a:t>常被用作</a:t>
+            </a:r>
+            <a:r>
+              <a:rPr lang="en-US" altLang="zh-CN" dirty="0" smtClean="0"/>
+              <a:t>benchmark</a:t>
+            </a:r>
+            <a:r>
+              <a:rPr lang="zh-CN" altLang="en-US" dirty="0" smtClean="0"/>
+              <a:t>，在该数据集上的最高</a:t>
+            </a:r>
+            <a:r>
+              <a:rPr lang="en-US" altLang="zh-CN" dirty="0" smtClean="0"/>
+              <a:t>F1</a:t>
+            </a:r>
+            <a:r>
+              <a:rPr lang="zh-CN" altLang="en-US" dirty="0" smtClean="0"/>
+              <a:t>为</a:t>
+            </a:r>
+            <a:r>
+              <a:rPr lang="en-US" altLang="zh-CN" dirty="0" smtClean="0"/>
+              <a:t>65.28</a:t>
+            </a:r>
+            <a:r>
+              <a:rPr lang="zh-CN" altLang="en-US" dirty="0" smtClean="0"/>
+              <a:t>。</a:t>
+            </a:r>
+            <a:endParaRPr lang="en-US" altLang="zh-CN" dirty="0" smtClean="0"/>
+          </a:p>
+          <a:p>
+            <a:r>
+              <a:rPr lang="zh-CN" altLang="en-US" dirty="0" smtClean="0"/>
+              <a:t>可以看到所有的方法都是用了混合模型，没有单独使用某一种模型就能达到较高分数的。</a:t>
+            </a:r>
+            <a:endParaRPr lang="en-US" altLang="zh-CN" dirty="0" smtClean="0"/>
+          </a:p>
+          <a:p>
+            <a:r>
+              <a:rPr lang="zh-CN" altLang="en-US" dirty="0"/>
+              <a:t>得益于</a:t>
+            </a:r>
+            <a:r>
+              <a:rPr lang="zh-CN" altLang="en-US" dirty="0" smtClean="0"/>
+              <a:t>近几年预训练技术的发展，将</a:t>
+            </a:r>
+            <a:r>
+              <a:rPr lang="en-US" altLang="zh-CN" dirty="0" smtClean="0"/>
+              <a:t>Pre-train</a:t>
+            </a:r>
+            <a:r>
+              <a:rPr lang="zh-CN" altLang="en-US" dirty="0" smtClean="0"/>
+              <a:t>加入到纠错中来也能得到很好的效果。</a:t>
+            </a:r>
+            <a:endParaRPr lang="en-US" altLang="zh-CN" dirty="0" smtClean="0"/>
+          </a:p>
+          <a:p>
+            <a:r>
+              <a:rPr lang="zh-CN" altLang="en-US" dirty="0"/>
+              <a:t>排名靠</a:t>
+            </a:r>
+            <a:r>
+              <a:rPr lang="zh-CN" altLang="en-US" dirty="0" smtClean="0"/>
+              <a:t>前的模型一般都基于</a:t>
+            </a:r>
+            <a:r>
+              <a:rPr lang="en-US" altLang="zh-CN" dirty="0" smtClean="0"/>
+              <a:t>Seq2seq</a:t>
+            </a:r>
+            <a:r>
+              <a:rPr lang="zh-CN" altLang="en-US" dirty="0" smtClean="0"/>
+              <a:t>模型</a:t>
+            </a:r>
+            <a:endParaRPr lang="zh-CN" altLang="en-US" dirty="0"/>
+          </a:p>
+        </p:txBody>
+      </p:sp>
+      <p:graphicFrame>
+        <p:nvGraphicFramePr>
+          <p:cNvPr id="5" name="表格 4"/>
+          <p:cNvGraphicFramePr>
+            <a:graphicFrameLocks noGrp="1"/>
+          </p:cNvGraphicFramePr>
+          <p:nvPr>
+            <p:extLst>
+              <p:ext uri="{D42A27DB-BD31-4B8C-83A1-F6EECF244321}">
+                <p14:modId xmlns:p14="http://schemas.microsoft.com/office/powerpoint/2010/main" val="1747869706"/>
+              </p:ext>
+            </p:extLst>
+          </p:nvPr>
+        </p:nvGraphicFramePr>
+        <p:xfrm>
+          <a:off x="6863787" y="205606"/>
+          <a:ext cx="4710896" cy="6274525"/>
+        </p:xfrm>
+        <a:graphic>
+          <a:graphicData uri="http://schemas.openxmlformats.org/drawingml/2006/table">
+            <a:tbl>
+              <a:tblPr/>
+              <a:tblGrid>
+                <a:gridCol w="3595159">
+                  <a:extLst>
+                    <a:ext uri="{9D8B030D-6E8A-4147-A177-3AD203B41FA5}">
+                      <a16:colId xmlns:a16="http://schemas.microsoft.com/office/drawing/2014/main" val="3393111147"/>
+                    </a:ext>
+                  </a:extLst>
+                </a:gridCol>
+                <a:gridCol w="1115737">
+                  <a:extLst>
+                    <a:ext uri="{9D8B030D-6E8A-4147-A177-3AD203B41FA5}">
+                      <a16:colId xmlns:a16="http://schemas.microsoft.com/office/drawing/2014/main" val="656868879"/>
+                    </a:ext>
+                  </a:extLst>
+                </a:gridCol>
+              </a:tblGrid>
+              <a:tr h="360952">
+                <a:tc>
+                  <a:txBody>
+                    <a:bodyPr/>
+                    <a:lstStyle/>
+                    <a:p>
+                      <a:pPr algn="l"/>
+                      <a:r>
+                        <a:rPr lang="en-US" sz="2000" b="1" dirty="0">
+                          <a:effectLst/>
+                        </a:rPr>
+                        <a:t>Model</a:t>
+                      </a:r>
+                    </a:p>
+                  </a:txBody>
+                  <a:tcPr marL="29739" marR="29739" marT="13726" marB="13726" anchor="ctr">
+                    <a:lnL w="7620" cap="flat" cmpd="sng" algn="ctr">
+                      <a:solidFill>
+                        <a:srgbClr val="DFE2E5"/>
+                      </a:solidFill>
+                      <a:prstDash val="solid"/>
+                      <a:round/>
+                      <a:headEnd type="none" w="med" len="med"/>
+                      <a:tailEnd type="none" w="med" len="med"/>
+                    </a:lnL>
+                    <a:lnR w="7620" cap="flat" cmpd="sng" algn="ctr">
+                      <a:solidFill>
+                        <a:srgbClr val="DFE2E5"/>
+                      </a:solidFill>
+                      <a:prstDash val="solid"/>
+                      <a:round/>
+                      <a:headEnd type="none" w="med" len="med"/>
+                      <a:tailEnd type="none" w="med" len="med"/>
+                    </a:lnR>
+                    <a:lnT w="7620" cap="flat" cmpd="sng" algn="ctr">
+                      <a:solidFill>
+                        <a:srgbClr val="DFE2E5"/>
+                      </a:solidFill>
+                      <a:prstDash val="solid"/>
+                      <a:round/>
+                      <a:headEnd type="none" w="med" len="med"/>
+                      <a:tailEnd type="none" w="med" len="med"/>
+                    </a:lnT>
+                    <a:lnB w="7620" cap="flat" cmpd="sng" algn="ctr">
+                      <a:solidFill>
+                        <a:srgbClr val="DFE2E5"/>
+                      </a:solidFill>
+                      <a:prstDash val="solid"/>
+                      <a:round/>
+                      <a:headEnd type="none" w="med" len="med"/>
+                      <a:tailEnd type="none" w="med" len="med"/>
+                    </a:lnB>
+                    <a:solidFill>
+                      <a:srgbClr val="FFFFFF"/>
+                    </a:solidFill>
+                  </a:tcPr>
+                </a:tc>
+                <a:tc>
+                  <a:txBody>
+                    <a:bodyPr/>
+                    <a:lstStyle/>
+                    <a:p>
+                      <a:pPr algn="ctr"/>
+                      <a:r>
+                        <a:rPr lang="en-US" sz="2000" b="1">
+                          <a:effectLst/>
+                        </a:rPr>
+                        <a:t>Correction F1</a:t>
+                      </a:r>
+                    </a:p>
+                  </a:txBody>
+                  <a:tcPr marL="29739" marR="29739" marT="13726" marB="13726" anchor="ctr">
+                    <a:lnL w="7620" cap="flat" cmpd="sng" algn="ctr">
+                      <a:solidFill>
+                        <a:srgbClr val="DFE2E5"/>
+                      </a:solidFill>
+                      <a:prstDash val="solid"/>
+                      <a:round/>
+                      <a:headEnd type="none" w="med" len="med"/>
+                      <a:tailEnd type="none" w="med" len="med"/>
+                    </a:lnL>
+                    <a:lnR w="7620" cap="flat" cmpd="sng" algn="ctr">
+                      <a:solidFill>
+                        <a:srgbClr val="DFE2E5"/>
+                      </a:solidFill>
+                      <a:prstDash val="solid"/>
+                      <a:round/>
+                      <a:headEnd type="none" w="med" len="med"/>
+                      <a:tailEnd type="none" w="med" len="med"/>
+                    </a:lnR>
+                    <a:lnT w="7620" cap="flat" cmpd="sng" algn="ctr">
+                      <a:solidFill>
+                        <a:srgbClr val="DFE2E5"/>
+                      </a:solidFill>
+                      <a:prstDash val="solid"/>
+                      <a:round/>
+                      <a:headEnd type="none" w="med" len="med"/>
+                      <a:tailEnd type="none" w="med" len="med"/>
+                    </a:lnT>
+                    <a:lnB w="7620" cap="flat" cmpd="sng" algn="ctr">
+                      <a:solidFill>
+                        <a:srgbClr val="DFE2E5"/>
+                      </a:solidFill>
+                      <a:prstDash val="solid"/>
+                      <a:round/>
+                      <a:headEnd type="none" w="med" len="med"/>
+                      <a:tailEnd type="none" w="med" len="med"/>
+                    </a:lnB>
+                    <a:solidFill>
+                      <a:srgbClr val="FFFFFF"/>
+                    </a:solidFill>
+                  </a:tcPr>
+                </a:tc>
+                <a:extLst>
+                  <a:ext uri="{0D108BD9-81ED-4DB2-BD59-A6C34878D82A}">
+                    <a16:rowId xmlns:a16="http://schemas.microsoft.com/office/drawing/2014/main" val="4287726373"/>
+                  </a:ext>
+                </a:extLst>
+              </a:tr>
+              <a:tr h="733158">
+                <a:tc>
+                  <a:txBody>
+                    <a:bodyPr/>
+                    <a:lstStyle/>
+                    <a:p>
+                      <a:pPr algn="l"/>
+                      <a:r>
+                        <a:rPr lang="en-US" sz="2000" dirty="0">
+                          <a:effectLst/>
+                        </a:rPr>
+                        <a:t>Pre-train + Sequence labeling + Masked LM</a:t>
+                      </a:r>
+                    </a:p>
+                  </a:txBody>
+                  <a:tcPr marL="29739" marR="29739" marT="13726" marB="13726" anchor="ctr">
+                    <a:lnL w="7620" cap="flat" cmpd="sng" algn="ctr">
+                      <a:solidFill>
+                        <a:srgbClr val="DFE2E5"/>
+                      </a:solidFill>
+                      <a:prstDash val="solid"/>
+                      <a:round/>
+                      <a:headEnd type="none" w="med" len="med"/>
+                      <a:tailEnd type="none" w="med" len="med"/>
+                    </a:lnL>
+                    <a:lnR w="7620" cap="flat" cmpd="sng" algn="ctr">
+                      <a:solidFill>
+                        <a:srgbClr val="DFE2E5"/>
+                      </a:solidFill>
+                      <a:prstDash val="solid"/>
+                      <a:round/>
+                      <a:headEnd type="none" w="med" len="med"/>
+                      <a:tailEnd type="none" w="med" len="med"/>
+                    </a:lnR>
+                    <a:lnT w="7620" cap="flat" cmpd="sng" algn="ctr">
+                      <a:solidFill>
+                        <a:srgbClr val="DFE2E5"/>
+                      </a:solidFill>
+                      <a:prstDash val="solid"/>
+                      <a:round/>
+                      <a:headEnd type="none" w="med" len="med"/>
+                      <a:tailEnd type="none" w="med" len="med"/>
+                    </a:lnT>
+                    <a:lnB w="7620" cap="flat" cmpd="sng" algn="ctr">
+                      <a:solidFill>
+                        <a:srgbClr val="DFE2E5"/>
+                      </a:solidFill>
+                      <a:prstDash val="solid"/>
+                      <a:round/>
+                      <a:headEnd type="none" w="med" len="med"/>
+                      <a:tailEnd type="none" w="med" len="med"/>
+                    </a:lnB>
+                    <a:solidFill>
+                      <a:srgbClr val="FFFFFF"/>
+                    </a:solidFill>
+                  </a:tcPr>
+                </a:tc>
+                <a:tc>
+                  <a:txBody>
+                    <a:bodyPr/>
+                    <a:lstStyle/>
+                    <a:p>
+                      <a:pPr algn="ctr"/>
+                      <a:r>
+                        <a:rPr lang="en-US" altLang="zh-CN" sz="2000" dirty="0">
+                          <a:effectLst/>
+                        </a:rPr>
+                        <a:t>65.28</a:t>
+                      </a:r>
+                    </a:p>
+                  </a:txBody>
+                  <a:tcPr marL="29739" marR="29739" marT="13726" marB="13726" anchor="ctr">
+                    <a:lnL w="7620" cap="flat" cmpd="sng" algn="ctr">
+                      <a:solidFill>
+                        <a:srgbClr val="DFE2E5"/>
+                      </a:solidFill>
+                      <a:prstDash val="solid"/>
+                      <a:round/>
+                      <a:headEnd type="none" w="med" len="med"/>
+                      <a:tailEnd type="none" w="med" len="med"/>
+                    </a:lnL>
+                    <a:lnR w="7620" cap="flat" cmpd="sng" algn="ctr">
+                      <a:solidFill>
+                        <a:srgbClr val="DFE2E5"/>
+                      </a:solidFill>
+                      <a:prstDash val="solid"/>
+                      <a:round/>
+                      <a:headEnd type="none" w="med" len="med"/>
+                      <a:tailEnd type="none" w="med" len="med"/>
+                    </a:lnR>
+                    <a:lnT w="7620" cap="flat" cmpd="sng" algn="ctr">
+                      <a:solidFill>
+                        <a:srgbClr val="DFE2E5"/>
+                      </a:solidFill>
+                      <a:prstDash val="solid"/>
+                      <a:round/>
+                      <a:headEnd type="none" w="med" len="med"/>
+                      <a:tailEnd type="none" w="med" len="med"/>
+                    </a:lnT>
+                    <a:lnB w="7620" cap="flat" cmpd="sng" algn="ctr">
+                      <a:solidFill>
+                        <a:srgbClr val="DFE2E5"/>
+                      </a:solidFill>
+                      <a:prstDash val="solid"/>
+                      <a:round/>
+                      <a:headEnd type="none" w="med" len="med"/>
+                      <a:tailEnd type="none" w="med" len="med"/>
+                    </a:lnB>
+                    <a:solidFill>
+                      <a:srgbClr val="FFFFFF"/>
+                    </a:solidFill>
+                  </a:tcPr>
+                </a:tc>
+                <a:extLst>
+                  <a:ext uri="{0D108BD9-81ED-4DB2-BD59-A6C34878D82A}">
+                    <a16:rowId xmlns:a16="http://schemas.microsoft.com/office/drawing/2014/main" val="4059105619"/>
+                  </a:ext>
+                </a:extLst>
+              </a:tr>
+              <a:tr h="1206152">
+                <a:tc>
+                  <a:txBody>
+                    <a:bodyPr/>
+                    <a:lstStyle/>
+                    <a:p>
+                      <a:pPr algn="l"/>
+                      <a:r>
+                        <a:rPr lang="en-US" sz="2000" dirty="0">
+                          <a:effectLst/>
+                        </a:rPr>
+                        <a:t>Pointer Networks + Seq2seq + </a:t>
+                      </a:r>
+                      <a:r>
+                        <a:rPr lang="en-US" sz="2000" dirty="0" err="1">
+                          <a:effectLst/>
+                        </a:rPr>
+                        <a:t>Confusionset</a:t>
+                      </a:r>
+                      <a:r>
+                        <a:rPr lang="en-US" sz="2000" dirty="0">
+                          <a:effectLst/>
+                        </a:rPr>
+                        <a:t>-guided copy mechanism</a:t>
+                      </a:r>
+                    </a:p>
+                  </a:txBody>
+                  <a:tcPr marL="29739" marR="29739" marT="13726" marB="13726" anchor="ctr">
+                    <a:lnL w="7620" cap="flat" cmpd="sng" algn="ctr">
+                      <a:solidFill>
+                        <a:srgbClr val="DFE2E5"/>
+                      </a:solidFill>
+                      <a:prstDash val="solid"/>
+                      <a:round/>
+                      <a:headEnd type="none" w="med" len="med"/>
+                      <a:tailEnd type="none" w="med" len="med"/>
+                    </a:lnL>
+                    <a:lnR w="7620" cap="flat" cmpd="sng" algn="ctr">
+                      <a:solidFill>
+                        <a:srgbClr val="DFE2E5"/>
+                      </a:solidFill>
+                      <a:prstDash val="solid"/>
+                      <a:round/>
+                      <a:headEnd type="none" w="med" len="med"/>
+                      <a:tailEnd type="none" w="med" len="med"/>
+                    </a:lnR>
+                    <a:lnT w="7620" cap="flat" cmpd="sng" algn="ctr">
+                      <a:solidFill>
+                        <a:srgbClr val="DFE2E5"/>
+                      </a:solidFill>
+                      <a:prstDash val="solid"/>
+                      <a:round/>
+                      <a:headEnd type="none" w="med" len="med"/>
+                      <a:tailEnd type="none" w="med" len="med"/>
+                    </a:lnT>
+                    <a:lnB w="7620" cap="flat" cmpd="sng" algn="ctr">
+                      <a:solidFill>
+                        <a:srgbClr val="DFE2E5"/>
+                      </a:solidFill>
+                      <a:prstDash val="solid"/>
+                      <a:round/>
+                      <a:headEnd type="none" w="med" len="med"/>
+                      <a:tailEnd type="none" w="med" len="med"/>
+                    </a:lnB>
+                    <a:solidFill>
+                      <a:srgbClr val="F6F8FA"/>
+                    </a:solidFill>
+                  </a:tcPr>
+                </a:tc>
+                <a:tc>
+                  <a:txBody>
+                    <a:bodyPr/>
+                    <a:lstStyle/>
+                    <a:p>
+                      <a:pPr algn="ctr"/>
+                      <a:r>
+                        <a:rPr lang="en-US" altLang="zh-CN" sz="2000" dirty="0">
+                          <a:effectLst/>
+                        </a:rPr>
+                        <a:t>64.9</a:t>
+                      </a:r>
+                    </a:p>
+                  </a:txBody>
+                  <a:tcPr marL="29739" marR="29739" marT="13726" marB="13726" anchor="ctr">
+                    <a:lnL w="7620" cap="flat" cmpd="sng" algn="ctr">
+                      <a:solidFill>
+                        <a:srgbClr val="DFE2E5"/>
+                      </a:solidFill>
+                      <a:prstDash val="solid"/>
+                      <a:round/>
+                      <a:headEnd type="none" w="med" len="med"/>
+                      <a:tailEnd type="none" w="med" len="med"/>
+                    </a:lnL>
+                    <a:lnR w="7620" cap="flat" cmpd="sng" algn="ctr">
+                      <a:solidFill>
+                        <a:srgbClr val="DFE2E5"/>
+                      </a:solidFill>
+                      <a:prstDash val="solid"/>
+                      <a:round/>
+                      <a:headEnd type="none" w="med" len="med"/>
+                      <a:tailEnd type="none" w="med" len="med"/>
+                    </a:lnR>
+                    <a:lnT w="7620" cap="flat" cmpd="sng" algn="ctr">
+                      <a:solidFill>
+                        <a:srgbClr val="DFE2E5"/>
+                      </a:solidFill>
+                      <a:prstDash val="solid"/>
+                      <a:round/>
+                      <a:headEnd type="none" w="med" len="med"/>
+                      <a:tailEnd type="none" w="med" len="med"/>
+                    </a:lnT>
+                    <a:lnB w="7620" cap="flat" cmpd="sng" algn="ctr">
+                      <a:solidFill>
+                        <a:srgbClr val="DFE2E5"/>
+                      </a:solidFill>
+                      <a:prstDash val="solid"/>
+                      <a:round/>
+                      <a:headEnd type="none" w="med" len="med"/>
+                      <a:tailEnd type="none" w="med" len="med"/>
+                    </a:lnB>
+                    <a:solidFill>
+                      <a:srgbClr val="F6F8FA"/>
+                    </a:solidFill>
+                  </a:tcPr>
+                </a:tc>
+                <a:extLst>
+                  <a:ext uri="{0D108BD9-81ED-4DB2-BD59-A6C34878D82A}">
+                    <a16:rowId xmlns:a16="http://schemas.microsoft.com/office/drawing/2014/main" val="2905504567"/>
+                  </a:ext>
+                </a:extLst>
+              </a:tr>
+              <a:tr h="1206152">
+                <a:tc>
+                  <a:txBody>
+                    <a:bodyPr/>
+                    <a:lstStyle/>
+                    <a:p>
+                      <a:pPr algn="l"/>
+                      <a:r>
+                        <a:rPr lang="en-US" sz="2000" dirty="0">
+                          <a:effectLst/>
+                        </a:rPr>
+                        <a:t>DAE-decoder + Pre-train + Masked-LM + Character similarity</a:t>
+                      </a:r>
+                    </a:p>
+                  </a:txBody>
+                  <a:tcPr marL="29739" marR="29739" marT="13726" marB="13726" anchor="ctr">
+                    <a:lnL w="7620" cap="flat" cmpd="sng" algn="ctr">
+                      <a:solidFill>
+                        <a:srgbClr val="DFE2E5"/>
+                      </a:solidFill>
+                      <a:prstDash val="solid"/>
+                      <a:round/>
+                      <a:headEnd type="none" w="med" len="med"/>
+                      <a:tailEnd type="none" w="med" len="med"/>
+                    </a:lnL>
+                    <a:lnR w="7620" cap="flat" cmpd="sng" algn="ctr">
+                      <a:solidFill>
+                        <a:srgbClr val="DFE2E5"/>
+                      </a:solidFill>
+                      <a:prstDash val="solid"/>
+                      <a:round/>
+                      <a:headEnd type="none" w="med" len="med"/>
+                      <a:tailEnd type="none" w="med" len="med"/>
+                    </a:lnR>
+                    <a:lnT w="7620" cap="flat" cmpd="sng" algn="ctr">
+                      <a:solidFill>
+                        <a:srgbClr val="DFE2E5"/>
+                      </a:solidFill>
+                      <a:prstDash val="solid"/>
+                      <a:round/>
+                      <a:headEnd type="none" w="med" len="med"/>
+                      <a:tailEnd type="none" w="med" len="med"/>
+                    </a:lnT>
+                    <a:lnB w="7620" cap="flat" cmpd="sng" algn="ctr">
+                      <a:solidFill>
+                        <a:srgbClr val="DFE2E5"/>
+                      </a:solidFill>
+                      <a:prstDash val="solid"/>
+                      <a:round/>
+                      <a:headEnd type="none" w="med" len="med"/>
+                      <a:tailEnd type="none" w="med" len="med"/>
+                    </a:lnB>
+                    <a:solidFill>
+                      <a:srgbClr val="FFFFFF"/>
+                    </a:solidFill>
+                  </a:tcPr>
+                </a:tc>
+                <a:tc>
+                  <a:txBody>
+                    <a:bodyPr/>
+                    <a:lstStyle/>
+                    <a:p>
+                      <a:pPr algn="ctr"/>
+                      <a:r>
+                        <a:rPr lang="en-US" altLang="zh-CN" sz="2000" dirty="0">
+                          <a:effectLst/>
+                        </a:rPr>
+                        <a:t>62.6</a:t>
+                      </a:r>
+                    </a:p>
+                  </a:txBody>
+                  <a:tcPr marL="29739" marR="29739" marT="13726" marB="13726" anchor="ctr">
+                    <a:lnL w="7620" cap="flat" cmpd="sng" algn="ctr">
+                      <a:solidFill>
+                        <a:srgbClr val="DFE2E5"/>
+                      </a:solidFill>
+                      <a:prstDash val="solid"/>
+                      <a:round/>
+                      <a:headEnd type="none" w="med" len="med"/>
+                      <a:tailEnd type="none" w="med" len="med"/>
+                    </a:lnL>
+                    <a:lnR w="7620" cap="flat" cmpd="sng" algn="ctr">
+                      <a:solidFill>
+                        <a:srgbClr val="DFE2E5"/>
+                      </a:solidFill>
+                      <a:prstDash val="solid"/>
+                      <a:round/>
+                      <a:headEnd type="none" w="med" len="med"/>
+                      <a:tailEnd type="none" w="med" len="med"/>
+                    </a:lnR>
+                    <a:lnT w="7620" cap="flat" cmpd="sng" algn="ctr">
+                      <a:solidFill>
+                        <a:srgbClr val="DFE2E5"/>
+                      </a:solidFill>
+                      <a:prstDash val="solid"/>
+                      <a:round/>
+                      <a:headEnd type="none" w="med" len="med"/>
+                      <a:tailEnd type="none" w="med" len="med"/>
+                    </a:lnT>
+                    <a:lnB w="7620" cap="flat" cmpd="sng" algn="ctr">
+                      <a:solidFill>
+                        <a:srgbClr val="DFE2E5"/>
+                      </a:solidFill>
+                      <a:prstDash val="solid"/>
+                      <a:round/>
+                      <a:headEnd type="none" w="med" len="med"/>
+                      <a:tailEnd type="none" w="med" len="med"/>
+                    </a:lnB>
+                    <a:solidFill>
+                      <a:srgbClr val="FFFFFF"/>
+                    </a:solidFill>
+                  </a:tcPr>
+                </a:tc>
+                <a:extLst>
+                  <a:ext uri="{0D108BD9-81ED-4DB2-BD59-A6C34878D82A}">
+                    <a16:rowId xmlns:a16="http://schemas.microsoft.com/office/drawing/2014/main" val="3874796613"/>
+                  </a:ext>
+                </a:extLst>
+              </a:tr>
+              <a:tr h="1230694">
+                <a:tc>
+                  <a:txBody>
+                    <a:bodyPr/>
+                    <a:lstStyle/>
+                    <a:p>
+                      <a:pPr algn="l"/>
+                      <a:r>
+                        <a:rPr lang="en-US" sz="2000" dirty="0">
+                          <a:effectLst/>
+                        </a:rPr>
+                        <a:t>Candidate Generation + Candidate Re-ranking + Global Decision Making</a:t>
+                      </a:r>
+                    </a:p>
+                  </a:txBody>
+                  <a:tcPr marL="29739" marR="29739" marT="13726" marB="13726" anchor="ctr">
+                    <a:lnL w="7620" cap="flat" cmpd="sng" algn="ctr">
+                      <a:solidFill>
+                        <a:srgbClr val="DFE2E5"/>
+                      </a:solidFill>
+                      <a:prstDash val="solid"/>
+                      <a:round/>
+                      <a:headEnd type="none" w="med" len="med"/>
+                      <a:tailEnd type="none" w="med" len="med"/>
+                    </a:lnL>
+                    <a:lnR w="7620" cap="flat" cmpd="sng" algn="ctr">
+                      <a:solidFill>
+                        <a:srgbClr val="DFE2E5"/>
+                      </a:solidFill>
+                      <a:prstDash val="solid"/>
+                      <a:round/>
+                      <a:headEnd type="none" w="med" len="med"/>
+                      <a:tailEnd type="none" w="med" len="med"/>
+                    </a:lnR>
+                    <a:lnT w="7620" cap="flat" cmpd="sng" algn="ctr">
+                      <a:solidFill>
+                        <a:srgbClr val="DFE2E5"/>
+                      </a:solidFill>
+                      <a:prstDash val="solid"/>
+                      <a:round/>
+                      <a:headEnd type="none" w="med" len="med"/>
+                      <a:tailEnd type="none" w="med" len="med"/>
+                    </a:lnT>
+                    <a:lnB w="7620" cap="flat" cmpd="sng" algn="ctr">
+                      <a:solidFill>
+                        <a:srgbClr val="DFE2E5"/>
+                      </a:solidFill>
+                      <a:prstDash val="solid"/>
+                      <a:round/>
+                      <a:headEnd type="none" w="med" len="med"/>
+                      <a:tailEnd type="none" w="med" len="med"/>
+                    </a:lnB>
+                    <a:solidFill>
+                      <a:srgbClr val="F6F8FA"/>
+                    </a:solidFill>
+                  </a:tcPr>
+                </a:tc>
+                <a:tc>
+                  <a:txBody>
+                    <a:bodyPr/>
+                    <a:lstStyle/>
+                    <a:p>
+                      <a:pPr algn="ctr"/>
+                      <a:r>
+                        <a:rPr lang="en-US" altLang="zh-CN" sz="2000" dirty="0">
+                          <a:effectLst/>
+                        </a:rPr>
+                        <a:t>62.54</a:t>
+                      </a:r>
+                    </a:p>
+                  </a:txBody>
+                  <a:tcPr marL="29739" marR="29739" marT="13726" marB="13726" anchor="ctr">
+                    <a:lnL w="7620" cap="flat" cmpd="sng" algn="ctr">
+                      <a:solidFill>
+                        <a:srgbClr val="DFE2E5"/>
+                      </a:solidFill>
+                      <a:prstDash val="solid"/>
+                      <a:round/>
+                      <a:headEnd type="none" w="med" len="med"/>
+                      <a:tailEnd type="none" w="med" len="med"/>
+                    </a:lnL>
+                    <a:lnR w="7620" cap="flat" cmpd="sng" algn="ctr">
+                      <a:solidFill>
+                        <a:srgbClr val="DFE2E5"/>
+                      </a:solidFill>
+                      <a:prstDash val="solid"/>
+                      <a:round/>
+                      <a:headEnd type="none" w="med" len="med"/>
+                      <a:tailEnd type="none" w="med" len="med"/>
+                    </a:lnR>
+                    <a:lnT w="7620" cap="flat" cmpd="sng" algn="ctr">
+                      <a:solidFill>
+                        <a:srgbClr val="DFE2E5"/>
+                      </a:solidFill>
+                      <a:prstDash val="solid"/>
+                      <a:round/>
+                      <a:headEnd type="none" w="med" len="med"/>
+                      <a:tailEnd type="none" w="med" len="med"/>
+                    </a:lnT>
+                    <a:lnB w="7620" cap="flat" cmpd="sng" algn="ctr">
+                      <a:solidFill>
+                        <a:srgbClr val="DFE2E5"/>
+                      </a:solidFill>
+                      <a:prstDash val="solid"/>
+                      <a:round/>
+                      <a:headEnd type="none" w="med" len="med"/>
+                      <a:tailEnd type="none" w="med" len="med"/>
+                    </a:lnB>
+                    <a:solidFill>
+                      <a:srgbClr val="F6F8FA"/>
+                    </a:solidFill>
+                  </a:tcPr>
+                </a:tc>
+                <a:extLst>
+                  <a:ext uri="{0D108BD9-81ED-4DB2-BD59-A6C34878D82A}">
+                    <a16:rowId xmlns:a16="http://schemas.microsoft.com/office/drawing/2014/main" val="4274601702"/>
+                  </a:ext>
+                </a:extLst>
+              </a:tr>
+              <a:tr h="1261317">
+                <a:tc>
+                  <a:txBody>
+                    <a:bodyPr/>
+                    <a:lstStyle/>
+                    <a:p>
+                      <a:pPr algn="l"/>
+                      <a:r>
+                        <a:rPr lang="en-US" sz="2000" dirty="0">
+                          <a:effectLst/>
+                        </a:rPr>
+                        <a:t>Data generation (OCR + ASR) + Sequence labeling + </a:t>
+                      </a:r>
+                      <a:r>
+                        <a:rPr lang="en-US" sz="2000" dirty="0" err="1">
+                          <a:effectLst/>
+                        </a:rPr>
+                        <a:t>BiLSTM</a:t>
+                      </a:r>
+                      <a:endParaRPr lang="en-US" sz="2000" dirty="0">
+                        <a:effectLst/>
+                      </a:endParaRPr>
+                    </a:p>
+                  </a:txBody>
+                  <a:tcPr marL="99060" marR="99060" anchor="ctr">
+                    <a:lnL w="7620" cap="flat" cmpd="sng" algn="ctr">
+                      <a:solidFill>
+                        <a:srgbClr val="DFE2E5"/>
+                      </a:solidFill>
+                      <a:prstDash val="solid"/>
+                      <a:round/>
+                      <a:headEnd type="none" w="med" len="med"/>
+                      <a:tailEnd type="none" w="med" len="med"/>
+                    </a:lnL>
+                    <a:lnR w="7620" cap="flat" cmpd="sng" algn="ctr">
+                      <a:solidFill>
+                        <a:srgbClr val="DFE2E5"/>
+                      </a:solidFill>
+                      <a:prstDash val="solid"/>
+                      <a:round/>
+                      <a:headEnd type="none" w="med" len="med"/>
+                      <a:tailEnd type="none" w="med" len="med"/>
+                    </a:lnR>
+                    <a:lnT w="7620" cap="flat" cmpd="sng" algn="ctr">
+                      <a:solidFill>
+                        <a:srgbClr val="DFE2E5"/>
+                      </a:solidFill>
+                      <a:prstDash val="solid"/>
+                      <a:round/>
+                      <a:headEnd type="none" w="med" len="med"/>
+                      <a:tailEnd type="none" w="med" len="med"/>
+                    </a:lnT>
+                    <a:lnB w="7620" cap="flat" cmpd="sng" algn="ctr">
+                      <a:solidFill>
+                        <a:srgbClr val="DFE2E5"/>
+                      </a:solidFill>
+                      <a:prstDash val="solid"/>
+                      <a:round/>
+                      <a:headEnd type="none" w="med" len="med"/>
+                      <a:tailEnd type="none" w="med" len="med"/>
+                    </a:lnB>
+                    <a:solidFill>
+                      <a:srgbClr val="F6F8FA"/>
+                    </a:solidFill>
+                  </a:tcPr>
+                </a:tc>
+                <a:tc>
+                  <a:txBody>
+                    <a:bodyPr/>
+                    <a:lstStyle/>
+                    <a:p>
+                      <a:pPr algn="ctr"/>
+                      <a:r>
+                        <a:rPr lang="en-US" altLang="zh-CN" sz="2000" dirty="0">
+                          <a:effectLst/>
+                        </a:rPr>
+                        <a:t>56.3</a:t>
+                      </a:r>
+                    </a:p>
+                  </a:txBody>
+                  <a:tcPr marL="99060" marR="99060" anchor="ctr">
+                    <a:lnL w="7620" cap="flat" cmpd="sng" algn="ctr">
+                      <a:solidFill>
+                        <a:srgbClr val="DFE2E5"/>
+                      </a:solidFill>
+                      <a:prstDash val="solid"/>
+                      <a:round/>
+                      <a:headEnd type="none" w="med" len="med"/>
+                      <a:tailEnd type="none" w="med" len="med"/>
+                    </a:lnL>
+                    <a:lnR w="7620" cap="flat" cmpd="sng" algn="ctr">
+                      <a:solidFill>
+                        <a:srgbClr val="DFE2E5"/>
+                      </a:solidFill>
+                      <a:prstDash val="solid"/>
+                      <a:round/>
+                      <a:headEnd type="none" w="med" len="med"/>
+                      <a:tailEnd type="none" w="med" len="med"/>
+                    </a:lnR>
+                    <a:lnT w="7620" cap="flat" cmpd="sng" algn="ctr">
+                      <a:solidFill>
+                        <a:srgbClr val="DFE2E5"/>
+                      </a:solidFill>
+                      <a:prstDash val="solid"/>
+                      <a:round/>
+                      <a:headEnd type="none" w="med" len="med"/>
+                      <a:tailEnd type="none" w="med" len="med"/>
+                    </a:lnT>
+                    <a:lnB w="7620" cap="flat" cmpd="sng" algn="ctr">
+                      <a:solidFill>
+                        <a:srgbClr val="DFE2E5"/>
+                      </a:solidFill>
+                      <a:prstDash val="solid"/>
+                      <a:round/>
+                      <a:headEnd type="none" w="med" len="med"/>
+                      <a:tailEnd type="none" w="med" len="med"/>
+                    </a:lnB>
+                    <a:solidFill>
+                      <a:srgbClr val="F6F8FA"/>
+                    </a:solidFill>
+                  </a:tcPr>
+                </a:tc>
+                <a:extLst>
+                  <a:ext uri="{0D108BD9-81ED-4DB2-BD59-A6C34878D82A}">
+                    <a16:rowId xmlns:a16="http://schemas.microsoft.com/office/drawing/2014/main" val="733704839"/>
+                  </a:ext>
+                </a:extLst>
+              </a:tr>
+            </a:tbl>
+          </a:graphicData>
+        </a:graphic>
+      </p:graphicFrame>
+    </p:spTree>
+    <p:extLst>
+      <p:ext uri="{BB962C8B-B14F-4D97-AF65-F5344CB8AC3E}">
+        <p14:creationId xmlns:p14="http://schemas.microsoft.com/office/powerpoint/2010/main" val="2765031826"/>
+      </p:ext>
+    </p:extLst>
+  </p:cSld>
+  <p:clrMapOvr>
+    <a:masterClrMapping/>
+  </p:clrMapOvr>
+  <p:timing>
+    <p:tnLst>
+      <p:par>
+        <p:cTn id="1" dur="indefinite" restart="never" nodeType="tmRoot"/>
+      </p:par>
+    </p:tnLst>
+  </p:timing>
 </p:sld>
 </file>
 
 <file path=ppt/theme/theme1.xml><?xml version="1.0" encoding="utf-8"?>
-<a:theme xmlns:a="http://schemas.openxmlformats.org/drawingml/2006/main" name="包裹">
+<a:theme xmlns:a="http://schemas.openxmlformats.org/drawingml/2006/main" name="HDOfficeLightV0">
   <a:themeElements>
-    <a:clrScheme name="包裹">
+    <a:clrScheme name="Office">
+      <a:dk1>
+        <a:sysClr val="windowText" lastClr="000000"/>
+      </a:dk1>
+      <a:lt1>
+        <a:sysClr val="window" lastClr="FFFFFF"/>
+      </a:lt1>
+      <a:dk2>
+        <a:srgbClr val="44546A"/>
+      </a:dk2>
+      <a:lt2>
+        <a:srgbClr val="E7E6E6"/>
+      </a:lt2>
+      <a:accent1>
+        <a:srgbClr val="5B9BD5"/>
+      </a:accent1>
+      <a:accent2>
+        <a:srgbClr val="ED7D31"/>
+      </a:accent2>
+      <a:accent3>
+        <a:srgbClr val="A5A5A5"/>
+      </a:accent3>
+      <a:accent4>
+        <a:srgbClr val="FFC000"/>
+      </a:accent4>
+      <a:accent5>
+        <a:srgbClr val="4472C4"/>
+      </a:accent5>
+      <a:accent6>
+        <a:srgbClr val="70AD47"/>
+      </a:accent6>
+      <a:hlink>
+        <a:srgbClr val="0563C1"/>
+      </a:hlink>
+      <a:folHlink>
+        <a:srgbClr val="954F72"/>
+      </a:folHlink>
+    </a:clrScheme>
+    <a:fontScheme name="Office">
+      <a:majorFont>
+        <a:latin typeface="Calibri Light"/>
+        <a:ea typeface=""/>
+        <a:cs typeface=""/>
+        <a:font script="Jpan" typeface="ＭＳ Ｐゴシック"/>
+        <a:font script="Hang" typeface="맑은 고딕"/>
+        <a:font script="Hans" typeface="宋体"/>
+        <a:font script="Hant" typeface="新細明體"/>
+        <a:font script="Arab" typeface="Times New Roman"/>
+        <a:font script="Hebr" typeface="Times New Roman"/>
+        <a:font script="Thai" typeface="Angsana New"/>
+        <a:font script="Ethi" typeface="Nyala"/>
+        <a:font script="Beng" typeface="Vrinda"/>
+        <a:font script="Gujr" typeface="Shruti"/>
+        <a:font script="Khmr" typeface="MoolBoran"/>
+        <a:font script="Knda" typeface="Tunga"/>
+        <a:font script="Guru" typeface="Raavi"/>
+        <a:font script="Cans" typeface="Euphemia"/>
+        <a:font script="Cher" typeface="Plantagenet Cherokee"/>
+        <a:font script="Yiii" typeface="Microsoft Yi Baiti"/>
+        <a:font script="Tibt" typeface="Microsoft Himalaya"/>
+        <a:font script="Thaa" typeface="MV Boli"/>
+        <a:font script="Deva" typeface="Mangal"/>
+        <a:font script="Telu" typeface="Gautami"/>
+        <a:font script="Taml" typeface="Latha"/>
+        <a:font script="Syrc" typeface="Estrangelo Edessa"/>
+        <a:font script="Orya" typeface="Kalinga"/>
+        <a:font script="Mlym" typeface="Kartika"/>
+        <a:font script="Laoo" typeface="DokChampa"/>
+        <a:font script="Sinh" typeface="Iskoola Pota"/>
+        <a:font script="Mong" typeface="Mongolian Baiti"/>
+        <a:font script="Viet" typeface="Times New Roman"/>
+        <a:font script="Uigh" typeface="Microsoft Uighur"/>
+        <a:font script="Geor" typeface="Sylfaen"/>
+      </a:majorFont>
+      <a:minorFont>
+        <a:latin typeface="Calibri"/>
+        <a:ea typeface=""/>
+        <a:cs typeface=""/>
+        <a:font script="Jpan" typeface="ＭＳ Ｐゴシック"/>
+        <a:font script="Hang" typeface="맑은 고딕"/>
+        <a:font script="Hans" typeface="宋体"/>
+        <a:font script="Hant" typeface="新細明體"/>
+        <a:font script="Arab" typeface="Arial"/>
+        <a:font script="Hebr" typeface="Arial"/>
+        <a:font script="Thai" typeface="Cordia New"/>
+        <a:font script="Ethi" typeface="Nyala"/>
+        <a:font script="Beng" typeface="Vrinda"/>
+        <a:font script="Gujr" typeface="Shruti"/>
+        <a:font script="Khmr" typeface="DaunPenh"/>
+        <a:font script="Knda" typeface="Tunga"/>
+        <a:font script="Guru" typeface="Raavi"/>
+        <a:font script="Cans" typeface="Euphemia"/>
+        <a:font script="Cher" typeface="Plantagenet Cherokee"/>
+        <a:font script="Yiii" typeface="Microsoft Yi Baiti"/>
+        <a:font script="Tibt" typeface="Microsoft Himalaya"/>
+        <a:font script="Thaa" typeface="MV Boli"/>
+        <a:font script="Deva" typeface="Mangal"/>
+        <a:font script="Telu" typeface="Gautami"/>
+        <a:font script="Taml" typeface="Latha"/>
+        <a:font script="Syrc" typeface="Estrangelo Edessa"/>
+        <a:font script="Orya" typeface="Kalinga"/>
+        <a:font script="Mlym" typeface="Kartika"/>
+        <a:font script="Laoo" typeface="DokChampa"/>
+        <a:font script="Sinh" typeface="Iskoola Pota"/>
+        <a:font script="Mong" typeface="Mongolian Baiti"/>
+        <a:font script="Viet" typeface="Arial"/>
+        <a:font script="Uigh" typeface="Microsoft Uighur"/>
+        <a:font script="Geor" typeface="Sylfaen"/>
+      </a:minorFont>
+    </a:fontScheme>
+    <a:fmtScheme name="Office">
+      <a:fillStyleLst>
+        <a:solidFill>
+          <a:schemeClr val="phClr"/>
+        </a:solidFill>
+        <a:gradFill rotWithShape="1">
+          <a:gsLst>
+            <a:gs pos="0">
+              <a:schemeClr val="phClr">
+                <a:tint val="67000"/>
+                <a:satMod val="105000"/>
+                <a:lumMod val="110000"/>
+              </a:schemeClr>
+            </a:gs>
+            <a:gs pos="50000">
+              <a:schemeClr val="phClr">
+                <a:tint val="73000"/>
+                <a:satMod val="103000"/>
+                <a:lumMod val="105000"/>
+              </a:schemeClr>
+            </a:gs>
+            <a:gs pos="100000">
+              <a:schemeClr val="phClr">
+                <a:tint val="81000"/>
+                <a:satMod val="109000"/>
+                <a:lumMod val="105000"/>
+              </a:schemeClr>
+            </a:gs>
+          </a:gsLst>
+          <a:lin ang="5400000" scaled="0"/>
+        </a:gradFill>
+        <a:gradFill rotWithShape="1">
+          <a:gsLst>
+            <a:gs pos="0">
+              <a:schemeClr val="phClr">
+                <a:tint val="94000"/>
+                <a:satMod val="103000"/>
+                <a:lumMod val="102000"/>
+              </a:schemeClr>
+            </a:gs>
+            <a:gs pos="50000">
+              <a:schemeClr val="phClr">
+                <a:shade val="100000"/>
+                <a:satMod val="110000"/>
+                <a:lumMod val="100000"/>
+              </a:schemeClr>
+            </a:gs>
+            <a:gs pos="100000">
+              <a:schemeClr val="phClr">
+                <a:shade val="78000"/>
+                <a:satMod val="120000"/>
+                <a:lumMod val="99000"/>
+              </a:schemeClr>
+            </a:gs>
+          </a:gsLst>
+          <a:lin ang="5400000" scaled="0"/>
+        </a:gradFill>
+      </a:fillStyleLst>
+      <a:lnStyleLst>
+        <a:ln w="6350" cap="flat" cmpd="sng" algn="ctr">
+          <a:solidFill>
+            <a:schemeClr val="phClr"/>
+          </a:solidFill>
+          <a:prstDash val="solid"/>
+        </a:ln>
+        <a:ln w="12700" cap="flat" cmpd="sng" algn="ctr">
+          <a:solidFill>
+            <a:schemeClr val="phClr"/>
+          </a:solidFill>
+          <a:prstDash val="solid"/>
+        </a:ln>
+        <a:ln w="19050" cap="flat" cmpd="sng" algn="ctr">
+          <a:solidFill>
+            <a:schemeClr val="phClr"/>
+          </a:solidFill>
+          <a:prstDash val="solid"/>
+        </a:ln>
+      </a:lnStyleLst>
+      <a:effectStyleLst>
+        <a:effectStyle>
+          <a:effectLst/>
+        </a:effectStyle>
+        <a:effectStyle>
+          <a:effectLst/>
+        </a:effectStyle>
+        <a:effectStyle>
+          <a:effectLst>
+            <a:outerShdw blurRad="57150" dist="19050" dir="5400000" algn="ctr" rotWithShape="0">
+              <a:srgbClr val="000000">
+                <a:alpha val="63000"/>
+              </a:srgbClr>
+            </a:outerShdw>
+          </a:effectLst>
+        </a:effectStyle>
+      </a:effectStyleLst>
+      <a:bgFillStyleLst>
+        <a:solidFill>
+          <a:schemeClr val="phClr"/>
+        </a:solidFill>
+        <a:solidFill>
+          <a:schemeClr val="phClr">
+            <a:tint val="95000"/>
+            <a:satMod val="170000"/>
+          </a:schemeClr>
+        </a:solidFill>
+        <a:gradFill rotWithShape="1">
+          <a:gsLst>
+            <a:gs pos="0">
+              <a:schemeClr val="phClr">
+                <a:tint val="93000"/>
+                <a:shade val="98000"/>
+                <a:satMod val="150000"/>
+                <a:lumMod val="102000"/>
+              </a:schemeClr>
+            </a:gs>
+            <a:gs pos="50000">
+              <a:schemeClr val="phClr">
+                <a:tint val="98000"/>
+                <a:shade val="90000"/>
+                <a:satMod val="130000"/>
+                <a:lumMod val="103000"/>
+              </a:schemeClr>
+            </a:gs>
+            <a:gs pos="100000">
+              <a:schemeClr val="phClr">
+                <a:shade val="63000"/>
+                <a:satMod val="120000"/>
+              </a:schemeClr>
+            </a:gs>
+          </a:gsLst>
+          <a:lin ang="5400000" scaled="0"/>
+        </a:gradFill>
+      </a:bgFillStyleLst>
+    </a:fmtScheme>
+  </a:themeElements>
+  <a:objectDefaults/>
+  <a:extraClrSchemeLst/>
+</a:theme>
+</file>
+
+<file path=ppt/theme/theme2.xml><?xml version="1.0" encoding="utf-8"?>
+<a:theme xmlns:a="http://schemas.openxmlformats.org/drawingml/2006/main" name="Parcel">
+  <a:themeElements>
+    <a:clrScheme name="Parcel">
       <a:dk1>
         <a:srgbClr val="000000"/>
       </a:dk1>
@@ -3609,7 +10840,7 @@
         <a:srgbClr val="738F97"/>
       </a:folHlink>
     </a:clrScheme>
-    <a:fontScheme name="包裹">
+    <a:fontScheme name="Parcel">
       <a:majorFont>
         <a:latin typeface="Gill Sans MT" panose="020B0502020104020203"/>
         <a:ea typeface=""/>
@@ -3685,7 +10916,7 @@
         <a:font script="Geor" typeface="Sylfaen"/>
       </a:minorFont>
     </a:fontScheme>
-    <a:fmtScheme name="包裹">
+    <a:fmtScheme name="Parcel">
       <a:fillStyleLst>
         <a:solidFill>
           <a:schemeClr val="phClr"/>
